--- a/docs/Presentations/SRSPresentation .pptx
+++ b/docs/Presentations/SRSPresentation .pptx
@@ -14,10 +14,10 @@
     <p:sldId id="261" r:id="rId8"/>
     <p:sldId id="262" r:id="rId9"/>
     <p:sldId id="273" r:id="rId10"/>
-    <p:sldId id="260" r:id="rId11"/>
-    <p:sldId id="269" r:id="rId12"/>
-    <p:sldId id="257" r:id="rId13"/>
-    <p:sldId id="272" r:id="rId14"/>
+    <p:sldId id="274" r:id="rId11"/>
+    <p:sldId id="275" r:id="rId12"/>
+    <p:sldId id="269" r:id="rId13"/>
+    <p:sldId id="257" r:id="rId14"/>
     <p:sldId id="270" r:id="rId15"/>
   </p:sldIdLst>
   <p:sldSz cx="18288000" cy="10287000"/>
@@ -26,16 +26,6 @@
     <p:embeddedFont>
       <p:font typeface="Arial Unicode MS" panose="020B0604020202020204" pitchFamily="34" charset="-120"/>
       <p:regular r:id="rId17"/>
-    </p:embeddedFont>
-    <p:embeddedFont>
-      <p:font typeface="Open Sans Bold" panose="02020500000000000000" charset="0"/>
-      <p:regular r:id="rId18"/>
-      <p:bold r:id="rId19"/>
-    </p:embeddedFont>
-    <p:embeddedFont>
-      <p:font typeface="微軟正黑體" panose="020B0604030504040204" pitchFamily="34" charset="-120"/>
-      <p:regular r:id="rId20"/>
-      <p:bold r:id="rId21"/>
     </p:embeddedFont>
   </p:embeddedFontLst>
   <p:defaultTextStyle>
@@ -243,7 +233,7 @@
           <a:p>
             <a:fld id="{14CBD82C-B7A0-4D29-8FD1-D9E66D485A47}" type="datetimeFigureOut">
               <a:rPr lang="zh-TW" altLang="en-US" smtClean="0"/>
-              <a:t>2024/2/1</a:t>
+              <a:t>2024/2/2</a:t>
             </a:fld>
             <a:endParaRPr lang="zh-TW" altLang="en-US"/>
           </a:p>
@@ -655,17 +645,7 @@
               <a:tabLst/>
               <a:defRPr/>
             </a:pPr>
-            <a:r>
-              <a:rPr lang="en-US" altLang="zh-TW" sz="1200" dirty="0"/>
-              <a:t>The corrosion current density (often expressed in µA/cm²) is a measure of the rate at which electrons are transferred in the corrosion process. It provides information about how quickly the metal is corroding per unit area.</a:t>
-            </a:r>
-            <a:br>
-              <a:rPr lang="en-US" altLang="zh-TW" sz="1200" dirty="0"/>
-            </a:br>
-            <a:r>
-              <a:rPr lang="en-US" altLang="zh-TW" sz="1200" dirty="0"/>
-              <a:t>Microamperes (µA) represent the flow of electric current associated with the electrochemical reactions taking place during corrosion.</a:t>
-            </a:r>
+            <a:endParaRPr lang="en-US" altLang="zh-TW" sz="1200" dirty="0"/>
           </a:p>
         </p:txBody>
       </p:sp>
@@ -696,6 +676,296 @@
     <p:extLst>
       <p:ext uri="{BB962C8B-B14F-4D97-AF65-F5344CB8AC3E}">
         <p14:creationId xmlns:p14="http://schemas.microsoft.com/office/powerpoint/2010/main" val="3115736108"/>
+      </p:ext>
+    </p:extLst>
+  </p:cSld>
+  <p:clrMapOvr>
+    <a:masterClrMapping/>
+  </p:clrMapOvr>
+</p:notes>
+</file>
+
+<file path=ppt/notesSlides/notesSlide3.xml><?xml version="1.0" encoding="utf-8"?>
+<p:notes xmlns:a="http://schemas.openxmlformats.org/drawingml/2006/main" xmlns:r="http://schemas.openxmlformats.org/officeDocument/2006/relationships" xmlns:p="http://schemas.openxmlformats.org/presentationml/2006/main">
+  <p:cSld>
+    <p:spTree>
+      <p:nvGrpSpPr>
+        <p:cNvPr id="1" name=""/>
+        <p:cNvGrpSpPr/>
+        <p:nvPr/>
+      </p:nvGrpSpPr>
+      <p:grpSpPr>
+        <a:xfrm>
+          <a:off x="0" y="0"/>
+          <a:ext cx="0" cy="0"/>
+          <a:chOff x="0" y="0"/>
+          <a:chExt cx="0" cy="0"/>
+        </a:xfrm>
+      </p:grpSpPr>
+      <p:sp>
+        <p:nvSpPr>
+          <p:cNvPr id="2" name="投影片影像版面配置區 1"/>
+          <p:cNvSpPr>
+            <a:spLocks noGrp="1" noRot="1" noChangeAspect="1"/>
+          </p:cNvSpPr>
+          <p:nvPr>
+            <p:ph type="sldImg"/>
+          </p:nvPr>
+        </p:nvSpPr>
+        <p:spPr/>
+      </p:sp>
+      <p:sp>
+        <p:nvSpPr>
+          <p:cNvPr id="3" name="備忘稿版面配置區 2"/>
+          <p:cNvSpPr>
+            <a:spLocks noGrp="1"/>
+          </p:cNvSpPr>
+          <p:nvPr>
+            <p:ph type="body" idx="1"/>
+          </p:nvPr>
+        </p:nvSpPr>
+        <p:spPr/>
+        <p:txBody>
+          <a:bodyPr/>
+          <a:lstStyle/>
+          <a:p>
+            <a:pPr marL="0" marR="0" lvl="0" indent="0" algn="l" defTabSz="914400" rtl="0" eaLnBrk="1" fontAlgn="auto" latinLnBrk="0" hangingPunct="1">
+              <a:lnSpc>
+                <a:spcPct val="100000"/>
+              </a:lnSpc>
+              <a:spcBef>
+                <a:spcPts val="0"/>
+              </a:spcBef>
+              <a:spcAft>
+                <a:spcPts val="0"/>
+              </a:spcAft>
+              <a:buClrTx/>
+              <a:buSzTx/>
+              <a:buFontTx/>
+              <a:buNone/>
+              <a:tabLst/>
+              <a:defRPr/>
+            </a:pPr>
+            <a:endParaRPr lang="en-US" altLang="zh-TW" sz="1200" dirty="0"/>
+          </a:p>
+        </p:txBody>
+      </p:sp>
+      <p:sp>
+        <p:nvSpPr>
+          <p:cNvPr id="4" name="投影片編號版面配置區 3"/>
+          <p:cNvSpPr>
+            <a:spLocks noGrp="1"/>
+          </p:cNvSpPr>
+          <p:nvPr>
+            <p:ph type="sldNum" sz="quarter" idx="5"/>
+          </p:nvPr>
+        </p:nvSpPr>
+        <p:spPr/>
+        <p:txBody>
+          <a:bodyPr/>
+          <a:lstStyle/>
+          <a:p>
+            <a:fld id="{89E6D79F-2F2D-4B10-BEDC-B7C4A2EC6EDA}" type="slidenum">
+              <a:rPr lang="zh-TW" altLang="en-US" smtClean="0"/>
+              <a:t>6</a:t>
+            </a:fld>
+            <a:endParaRPr lang="zh-TW" altLang="en-US"/>
+          </a:p>
+        </p:txBody>
+      </p:sp>
+    </p:spTree>
+    <p:extLst>
+      <p:ext uri="{BB962C8B-B14F-4D97-AF65-F5344CB8AC3E}">
+        <p14:creationId xmlns:p14="http://schemas.microsoft.com/office/powerpoint/2010/main" val="3503045515"/>
+      </p:ext>
+    </p:extLst>
+  </p:cSld>
+  <p:clrMapOvr>
+    <a:masterClrMapping/>
+  </p:clrMapOvr>
+</p:notes>
+</file>
+
+<file path=ppt/notesSlides/notesSlide4.xml><?xml version="1.0" encoding="utf-8"?>
+<p:notes xmlns:a="http://schemas.openxmlformats.org/drawingml/2006/main" xmlns:r="http://schemas.openxmlformats.org/officeDocument/2006/relationships" xmlns:p="http://schemas.openxmlformats.org/presentationml/2006/main">
+  <p:cSld>
+    <p:spTree>
+      <p:nvGrpSpPr>
+        <p:cNvPr id="1" name=""/>
+        <p:cNvGrpSpPr/>
+        <p:nvPr/>
+      </p:nvGrpSpPr>
+      <p:grpSpPr>
+        <a:xfrm>
+          <a:off x="0" y="0"/>
+          <a:ext cx="0" cy="0"/>
+          <a:chOff x="0" y="0"/>
+          <a:chExt cx="0" cy="0"/>
+        </a:xfrm>
+      </p:grpSpPr>
+      <p:sp>
+        <p:nvSpPr>
+          <p:cNvPr id="2" name="投影片影像版面配置區 1"/>
+          <p:cNvSpPr>
+            <a:spLocks noGrp="1" noRot="1" noChangeAspect="1"/>
+          </p:cNvSpPr>
+          <p:nvPr>
+            <p:ph type="sldImg"/>
+          </p:nvPr>
+        </p:nvSpPr>
+        <p:spPr/>
+      </p:sp>
+      <p:sp>
+        <p:nvSpPr>
+          <p:cNvPr id="3" name="備忘稿版面配置區 2"/>
+          <p:cNvSpPr>
+            <a:spLocks noGrp="1"/>
+          </p:cNvSpPr>
+          <p:nvPr>
+            <p:ph type="body" idx="1"/>
+          </p:nvPr>
+        </p:nvSpPr>
+        <p:spPr/>
+        <p:txBody>
+          <a:bodyPr/>
+          <a:lstStyle/>
+          <a:p>
+            <a:pPr marL="0" marR="0" lvl="0" indent="0" algn="l" defTabSz="914400" rtl="0" eaLnBrk="1" fontAlgn="auto" latinLnBrk="0" hangingPunct="1">
+              <a:lnSpc>
+                <a:spcPct val="100000"/>
+              </a:lnSpc>
+              <a:spcBef>
+                <a:spcPts val="0"/>
+              </a:spcBef>
+              <a:spcAft>
+                <a:spcPts val="0"/>
+              </a:spcAft>
+              <a:buClrTx/>
+              <a:buSzTx/>
+              <a:buFontTx/>
+              <a:buNone/>
+              <a:tabLst/>
+              <a:defRPr/>
+            </a:pPr>
+            <a:endParaRPr lang="en-US" altLang="zh-TW" sz="1200" dirty="0"/>
+          </a:p>
+        </p:txBody>
+      </p:sp>
+      <p:sp>
+        <p:nvSpPr>
+          <p:cNvPr id="4" name="投影片編號版面配置區 3"/>
+          <p:cNvSpPr>
+            <a:spLocks noGrp="1"/>
+          </p:cNvSpPr>
+          <p:nvPr>
+            <p:ph type="sldNum" sz="quarter" idx="5"/>
+          </p:nvPr>
+        </p:nvSpPr>
+        <p:spPr/>
+        <p:txBody>
+          <a:bodyPr/>
+          <a:lstStyle/>
+          <a:p>
+            <a:fld id="{89E6D79F-2F2D-4B10-BEDC-B7C4A2EC6EDA}" type="slidenum">
+              <a:rPr lang="zh-TW" altLang="en-US" smtClean="0"/>
+              <a:t>7</a:t>
+            </a:fld>
+            <a:endParaRPr lang="zh-TW" altLang="en-US"/>
+          </a:p>
+        </p:txBody>
+      </p:sp>
+    </p:spTree>
+    <p:extLst>
+      <p:ext uri="{BB962C8B-B14F-4D97-AF65-F5344CB8AC3E}">
+        <p14:creationId xmlns:p14="http://schemas.microsoft.com/office/powerpoint/2010/main" val="807431324"/>
+      </p:ext>
+    </p:extLst>
+  </p:cSld>
+  <p:clrMapOvr>
+    <a:masterClrMapping/>
+  </p:clrMapOvr>
+</p:notes>
+</file>
+
+<file path=ppt/notesSlides/notesSlide5.xml><?xml version="1.0" encoding="utf-8"?>
+<p:notes xmlns:a="http://schemas.openxmlformats.org/drawingml/2006/main" xmlns:r="http://schemas.openxmlformats.org/officeDocument/2006/relationships" xmlns:p="http://schemas.openxmlformats.org/presentationml/2006/main">
+  <p:cSld>
+    <p:spTree>
+      <p:nvGrpSpPr>
+        <p:cNvPr id="1" name=""/>
+        <p:cNvGrpSpPr/>
+        <p:nvPr/>
+      </p:nvGrpSpPr>
+      <p:grpSpPr>
+        <a:xfrm>
+          <a:off x="0" y="0"/>
+          <a:ext cx="0" cy="0"/>
+          <a:chOff x="0" y="0"/>
+          <a:chExt cx="0" cy="0"/>
+        </a:xfrm>
+      </p:grpSpPr>
+      <p:sp>
+        <p:nvSpPr>
+          <p:cNvPr id="2" name="投影片影像版面配置區 1"/>
+          <p:cNvSpPr>
+            <a:spLocks noGrp="1" noRot="1" noChangeAspect="1"/>
+          </p:cNvSpPr>
+          <p:nvPr>
+            <p:ph type="sldImg"/>
+          </p:nvPr>
+        </p:nvSpPr>
+        <p:spPr/>
+      </p:sp>
+      <p:sp>
+        <p:nvSpPr>
+          <p:cNvPr id="3" name="備忘稿版面配置區 2"/>
+          <p:cNvSpPr>
+            <a:spLocks noGrp="1"/>
+          </p:cNvSpPr>
+          <p:nvPr>
+            <p:ph type="body" idx="1"/>
+          </p:nvPr>
+        </p:nvSpPr>
+        <p:spPr/>
+        <p:txBody>
+          <a:bodyPr/>
+          <a:lstStyle/>
+          <a:p>
+            <a:r>
+              <a:rPr lang="en-US" altLang="zh-TW" dirty="0"/>
+              <a:t>Carbonation, sulfate attack</a:t>
+            </a:r>
+            <a:endParaRPr lang="zh-TW" altLang="en-US" dirty="0"/>
+          </a:p>
+        </p:txBody>
+      </p:sp>
+      <p:sp>
+        <p:nvSpPr>
+          <p:cNvPr id="4" name="投影片編號版面配置區 3"/>
+          <p:cNvSpPr>
+            <a:spLocks noGrp="1"/>
+          </p:cNvSpPr>
+          <p:nvPr>
+            <p:ph type="sldNum" sz="quarter" idx="5"/>
+          </p:nvPr>
+        </p:nvSpPr>
+        <p:spPr/>
+        <p:txBody>
+          <a:bodyPr/>
+          <a:lstStyle/>
+          <a:p>
+            <a:fld id="{89E6D79F-2F2D-4B10-BEDC-B7C4A2EC6EDA}" type="slidenum">
+              <a:rPr lang="zh-TW" altLang="en-US" smtClean="0"/>
+              <a:t>8</a:t>
+            </a:fld>
+            <a:endParaRPr lang="zh-TW" altLang="en-US"/>
+          </a:p>
+        </p:txBody>
+      </p:sp>
+    </p:spTree>
+    <p:extLst>
+      <p:ext uri="{BB962C8B-B14F-4D97-AF65-F5344CB8AC3E}">
+        <p14:creationId xmlns:p14="http://schemas.microsoft.com/office/powerpoint/2010/main" val="1412863298"/>
       </p:ext>
     </p:extLst>
   </p:cSld>
@@ -885,7 +1155,7 @@
             <a:fld id="{1D8BD707-D9CF-40AE-B4C6-C98DA3205C09}" type="datetimeFigureOut">
               <a:rPr lang="en-US" smtClean="0"/>
               <a:pPr/>
-              <a:t>2/1/2024</a:t>
+              <a:t>2/2/2024</a:t>
             </a:fld>
             <a:endParaRPr lang="en-US"/>
           </a:p>
@@ -1050,7 +1320,7 @@
             <a:fld id="{1D8BD707-D9CF-40AE-B4C6-C98DA3205C09}" type="datetimeFigureOut">
               <a:rPr lang="en-US" smtClean="0"/>
               <a:pPr/>
-              <a:t>2/1/2024</a:t>
+              <a:t>2/2/2024</a:t>
             </a:fld>
             <a:endParaRPr lang="en-US"/>
           </a:p>
@@ -1225,7 +1495,7 @@
             <a:fld id="{1D8BD707-D9CF-40AE-B4C6-C98DA3205C09}" type="datetimeFigureOut">
               <a:rPr lang="en-US" smtClean="0"/>
               <a:pPr/>
-              <a:t>2/1/2024</a:t>
+              <a:t>2/2/2024</a:t>
             </a:fld>
             <a:endParaRPr lang="en-US"/>
           </a:p>
@@ -1390,7 +1660,7 @@
             <a:fld id="{1D8BD707-D9CF-40AE-B4C6-C98DA3205C09}" type="datetimeFigureOut">
               <a:rPr lang="en-US" smtClean="0"/>
               <a:pPr/>
-              <a:t>2/1/2024</a:t>
+              <a:t>2/2/2024</a:t>
             </a:fld>
             <a:endParaRPr lang="en-US"/>
           </a:p>
@@ -1632,7 +1902,7 @@
             <a:fld id="{1D8BD707-D9CF-40AE-B4C6-C98DA3205C09}" type="datetimeFigureOut">
               <a:rPr lang="en-US" smtClean="0"/>
               <a:pPr/>
-              <a:t>2/1/2024</a:t>
+              <a:t>2/2/2024</a:t>
             </a:fld>
             <a:endParaRPr lang="en-US"/>
           </a:p>
@@ -1914,7 +2184,7 @@
             <a:fld id="{1D8BD707-D9CF-40AE-B4C6-C98DA3205C09}" type="datetimeFigureOut">
               <a:rPr lang="en-US" smtClean="0"/>
               <a:pPr/>
-              <a:t>2/1/2024</a:t>
+              <a:t>2/2/2024</a:t>
             </a:fld>
             <a:endParaRPr lang="en-US"/>
           </a:p>
@@ -2330,7 +2600,7 @@
             <a:fld id="{1D8BD707-D9CF-40AE-B4C6-C98DA3205C09}" type="datetimeFigureOut">
               <a:rPr lang="en-US" smtClean="0"/>
               <a:pPr/>
-              <a:t>2/1/2024</a:t>
+              <a:t>2/2/2024</a:t>
             </a:fld>
             <a:endParaRPr lang="en-US"/>
           </a:p>
@@ -2444,7 +2714,7 @@
             <a:fld id="{1D8BD707-D9CF-40AE-B4C6-C98DA3205C09}" type="datetimeFigureOut">
               <a:rPr lang="en-US" smtClean="0"/>
               <a:pPr/>
-              <a:t>2/1/2024</a:t>
+              <a:t>2/2/2024</a:t>
             </a:fld>
             <a:endParaRPr lang="en-US"/>
           </a:p>
@@ -2536,7 +2806,7 @@
             <a:fld id="{1D8BD707-D9CF-40AE-B4C6-C98DA3205C09}" type="datetimeFigureOut">
               <a:rPr lang="en-US" smtClean="0"/>
               <a:pPr/>
-              <a:t>2/1/2024</a:t>
+              <a:t>2/2/2024</a:t>
             </a:fld>
             <a:endParaRPr lang="en-US"/>
           </a:p>
@@ -2860,7 +3130,7 @@
             <a:fld id="{1D8BD707-D9CF-40AE-B4C6-C98DA3205C09}" type="datetimeFigureOut">
               <a:rPr lang="en-US" smtClean="0"/>
               <a:pPr/>
-              <a:t>2/1/2024</a:t>
+              <a:t>2/2/2024</a:t>
             </a:fld>
             <a:endParaRPr lang="en-US"/>
           </a:p>
@@ -3109,7 +3379,7 @@
             <a:fld id="{1D8BD707-D9CF-40AE-B4C6-C98DA3205C09}" type="datetimeFigureOut">
               <a:rPr lang="en-US" smtClean="0"/>
               <a:pPr/>
-              <a:t>2/1/2024</a:t>
+              <a:t>2/2/2024</a:t>
             </a:fld>
             <a:endParaRPr lang="en-US"/>
           </a:p>
@@ -3317,7 +3587,7 @@
             <a:fld id="{1D8BD707-D9CF-40AE-B4C6-C98DA3205C09}" type="datetimeFigureOut">
               <a:rPr lang="en-US" smtClean="0"/>
               <a:pPr/>
-              <a:t>2/1/2024</a:t>
+              <a:t>2/2/2024</a:t>
             </a:fld>
             <a:endParaRPr lang="en-US"/>
           </a:p>
@@ -4318,13 +4588,7 @@
     </p:bg>
     <p:spTree>
       <p:nvGrpSpPr>
-        <p:cNvPr id="1" name="">
-          <a:extLst>
-            <a:ext uri="{FF2B5EF4-FFF2-40B4-BE49-F238E27FC236}">
-              <a16:creationId xmlns:a16="http://schemas.microsoft.com/office/drawing/2014/main" id="{6F3266EF-CB88-3E85-81DB-8D3D29DC9238}"/>
-            </a:ext>
-          </a:extLst>
-        </p:cNvPr>
+        <p:cNvPr id="1" name=""/>
         <p:cNvGrpSpPr/>
         <p:nvPr/>
       </p:nvGrpSpPr>
@@ -4338,13 +4602,7 @@
       </p:grpSpPr>
       <p:sp>
         <p:nvSpPr>
-          <p:cNvPr id="4" name="AutoShape 4">
-            <a:extLst>
-              <a:ext uri="{FF2B5EF4-FFF2-40B4-BE49-F238E27FC236}">
-                <a16:creationId xmlns:a16="http://schemas.microsoft.com/office/drawing/2014/main" id="{9A040721-06DB-0A44-8297-C65E59625F90}"/>
-              </a:ext>
-            </a:extLst>
-          </p:cNvPr>
+          <p:cNvPr id="4" name="AutoShape 4"/>
           <p:cNvSpPr/>
           <p:nvPr/>
         </p:nvSpPr>
@@ -4375,13 +4633,7 @@
       </p:sp>
       <p:sp>
         <p:nvSpPr>
-          <p:cNvPr id="5" name="Freeform 5">
-            <a:extLst>
-              <a:ext uri="{FF2B5EF4-FFF2-40B4-BE49-F238E27FC236}">
-                <a16:creationId xmlns:a16="http://schemas.microsoft.com/office/drawing/2014/main" id="{4E7B7EB4-D45E-8B51-8B24-61A4201175AD}"/>
-              </a:ext>
-            </a:extLst>
-          </p:cNvPr>
+          <p:cNvPr id="5" name="Freeform 5"/>
           <p:cNvSpPr/>
           <p:nvPr/>
         </p:nvSpPr>
@@ -4440,13 +4692,7 @@
       </p:sp>
       <p:sp>
         <p:nvSpPr>
-          <p:cNvPr id="6" name="AutoShape 6">
-            <a:extLst>
-              <a:ext uri="{FF2B5EF4-FFF2-40B4-BE49-F238E27FC236}">
-                <a16:creationId xmlns:a16="http://schemas.microsoft.com/office/drawing/2014/main" id="{155E0B7F-A05A-FFA7-7FBA-D3A4B5DE5780}"/>
-              </a:ext>
-            </a:extLst>
-          </p:cNvPr>
+          <p:cNvPr id="6" name="AutoShape 6"/>
           <p:cNvSpPr/>
           <p:nvPr/>
         </p:nvSpPr>
@@ -4477,19 +4723,13 @@
       </p:sp>
       <p:sp>
         <p:nvSpPr>
-          <p:cNvPr id="7" name="TextBox 7">
-            <a:extLst>
-              <a:ext uri="{FF2B5EF4-FFF2-40B4-BE49-F238E27FC236}">
-                <a16:creationId xmlns:a16="http://schemas.microsoft.com/office/drawing/2014/main" id="{0DC3FB1B-C236-E58D-8ABE-F646B9DB9263}"/>
-              </a:ext>
-            </a:extLst>
-          </p:cNvPr>
+          <p:cNvPr id="7" name="TextBox 7"/>
           <p:cNvSpPr txBox="1"/>
           <p:nvPr/>
         </p:nvSpPr>
         <p:spPr>
           <a:xfrm>
-            <a:off x="1828800" y="853469"/>
+            <a:off x="1628961" y="278263"/>
             <a:ext cx="15048220" cy="1378070"/>
           </a:xfrm>
           <a:prstGeom prst="rect">
@@ -4509,7 +4749,7 @@
             </a:pPr>
             <a:r>
               <a:rPr lang="en-US" altLang="zh-TW" sz="7200" dirty="0"/>
-              <a:t>EXAMPLE OF CACULATION</a:t>
+              <a:t>EXAMPLE OF CALCULATION</a:t>
             </a:r>
             <a:endParaRPr lang="en-US" sz="7200" dirty="0">
               <a:solidFill>
@@ -4522,13 +4762,7 @@
       </p:sp>
       <p:grpSp>
         <p:nvGrpSpPr>
-          <p:cNvPr id="8" name="Group 8">
-            <a:extLst>
-              <a:ext uri="{FF2B5EF4-FFF2-40B4-BE49-F238E27FC236}">
-                <a16:creationId xmlns:a16="http://schemas.microsoft.com/office/drawing/2014/main" id="{A1094833-394E-C6A6-AED1-47540A92B1C1}"/>
-              </a:ext>
-            </a:extLst>
-          </p:cNvPr>
+          <p:cNvPr id="8" name="Group 8"/>
           <p:cNvGrpSpPr/>
           <p:nvPr/>
         </p:nvGrpSpPr>
@@ -4542,13 +4776,7 @@
         </p:grpSpPr>
         <p:grpSp>
           <p:nvGrpSpPr>
-            <p:cNvPr id="9" name="Group 9">
-              <a:extLst>
-                <a:ext uri="{FF2B5EF4-FFF2-40B4-BE49-F238E27FC236}">
-                  <a16:creationId xmlns:a16="http://schemas.microsoft.com/office/drawing/2014/main" id="{9A6EC328-2AE6-18CC-07BD-A0F86540E4CB}"/>
-                </a:ext>
-              </a:extLst>
-            </p:cNvPr>
+            <p:cNvPr id="9" name="Group 9"/>
             <p:cNvGrpSpPr/>
             <p:nvPr/>
           </p:nvGrpSpPr>
@@ -4562,13 +4790,7 @@
           </p:grpSpPr>
           <p:sp>
             <p:nvSpPr>
-              <p:cNvPr id="10" name="Freeform 10">
-                <a:extLst>
-                  <a:ext uri="{FF2B5EF4-FFF2-40B4-BE49-F238E27FC236}">
-                    <a16:creationId xmlns:a16="http://schemas.microsoft.com/office/drawing/2014/main" id="{8AA8B3A8-AB7C-5168-42EA-D60EAE7B6F9D}"/>
-                  </a:ext>
-                </a:extLst>
-              </p:cNvPr>
+              <p:cNvPr id="10" name="Freeform 10"/>
               <p:cNvSpPr/>
               <p:nvPr/>
             </p:nvSpPr>
@@ -4640,13 +4862,7 @@
           </p:sp>
           <p:sp>
             <p:nvSpPr>
-              <p:cNvPr id="11" name="TextBox 11">
-                <a:extLst>
-                  <a:ext uri="{FF2B5EF4-FFF2-40B4-BE49-F238E27FC236}">
-                    <a16:creationId xmlns:a16="http://schemas.microsoft.com/office/drawing/2014/main" id="{CE26646C-958B-7FF0-E3D2-BF8B761530A0}"/>
-                  </a:ext>
-                </a:extLst>
-              </p:cNvPr>
+              <p:cNvPr id="11" name="TextBox 11"/>
               <p:cNvSpPr txBox="1"/>
               <p:nvPr/>
             </p:nvSpPr>
@@ -4677,13 +4893,7 @@
         </p:grpSp>
         <p:sp>
           <p:nvSpPr>
-            <p:cNvPr id="12" name="TextBox 12">
-              <a:extLst>
-                <a:ext uri="{FF2B5EF4-FFF2-40B4-BE49-F238E27FC236}">
-                  <a16:creationId xmlns:a16="http://schemas.microsoft.com/office/drawing/2014/main" id="{8D196957-71B3-032A-1101-B5A03AD74E64}"/>
-                </a:ext>
-              </a:extLst>
-            </p:cNvPr>
+            <p:cNvPr id="12" name="TextBox 12"/>
             <p:cNvSpPr txBox="1"/>
             <p:nvPr/>
           </p:nvSpPr>
@@ -4723,19 +4933,13 @@
       </p:grpSp>
       <p:sp>
         <p:nvSpPr>
-          <p:cNvPr id="13" name="Freeform 13">
-            <a:extLst>
-              <a:ext uri="{FF2B5EF4-FFF2-40B4-BE49-F238E27FC236}">
-                <a16:creationId xmlns:a16="http://schemas.microsoft.com/office/drawing/2014/main" id="{758FAEDB-2ACD-F66C-D2EB-D4A693E23101}"/>
-              </a:ext>
-            </a:extLst>
-          </p:cNvPr>
+          <p:cNvPr id="13" name="Freeform 13"/>
           <p:cNvSpPr/>
           <p:nvPr/>
         </p:nvSpPr>
         <p:spPr>
           <a:xfrm>
-            <a:off x="-2627572" y="-733336"/>
+            <a:off x="-4267200" y="-748190"/>
             <a:ext cx="7315200" cy="2477783"/>
           </a:xfrm>
           <a:custGeom>
@@ -4788,10 +4992,10 @@
       </p:sp>
       <p:pic>
         <p:nvPicPr>
-          <p:cNvPr id="14" name="圖片 13" descr="一張含有 文字, 字型, 白色, 收據 的圖片&#10;&#10;自動產生的描述">
+          <p:cNvPr id="18" name="圖片 17">
             <a:extLst>
               <a:ext uri="{FF2B5EF4-FFF2-40B4-BE49-F238E27FC236}">
-                <a16:creationId xmlns:a16="http://schemas.microsoft.com/office/drawing/2014/main" id="{EE589293-B161-8B26-3728-F9651D08A5DD}"/>
+                <a16:creationId xmlns:a16="http://schemas.microsoft.com/office/drawing/2014/main" id="{DA29A9A7-30E3-478C-99A8-7B0924A3930D}"/>
               </a:ext>
             </a:extLst>
           </p:cNvPr>
@@ -4808,72 +5012,359 @@
         </p:blipFill>
         <p:spPr>
           <a:xfrm>
-            <a:off x="150133" y="3750128"/>
-            <a:ext cx="17987736" cy="3530600"/>
+            <a:off x="2819400" y="3708102"/>
+            <a:ext cx="11930887" cy="1747837"/>
           </a:xfrm>
           <a:prstGeom prst="rect">
             <a:avLst/>
           </a:prstGeom>
         </p:spPr>
       </p:pic>
-      <p:sp>
-        <p:nvSpPr>
-          <p:cNvPr id="15" name="矩形 14">
+      <p:pic>
+        <p:nvPicPr>
+          <p:cNvPr id="21" name="圖片 20">
             <a:extLst>
               <a:ext uri="{FF2B5EF4-FFF2-40B4-BE49-F238E27FC236}">
-                <a16:creationId xmlns:a16="http://schemas.microsoft.com/office/drawing/2014/main" id="{62B2F2BC-EEEB-ADBE-310A-47BE2C4846C0}"/>
+                <a16:creationId xmlns:a16="http://schemas.microsoft.com/office/drawing/2014/main" id="{F2ED086B-5EA8-757D-25F1-DF9C214EC9CB}"/>
               </a:ext>
             </a:extLst>
           </p:cNvPr>
-          <p:cNvSpPr/>
+          <p:cNvPicPr>
+            <a:picLocks noChangeAspect="1"/>
+          </p:cNvPicPr>
           <p:nvPr/>
-        </p:nvSpPr>
+        </p:nvPicPr>
+        <p:blipFill>
+          <a:blip r:embed="rId5"/>
+          <a:stretch>
+            <a:fillRect/>
+          </a:stretch>
+        </p:blipFill>
         <p:spPr>
           <a:xfrm>
-            <a:off x="1418302" y="4308442"/>
-            <a:ext cx="11928987" cy="1266449"/>
+            <a:off x="2819400" y="5557417"/>
+            <a:ext cx="8991600" cy="1766971"/>
+          </a:xfrm>
+          <a:prstGeom prst="rect">
+            <a:avLst/>
+          </a:prstGeom>
+        </p:spPr>
+      </p:pic>
+      <p:sp>
+        <p:nvSpPr>
+          <p:cNvPr id="28" name="文字方塊 27">
+            <a:extLst>
+              <a:ext uri="{FF2B5EF4-FFF2-40B4-BE49-F238E27FC236}">
+                <a16:creationId xmlns:a16="http://schemas.microsoft.com/office/drawing/2014/main" id="{42A393B1-7F10-5F36-56A1-5080CD45A7DE}"/>
+              </a:ext>
+            </a:extLst>
+          </p:cNvPr>
+          <p:cNvSpPr txBox="1"/>
+          <p:nvPr/>
+        </p:nvSpPr>
+        <p:spPr>
+          <a:xfrm>
+            <a:off x="2819400" y="1924608"/>
+            <a:ext cx="13857781" cy="1200329"/>
           </a:xfrm>
           <a:prstGeom prst="rect">
             <a:avLst/>
           </a:prstGeom>
           <a:noFill/>
-          <a:ln w="190500">
+        </p:spPr>
+        <p:txBody>
+          <a:bodyPr wrap="square">
+            <a:spAutoFit/>
+          </a:bodyPr>
+          <a:lstStyle/>
+          <a:p>
+            <a:r>
+              <a:rPr lang="en-US" altLang="zh-TW" sz="3600" dirty="0"/>
+              <a:t>If the average depth of carbonation was 24 mm after 36 years and the average concrete cover over the reinforcing bars was 48 mm</a:t>
+            </a:r>
+            <a:endParaRPr lang="zh-TW" altLang="en-US" sz="3600" dirty="0"/>
+          </a:p>
+        </p:txBody>
+      </p:sp>
+      <p:grpSp>
+        <p:nvGrpSpPr>
+          <p:cNvPr id="29" name="Group 2">
+            <a:extLst>
+              <a:ext uri="{FF2B5EF4-FFF2-40B4-BE49-F238E27FC236}">
+                <a16:creationId xmlns:a16="http://schemas.microsoft.com/office/drawing/2014/main" id="{922F180E-4E7C-BE78-C2AA-F41363D41DFE}"/>
+              </a:ext>
+            </a:extLst>
+          </p:cNvPr>
+          <p:cNvGrpSpPr/>
+          <p:nvPr/>
+        </p:nvGrpSpPr>
+        <p:grpSpPr>
+          <a:xfrm>
+            <a:off x="2133600" y="2007812"/>
+            <a:ext cx="516960" cy="516960"/>
+            <a:chOff x="0" y="0"/>
+            <a:chExt cx="812800" cy="812800"/>
+          </a:xfrm>
+        </p:grpSpPr>
+        <p:sp>
+          <p:nvSpPr>
+            <p:cNvPr id="31" name="Freeform 3">
+              <a:extLst>
+                <a:ext uri="{FF2B5EF4-FFF2-40B4-BE49-F238E27FC236}">
+                  <a16:creationId xmlns:a16="http://schemas.microsoft.com/office/drawing/2014/main" id="{7B41C62A-A8A5-0036-A2EA-7EEBFF327089}"/>
+                </a:ext>
+              </a:extLst>
+            </p:cNvPr>
+            <p:cNvSpPr/>
+            <p:nvPr/>
+          </p:nvSpPr>
+          <p:spPr>
+            <a:xfrm>
+              <a:off x="0" y="0"/>
+              <a:ext cx="812800" cy="812800"/>
+            </a:xfrm>
+            <a:custGeom>
+              <a:avLst/>
+              <a:gdLst/>
+              <a:ahLst/>
+              <a:cxnLst/>
+              <a:rect l="l" t="t" r="r" b="b"/>
+              <a:pathLst>
+                <a:path w="812800" h="812800">
+                  <a:moveTo>
+                    <a:pt x="406400" y="0"/>
+                  </a:moveTo>
+                  <a:cubicBezTo>
+                    <a:pt x="181951" y="0"/>
+                    <a:pt x="0" y="181951"/>
+                    <a:pt x="0" y="406400"/>
+                  </a:cubicBezTo>
+                  <a:cubicBezTo>
+                    <a:pt x="0" y="630849"/>
+                    <a:pt x="181951" y="812800"/>
+                    <a:pt x="406400" y="812800"/>
+                  </a:cubicBezTo>
+                  <a:cubicBezTo>
+                    <a:pt x="630849" y="812800"/>
+                    <a:pt x="812800" y="630849"/>
+                    <a:pt x="812800" y="406400"/>
+                  </a:cubicBezTo>
+                  <a:cubicBezTo>
+                    <a:pt x="812800" y="181951"/>
+                    <a:pt x="630849" y="0"/>
+                    <a:pt x="406400" y="0"/>
+                  </a:cubicBezTo>
+                  <a:close/>
+                </a:path>
+              </a:pathLst>
+            </a:custGeom>
             <a:solidFill>
-              <a:srgbClr val="E9C7C6"/>
+              <a:srgbClr val="000000"/>
             </a:solidFill>
-          </a:ln>
+          </p:spPr>
+          <p:txBody>
+            <a:bodyPr/>
+            <a:lstStyle/>
+            <a:p>
+              <a:endParaRPr lang="zh-TW" altLang="en-US"/>
+            </a:p>
+          </p:txBody>
+        </p:sp>
+        <p:sp>
+          <p:nvSpPr>
+            <p:cNvPr id="32" name="TextBox 4">
+              <a:extLst>
+                <a:ext uri="{FF2B5EF4-FFF2-40B4-BE49-F238E27FC236}">
+                  <a16:creationId xmlns:a16="http://schemas.microsoft.com/office/drawing/2014/main" id="{415413E8-803B-976F-D753-F0886FFAEDA6}"/>
+                </a:ext>
+              </a:extLst>
+            </p:cNvPr>
+            <p:cNvSpPr txBox="1"/>
+            <p:nvPr/>
+          </p:nvSpPr>
+          <p:spPr>
+            <a:xfrm>
+              <a:off x="76200" y="38100"/>
+              <a:ext cx="660400" cy="698500"/>
+            </a:xfrm>
+            <a:prstGeom prst="rect">
+              <a:avLst/>
+            </a:prstGeom>
+          </p:spPr>
+          <p:txBody>
+            <a:bodyPr lIns="50800" tIns="50800" rIns="50800" bIns="50800" rtlCol="0" anchor="ctr"/>
+            <a:lstStyle/>
+            <a:p>
+              <a:pPr algn="ctr">
+                <a:lnSpc>
+                  <a:spcPts val="2659"/>
+                </a:lnSpc>
+              </a:pPr>
+              <a:endParaRPr dirty="0">
+                <a:latin typeface="+mj-lt"/>
+              </a:endParaRPr>
+            </a:p>
+          </p:txBody>
+        </p:sp>
+      </p:grpSp>
+      <p:sp>
+        <p:nvSpPr>
+          <p:cNvPr id="35" name="文字方塊 34">
+            <a:extLst>
+              <a:ext uri="{FF2B5EF4-FFF2-40B4-BE49-F238E27FC236}">
+                <a16:creationId xmlns:a16="http://schemas.microsoft.com/office/drawing/2014/main" id="{19DA7FDC-DD0A-393B-AE06-31885C059EAC}"/>
+              </a:ext>
+            </a:extLst>
+          </p:cNvPr>
+          <p:cNvSpPr txBox="1"/>
+          <p:nvPr/>
+        </p:nvSpPr>
+        <p:spPr>
+          <a:xfrm>
+            <a:off x="2819400" y="7688563"/>
+            <a:ext cx="14325600" cy="646331"/>
+          </a:xfrm>
+          <a:prstGeom prst="rect">
+            <a:avLst/>
+          </a:prstGeom>
+          <a:noFill/>
         </p:spPr>
-        <p:style>
-          <a:lnRef idx="2">
-            <a:schemeClr val="accent1">
-              <a:shade val="15000"/>
-            </a:schemeClr>
-          </a:lnRef>
-          <a:fillRef idx="1">
-            <a:schemeClr val="accent1"/>
-          </a:fillRef>
-          <a:effectRef idx="0">
-            <a:schemeClr val="accent1"/>
-          </a:effectRef>
-          <a:fontRef idx="minor">
-            <a:schemeClr val="lt1"/>
-          </a:fontRef>
-        </p:style>
-        <p:txBody>
-          <a:bodyPr rtlCol="0" anchor="ctr"/>
+        <p:txBody>
+          <a:bodyPr wrap="square">
+            <a:spAutoFit/>
+          </a:bodyPr>
           <a:lstStyle/>
           <a:p>
-            <a:pPr algn="ctr"/>
-            <a:endParaRPr lang="zh-TW" altLang="en-US"/>
-          </a:p>
-        </p:txBody>
-      </p:sp>
+            <a:r>
+              <a:rPr lang="en-US" altLang="zh-TW" sz="3600" dirty="0"/>
+              <a:t>144-36=108(predicted remaining service life)</a:t>
+            </a:r>
+            <a:endParaRPr lang="zh-TW" altLang="en-US" dirty="0"/>
+          </a:p>
+        </p:txBody>
+      </p:sp>
+      <p:grpSp>
+        <p:nvGrpSpPr>
+          <p:cNvPr id="36" name="Group 2">
+            <a:extLst>
+              <a:ext uri="{FF2B5EF4-FFF2-40B4-BE49-F238E27FC236}">
+                <a16:creationId xmlns:a16="http://schemas.microsoft.com/office/drawing/2014/main" id="{337025F4-98EE-1ED1-625C-87AEC9C45AAB}"/>
+              </a:ext>
+            </a:extLst>
+          </p:cNvPr>
+          <p:cNvGrpSpPr/>
+          <p:nvPr/>
+        </p:nvGrpSpPr>
+        <p:grpSpPr>
+          <a:xfrm>
+            <a:off x="2193360" y="7726680"/>
+            <a:ext cx="516960" cy="516960"/>
+            <a:chOff x="0" y="0"/>
+            <a:chExt cx="812800" cy="812800"/>
+          </a:xfrm>
+        </p:grpSpPr>
+        <p:sp>
+          <p:nvSpPr>
+            <p:cNvPr id="37" name="Freeform 3">
+              <a:extLst>
+                <a:ext uri="{FF2B5EF4-FFF2-40B4-BE49-F238E27FC236}">
+                  <a16:creationId xmlns:a16="http://schemas.microsoft.com/office/drawing/2014/main" id="{597AFC2F-953C-8420-54B9-67684F27B81F}"/>
+                </a:ext>
+              </a:extLst>
+            </p:cNvPr>
+            <p:cNvSpPr/>
+            <p:nvPr/>
+          </p:nvSpPr>
+          <p:spPr>
+            <a:xfrm>
+              <a:off x="0" y="0"/>
+              <a:ext cx="812800" cy="812800"/>
+            </a:xfrm>
+            <a:custGeom>
+              <a:avLst/>
+              <a:gdLst/>
+              <a:ahLst/>
+              <a:cxnLst/>
+              <a:rect l="l" t="t" r="r" b="b"/>
+              <a:pathLst>
+                <a:path w="812800" h="812800">
+                  <a:moveTo>
+                    <a:pt x="406400" y="0"/>
+                  </a:moveTo>
+                  <a:cubicBezTo>
+                    <a:pt x="181951" y="0"/>
+                    <a:pt x="0" y="181951"/>
+                    <a:pt x="0" y="406400"/>
+                  </a:cubicBezTo>
+                  <a:cubicBezTo>
+                    <a:pt x="0" y="630849"/>
+                    <a:pt x="181951" y="812800"/>
+                    <a:pt x="406400" y="812800"/>
+                  </a:cubicBezTo>
+                  <a:cubicBezTo>
+                    <a:pt x="630849" y="812800"/>
+                    <a:pt x="812800" y="630849"/>
+                    <a:pt x="812800" y="406400"/>
+                  </a:cubicBezTo>
+                  <a:cubicBezTo>
+                    <a:pt x="812800" y="181951"/>
+                    <a:pt x="630849" y="0"/>
+                    <a:pt x="406400" y="0"/>
+                  </a:cubicBezTo>
+                  <a:close/>
+                </a:path>
+              </a:pathLst>
+            </a:custGeom>
+            <a:solidFill>
+              <a:srgbClr val="000000"/>
+            </a:solidFill>
+          </p:spPr>
+          <p:txBody>
+            <a:bodyPr/>
+            <a:lstStyle/>
+            <a:p>
+              <a:endParaRPr lang="zh-TW" altLang="en-US"/>
+            </a:p>
+          </p:txBody>
+        </p:sp>
+        <p:sp>
+          <p:nvSpPr>
+            <p:cNvPr id="38" name="TextBox 4">
+              <a:extLst>
+                <a:ext uri="{FF2B5EF4-FFF2-40B4-BE49-F238E27FC236}">
+                  <a16:creationId xmlns:a16="http://schemas.microsoft.com/office/drawing/2014/main" id="{7F24BDDA-79EA-EB0E-DCE7-B280D1E86931}"/>
+                </a:ext>
+              </a:extLst>
+            </p:cNvPr>
+            <p:cNvSpPr txBox="1"/>
+            <p:nvPr/>
+          </p:nvSpPr>
+          <p:spPr>
+            <a:xfrm>
+              <a:off x="76200" y="38100"/>
+              <a:ext cx="660400" cy="698500"/>
+            </a:xfrm>
+            <a:prstGeom prst="rect">
+              <a:avLst/>
+            </a:prstGeom>
+          </p:spPr>
+          <p:txBody>
+            <a:bodyPr lIns="50800" tIns="50800" rIns="50800" bIns="50800" rtlCol="0" anchor="ctr"/>
+            <a:lstStyle/>
+            <a:p>
+              <a:pPr algn="ctr">
+                <a:lnSpc>
+                  <a:spcPts val="2659"/>
+                </a:lnSpc>
+              </a:pPr>
+              <a:endParaRPr dirty="0">
+                <a:latin typeface="+mj-lt"/>
+              </a:endParaRPr>
+            </a:p>
+          </p:txBody>
+        </p:sp>
+      </p:grpSp>
     </p:spTree>
-    <p:extLst>
-      <p:ext uri="{BB962C8B-B14F-4D97-AF65-F5344CB8AC3E}">
-        <p14:creationId xmlns:p14="http://schemas.microsoft.com/office/powerpoint/2010/main" val="3535322130"/>
-      </p:ext>
-    </p:extLst>
   </p:cSld>
   <p:clrMapOvr>
     <a:masterClrMapping/>
@@ -7536,7 +8027,7 @@
                 </a:solidFill>
                 <a:latin typeface="+mj-lt"/>
               </a:rPr>
-              <a:t>Weather open data from Canada government</a:t>
+              <a:t>Parameters related to concrete</a:t>
             </a:r>
           </a:p>
         </p:txBody>
@@ -8086,7 +8577,7 @@
         </p:nvSpPr>
         <p:spPr>
           <a:xfrm>
-            <a:off x="3111592" y="52184"/>
+            <a:off x="3409147" y="232275"/>
             <a:ext cx="12260018" cy="1378070"/>
           </a:xfrm>
           <a:prstGeom prst="rect">
@@ -8131,10 +8622,10 @@
         </p:nvGrpSpPr>
         <p:grpSpPr>
           <a:xfrm>
-            <a:off x="2512972" y="2157330"/>
-            <a:ext cx="12027141" cy="2787491"/>
+            <a:off x="2327442" y="3107522"/>
+            <a:ext cx="5219718" cy="1664348"/>
             <a:chOff x="-527487" y="-192881"/>
-            <a:chExt cx="9396200" cy="6469571"/>
+            <a:chExt cx="9396200" cy="6365672"/>
           </a:xfrm>
         </p:grpSpPr>
         <p:grpSp>
@@ -8272,271 +8763,122 @@
             </p:txBody>
           </p:sp>
         </p:grpSp>
-        <mc:AlternateContent xmlns:mc="http://schemas.openxmlformats.org/markup-compatibility/2006">
-          <mc:Choice xmlns:a14="http://schemas.microsoft.com/office/drawing/2010/main" Requires="a14">
-            <p:sp>
-              <p:nvSpPr>
-                <p:cNvPr id="7" name="TextBox 7">
-                  <a:extLst>
-                    <a:ext uri="{FF2B5EF4-FFF2-40B4-BE49-F238E27FC236}">
-                      <a16:creationId xmlns:a16="http://schemas.microsoft.com/office/drawing/2014/main" id="{65DE719E-75A7-C503-9D8B-A3C2E9764587}"/>
-                    </a:ext>
-                  </a:extLst>
-                </p:cNvPr>
-                <p:cNvSpPr txBox="1"/>
-                <p:nvPr/>
-              </p:nvSpPr>
-              <p:spPr>
-                <a:xfrm>
-                  <a:off x="312955" y="3711956"/>
-                  <a:ext cx="7749829" cy="2564734"/>
-                </a:xfrm>
-                <a:prstGeom prst="rect">
-                  <a:avLst/>
-                </a:prstGeom>
-              </p:spPr>
-              <p:txBody>
-                <a:bodyPr wrap="square" lIns="0" tIns="0" rIns="0" bIns="0" rtlCol="0" anchor="t">
-                  <a:spAutoFit/>
-                </a:bodyPr>
-                <a:lstStyle/>
-                <a:p>
-                  <a:pPr>
-                    <a:lnSpc>
-                      <a:spcPts val="4193"/>
-                    </a:lnSpc>
-                  </a:pPr>
-                  <a14:m>
-                    <m:oMath xmlns:m="http://schemas.openxmlformats.org/officeDocument/2006/math">
-                      <m:f>
-                        <m:fPr>
-                          <m:ctrlPr>
-                            <a:rPr lang="en-US" altLang="zh-TW" sz="6600" dirty="0" smtClean="0">
-                              <a:solidFill>
-                                <a:srgbClr val="836967"/>
-                              </a:solidFill>
-                              <a:latin typeface="+mj-lt"/>
-                            </a:rPr>
-                          </m:ctrlPr>
-                        </m:fPr>
-                        <m:num>
-                          <m:r>
-                            <a:rPr lang="en-US" altLang="zh-TW" sz="6600" dirty="0">
-                              <a:latin typeface="+mj-lt"/>
-                            </a:rPr>
-                            <m:t>0.1</m:t>
-                          </m:r>
-                          <m:r>
-                            <a:rPr lang="en-US" altLang="zh-TW" sz="6600" i="0" dirty="0">
-                              <a:latin typeface="+mj-lt"/>
-                            </a:rPr>
-                            <m:t>∗</m:t>
-                          </m:r>
-                          <m:sSub>
-                            <m:sSubPr>
-                              <m:ctrlPr>
-                                <a:rPr lang="en-US" altLang="zh-TW" sz="6600" i="1" dirty="0">
-                                  <a:solidFill>
-                                    <a:srgbClr val="836967"/>
-                                  </a:solidFill>
-                                  <a:latin typeface="+mj-lt"/>
-                                </a:rPr>
-                              </m:ctrlPr>
-                            </m:sSubPr>
-                            <m:e>
-                              <m:r>
-                                <a:rPr lang="zh-TW" altLang="en-US" sz="6600" i="1" dirty="0">
-                                  <a:latin typeface="+mj-lt"/>
-                                </a:rPr>
-                                <m:t>𝑀</m:t>
-                              </m:r>
-                            </m:e>
-                            <m:sub>
-                              <m:r>
-                                <a:rPr lang="en-US" altLang="zh-TW" sz="6600" i="0" dirty="0">
-                                  <a:latin typeface="+mj-lt"/>
-                                </a:rPr>
-                                <m:t>1</m:t>
-                              </m:r>
-                            </m:sub>
-                          </m:sSub>
-                          <m:r>
-                            <a:rPr lang="en-US" altLang="zh-TW" sz="6600" i="0" dirty="0">
-                              <a:latin typeface="+mj-lt"/>
-                            </a:rPr>
-                            <m:t>+1.0∗</m:t>
-                          </m:r>
-                          <m:sSub>
-                            <m:sSubPr>
-                              <m:ctrlPr>
-                                <a:rPr lang="en-US" altLang="zh-TW" sz="6600" i="1" dirty="0">
-                                  <a:solidFill>
-                                    <a:srgbClr val="836967"/>
-                                  </a:solidFill>
-                                  <a:latin typeface="+mj-lt"/>
-                                </a:rPr>
-                              </m:ctrlPr>
-                            </m:sSubPr>
-                            <m:e>
-                              <m:r>
-                                <a:rPr lang="zh-TW" altLang="en-US" sz="6600" i="1" dirty="0">
-                                  <a:latin typeface="+mj-lt"/>
-                                </a:rPr>
-                                <m:t>𝑀</m:t>
-                              </m:r>
-                            </m:e>
-                            <m:sub>
-                              <m:r>
-                                <a:rPr lang="en-US" altLang="zh-TW" sz="6600" i="0" dirty="0">
-                                  <a:latin typeface="+mj-lt"/>
-                                </a:rPr>
-                                <m:t>2</m:t>
-                              </m:r>
-                            </m:sub>
-                          </m:sSub>
-                          <m:r>
-                            <a:rPr lang="en-US" altLang="zh-TW" sz="6600" i="0" dirty="0">
-                              <a:latin typeface="+mj-lt"/>
-                            </a:rPr>
-                            <m:t>+10∗</m:t>
-                          </m:r>
-                          <m:sSub>
-                            <m:sSubPr>
-                              <m:ctrlPr>
-                                <a:rPr lang="en-US" altLang="zh-TW" sz="6600" i="1" dirty="0">
-                                  <a:solidFill>
-                                    <a:srgbClr val="836967"/>
-                                  </a:solidFill>
-                                  <a:latin typeface="+mj-lt"/>
-                                </a:rPr>
-                              </m:ctrlPr>
-                            </m:sSubPr>
-                            <m:e>
-                              <m:r>
-                                <a:rPr lang="zh-TW" altLang="en-US" sz="6600" i="1" dirty="0">
-                                  <a:latin typeface="+mj-lt"/>
-                                </a:rPr>
-                                <m:t>𝑀</m:t>
-                              </m:r>
-                            </m:e>
-                            <m:sub>
-                              <m:r>
-                                <a:rPr lang="en-US" altLang="zh-TW" sz="6600" i="0" dirty="0">
-                                  <a:latin typeface="+mj-lt"/>
-                                </a:rPr>
-                                <m:t>3</m:t>
-                              </m:r>
-                            </m:sub>
-                          </m:sSub>
-                        </m:num>
-                        <m:den>
-                          <m:r>
-                            <a:rPr lang="en-US" altLang="zh-TW" sz="6600" i="0" dirty="0">
-                              <a:latin typeface="+mj-lt"/>
-                            </a:rPr>
-                            <m:t>12</m:t>
-                          </m:r>
-                        </m:den>
-                      </m:f>
-                    </m:oMath>
-                  </a14:m>
-                  <a:r>
-                    <a:rPr lang="en-US" sz="4800" dirty="0">
-                      <a:latin typeface="+mj-lt"/>
-                      <a:cs typeface="Arial" panose="020B0604020202020204"/>
-                    </a:rPr>
-                    <a:t> =  </a:t>
-                  </a:r>
-                  <a:r>
-                    <a:rPr lang="zh-TW" altLang="en-US" sz="2800" dirty="0">
-                      <a:latin typeface="+mj-lt"/>
-                    </a:rPr>
-                    <a:t> ⃞ </a:t>
-                  </a:r>
-                  <a:r>
-                    <a:rPr lang="en-US" altLang="zh-TW" sz="5400" dirty="0">
-                      <a:solidFill>
-                        <a:srgbClr val="202124"/>
-                      </a:solidFill>
-                      <a:latin typeface="+mj-lt"/>
-                    </a:rPr>
-                    <a:t>µ</a:t>
-                  </a:r>
-                  <a:r>
-                    <a:rPr lang="en-US" altLang="zh-TW" sz="4800" dirty="0">
-                      <a:solidFill>
-                        <a:srgbClr val="000000"/>
-                      </a:solidFill>
-                      <a:latin typeface="+mj-lt"/>
-                    </a:rPr>
-                    <a:t>A/cm² </a:t>
-                  </a:r>
-                  <a:endParaRPr lang="en-US" sz="3600" dirty="0">
-                    <a:latin typeface="+mj-lt"/>
-                    <a:cs typeface="Arial" panose="020B0604020202020204"/>
-                  </a:endParaRPr>
-                </a:p>
-                <a:p>
-                  <a:pPr>
-                    <a:lnSpc>
-                      <a:spcPts val="4193"/>
-                    </a:lnSpc>
-                  </a:pPr>
-                  <a:endParaRPr lang="en-US" sz="4800" dirty="0">
-                    <a:solidFill>
-                      <a:srgbClr val="000000"/>
-                    </a:solidFill>
-                    <a:latin typeface="+mj-lt"/>
-                  </a:endParaRPr>
-                </a:p>
-              </p:txBody>
-            </p:sp>
-          </mc:Choice>
-          <mc:Fallback>
-            <p:sp>
-              <p:nvSpPr>
-                <p:cNvPr id="7" name="TextBox 7">
-                  <a:extLst>
-                    <a:ext uri="{FF2B5EF4-FFF2-40B4-BE49-F238E27FC236}">
-                      <a16:creationId xmlns:a16="http://schemas.microsoft.com/office/drawing/2014/main" id="{65DE719E-75A7-C503-9D8B-A3C2E9764587}"/>
-                    </a:ext>
-                  </a:extLst>
-                </p:cNvPr>
-                <p:cNvSpPr txBox="1">
-                  <a:spLocks noRot="1" noChangeAspect="1" noMove="1" noResize="1" noEditPoints="1" noAdjustHandles="1" noChangeArrowheads="1" noChangeShapeType="1" noTextEdit="1"/>
-                </p:cNvSpPr>
-                <p:nvPr/>
-              </p:nvSpPr>
-              <p:spPr>
-                <a:xfrm>
-                  <a:off x="312955" y="3711956"/>
-                  <a:ext cx="7749829" cy="2564734"/>
-                </a:xfrm>
-                <a:prstGeom prst="rect">
-                  <a:avLst/>
-                </a:prstGeom>
-                <a:blipFill>
-                  <a:blip r:embed="rId3"/>
-                  <a:stretch>
-                    <a:fillRect l="-61" t="-51934" r="-2213"/>
-                  </a:stretch>
-                </a:blipFill>
-              </p:spPr>
-              <p:txBody>
-                <a:bodyPr/>
-                <a:lstStyle/>
-                <a:p>
-                  <a:r>
-                    <a:rPr lang="zh-TW" altLang="en-US">
-                      <a:noFill/>
-                    </a:rPr>
-                    <a:t> </a:t>
-                  </a:r>
-                </a:p>
-              </p:txBody>
-            </p:sp>
-          </mc:Fallback>
-        </mc:AlternateContent>
+        <p:sp>
+          <p:nvSpPr>
+            <p:cNvPr id="7" name="TextBox 7">
+              <a:extLst>
+                <a:ext uri="{FF2B5EF4-FFF2-40B4-BE49-F238E27FC236}">
+                  <a16:creationId xmlns:a16="http://schemas.microsoft.com/office/drawing/2014/main" id="{65DE719E-75A7-C503-9D8B-A3C2E9764587}"/>
+                </a:ext>
+              </a:extLst>
+            </p:cNvPr>
+            <p:cNvSpPr txBox="1"/>
+            <p:nvPr/>
+          </p:nvSpPr>
+          <p:spPr>
+            <a:xfrm>
+              <a:off x="591396" y="3178231"/>
+              <a:ext cx="7749830" cy="2281731"/>
+            </a:xfrm>
+            <a:prstGeom prst="rect">
+              <a:avLst/>
+            </a:prstGeom>
+          </p:spPr>
+          <p:txBody>
+            <a:bodyPr wrap="square" lIns="0" tIns="0" rIns="0" bIns="0" rtlCol="0" anchor="t">
+              <a:spAutoFit/>
+            </a:bodyPr>
+            <a:lstStyle/>
+            <a:p>
+              <a:pPr>
+                <a:lnSpc>
+                  <a:spcPts val="4193"/>
+                </a:lnSpc>
+              </a:pPr>
+              <a:r>
+                <a:rPr lang="en-US" sz="6600" dirty="0">
+                  <a:solidFill>
+                    <a:srgbClr val="000000"/>
+                  </a:solidFill>
+                  <a:latin typeface="+mj-lt"/>
+                </a:rPr>
+                <a:t>A</a:t>
+              </a:r>
+              <a:r>
+                <a:rPr lang="en-US" sz="6600" baseline="-25000" dirty="0">
+                  <a:solidFill>
+                    <a:srgbClr val="000000"/>
+                  </a:solidFill>
+                  <a:latin typeface="+mj-lt"/>
+                </a:rPr>
+                <a:t>d</a:t>
+              </a:r>
+              <a:r>
+                <a:rPr lang="en-US" sz="6600" dirty="0">
+                  <a:solidFill>
+                    <a:srgbClr val="000000"/>
+                  </a:solidFill>
+                  <a:latin typeface="+mj-lt"/>
+                </a:rPr>
+                <a:t> = </a:t>
+              </a:r>
+              <a:r>
+                <a:rPr lang="en-US" sz="6600" dirty="0" err="1">
+                  <a:solidFill>
+                    <a:srgbClr val="000000"/>
+                  </a:solidFill>
+                  <a:latin typeface="+mj-lt"/>
+                </a:rPr>
+                <a:t>k</a:t>
+              </a:r>
+              <a:r>
+                <a:rPr lang="en-US" sz="6600" baseline="-25000" dirty="0" err="1">
+                  <a:solidFill>
+                    <a:srgbClr val="000000"/>
+                  </a:solidFill>
+                  <a:latin typeface="+mj-lt"/>
+                </a:rPr>
+                <a:t>d</a:t>
+              </a:r>
+              <a:r>
+                <a:rPr lang="en-US" sz="6600" dirty="0">
+                  <a:solidFill>
+                    <a:srgbClr val="000000"/>
+                  </a:solidFill>
+                  <a:latin typeface="+mj-lt"/>
+                </a:rPr>
+                <a:t> t</a:t>
+              </a:r>
+              <a:r>
+                <a:rPr lang="en-US" sz="6600" baseline="-25000" dirty="0">
+                  <a:solidFill>
+                    <a:srgbClr val="000000"/>
+                  </a:solidFill>
+                  <a:latin typeface="+mj-lt"/>
+                </a:rPr>
+                <a:t>y</a:t>
+              </a:r>
+              <a:r>
+                <a:rPr lang="en-US" sz="6600" dirty="0">
+                  <a:solidFill>
+                    <a:srgbClr val="000000"/>
+                  </a:solidFill>
+                  <a:latin typeface="+mj-lt"/>
+                </a:rPr>
+                <a:t> </a:t>
+              </a:r>
+              <a:r>
+                <a:rPr lang="en-US" sz="6600" baseline="30000" dirty="0">
+                  <a:solidFill>
+                    <a:srgbClr val="000000"/>
+                  </a:solidFill>
+                  <a:latin typeface="+mj-lt"/>
+                </a:rPr>
+                <a:t>n</a:t>
+              </a:r>
+            </a:p>
+          </p:txBody>
+        </p:sp>
       </p:grpSp>
       <p:sp>
         <p:nvSpPr>
@@ -8552,7 +8894,7 @@
         </p:nvSpPr>
         <p:spPr>
           <a:xfrm flipV="1">
-            <a:off x="1085086" y="-104526"/>
+            <a:off x="1118904" y="-104423"/>
             <a:ext cx="5404" cy="7686425"/>
           </a:xfrm>
           <a:prstGeom prst="line">
@@ -8591,7 +8933,7 @@
         </p:nvSpPr>
         <p:spPr>
           <a:xfrm flipH="1" flipV="1">
-            <a:off x="1085850" y="7289441"/>
+            <a:off x="1119668" y="7289544"/>
             <a:ext cx="5403" cy="2997456"/>
           </a:xfrm>
           <a:prstGeom prst="line">
@@ -8814,7 +9156,7 @@
                   <a:ea typeface="Open Sans Bold"/>
                   <a:cs typeface="Open Sans Bold"/>
                 </a:rPr>
-                <a:t>5</a:t>
+                <a:t>4</a:t>
               </a:r>
             </a:p>
           </p:txBody>
@@ -8865,10 +9207,1485 @@
             </a:pathLst>
           </a:custGeom>
           <a:blipFill>
-            <a:blip r:embed="rId4">
+            <a:blip r:embed="rId3">
               <a:extLst>
                 <a:ext uri="{96DAC541-7B7A-43D3-8B79-37D633B846F1}">
-                  <asvg:svgBlip xmlns:asvg="http://schemas.microsoft.com/office/drawing/2016/SVG/main" r:embed="rId5"/>
+                  <asvg:svgBlip xmlns:asvg="http://schemas.microsoft.com/office/drawing/2016/SVG/main" r:embed="rId4"/>
+                </a:ext>
+              </a:extLst>
+            </a:blip>
+            <a:stretch>
+              <a:fillRect/>
+            </a:stretch>
+          </a:blipFill>
+        </p:spPr>
+        <p:txBody>
+          <a:bodyPr/>
+          <a:lstStyle/>
+          <a:p>
+            <a:endParaRPr lang="zh-TW" altLang="en-US">
+              <a:latin typeface="+mj-lt"/>
+            </a:endParaRPr>
+          </a:p>
+        </p:txBody>
+      </p:sp>
+      <p:sp>
+        <p:nvSpPr>
+          <p:cNvPr id="25" name="Freeform 25">
+            <a:extLst>
+              <a:ext uri="{FF2B5EF4-FFF2-40B4-BE49-F238E27FC236}">
+                <a16:creationId xmlns:a16="http://schemas.microsoft.com/office/drawing/2014/main" id="{B53C25C7-6148-4CFB-352A-FBD8CF27243F}"/>
+              </a:ext>
+            </a:extLst>
+          </p:cNvPr>
+          <p:cNvSpPr/>
+          <p:nvPr/>
+        </p:nvSpPr>
+        <p:spPr>
+          <a:xfrm>
+            <a:off x="12011565" y="8750069"/>
+            <a:ext cx="7315200" cy="2477783"/>
+          </a:xfrm>
+          <a:custGeom>
+            <a:avLst/>
+            <a:gdLst/>
+            <a:ahLst/>
+            <a:cxnLst/>
+            <a:rect l="l" t="t" r="r" b="b"/>
+            <a:pathLst>
+              <a:path w="7315200" h="2477783">
+                <a:moveTo>
+                  <a:pt x="0" y="0"/>
+                </a:moveTo>
+                <a:lnTo>
+                  <a:pt x="7315200" y="0"/>
+                </a:lnTo>
+                <a:lnTo>
+                  <a:pt x="7315200" y="2477784"/>
+                </a:lnTo>
+                <a:lnTo>
+                  <a:pt x="0" y="2477784"/>
+                </a:lnTo>
+                <a:lnTo>
+                  <a:pt x="0" y="0"/>
+                </a:lnTo>
+                <a:close/>
+              </a:path>
+            </a:pathLst>
+          </a:custGeom>
+          <a:blipFill>
+            <a:blip r:embed="rId3">
+              <a:extLst>
+                <a:ext uri="{96DAC541-7B7A-43D3-8B79-37D633B846F1}">
+                  <asvg:svgBlip xmlns:asvg="http://schemas.microsoft.com/office/drawing/2016/SVG/main" r:embed="rId4"/>
+                </a:ext>
+              </a:extLst>
+            </a:blip>
+            <a:stretch>
+              <a:fillRect/>
+            </a:stretch>
+          </a:blipFill>
+        </p:spPr>
+        <p:txBody>
+          <a:bodyPr/>
+          <a:lstStyle/>
+          <a:p>
+            <a:endParaRPr lang="zh-TW" altLang="en-US">
+              <a:latin typeface="+mj-lt"/>
+            </a:endParaRPr>
+          </a:p>
+        </p:txBody>
+      </p:sp>
+      <p:sp>
+        <p:nvSpPr>
+          <p:cNvPr id="10" name="TextBox 9">
+            <a:extLst>
+              <a:ext uri="{FF2B5EF4-FFF2-40B4-BE49-F238E27FC236}">
+                <a16:creationId xmlns:a16="http://schemas.microsoft.com/office/drawing/2014/main" id="{6EB33BB1-8778-EE2A-C813-CA0FA273B647}"/>
+              </a:ext>
+            </a:extLst>
+          </p:cNvPr>
+          <p:cNvSpPr txBox="1"/>
+          <p:nvPr/>
+        </p:nvSpPr>
+        <p:spPr>
+          <a:xfrm>
+            <a:off x="2398590" y="5196566"/>
+            <a:ext cx="15583846" cy="3268267"/>
+          </a:xfrm>
+          <a:prstGeom prst="rect">
+            <a:avLst/>
+          </a:prstGeom>
+        </p:spPr>
+        <p:txBody>
+          <a:bodyPr wrap="square" lIns="0" tIns="0" rIns="0" bIns="0" rtlCol="0" anchor="t">
+            <a:spAutoFit/>
+          </a:bodyPr>
+          <a:lstStyle/>
+          <a:p>
+            <a:pPr marL="571500" indent="-571500">
+              <a:lnSpc>
+                <a:spcPts val="5192"/>
+              </a:lnSpc>
+              <a:buFont typeface="Arial" panose="020B0604020202020204" pitchFamily="34" charset="0"/>
+              <a:buChar char="•"/>
+            </a:pPr>
+            <a:r>
+              <a:rPr lang="en-US" altLang="zh-TW" sz="3600" dirty="0">
+                <a:solidFill>
+                  <a:srgbClr val="000000"/>
+                </a:solidFill>
+                <a:latin typeface="+mj-lt"/>
+              </a:rPr>
+              <a:t>A</a:t>
+            </a:r>
+            <a:r>
+              <a:rPr lang="en-US" altLang="zh-TW" sz="3600" baseline="-25000" dirty="0">
+                <a:solidFill>
+                  <a:srgbClr val="000000"/>
+                </a:solidFill>
+                <a:latin typeface="+mj-lt"/>
+              </a:rPr>
+              <a:t>d </a:t>
+            </a:r>
+            <a:r>
+              <a:rPr lang="en-US" altLang="zh-TW" sz="3500" dirty="0">
+                <a:latin typeface="+mj-lt"/>
+                <a:ea typeface="微軟正黑體"/>
+              </a:rPr>
+              <a:t>: </a:t>
+            </a:r>
+            <a:r>
+              <a:rPr lang="en-US" altLang="zh-TW" sz="3600" b="0" i="0" dirty="0">
+                <a:effectLst/>
+                <a:latin typeface="+mj-lt"/>
+              </a:rPr>
+              <a:t>Accumulated deterioration at time </a:t>
+            </a:r>
+            <a:r>
+              <a:rPr lang="en-US" altLang="zh-TW" sz="3600" dirty="0">
+                <a:solidFill>
+                  <a:srgbClr val="000000"/>
+                </a:solidFill>
+                <a:latin typeface="+mj-lt"/>
+              </a:rPr>
+              <a:t>t</a:t>
+            </a:r>
+            <a:r>
+              <a:rPr lang="en-US" altLang="zh-TW" sz="3600" baseline="-25000" dirty="0">
+                <a:solidFill>
+                  <a:srgbClr val="000000"/>
+                </a:solidFill>
+                <a:latin typeface="+mj-lt"/>
+              </a:rPr>
+              <a:t>y</a:t>
+            </a:r>
+            <a:r>
+              <a:rPr lang="en-US" altLang="zh-TW" sz="3600" b="0" i="0" dirty="0">
+                <a:effectLst/>
+                <a:latin typeface="+mj-lt"/>
+              </a:rPr>
+              <a:t> (years)</a:t>
+            </a:r>
+          </a:p>
+          <a:p>
+            <a:pPr marL="571500" indent="-571500">
+              <a:lnSpc>
+                <a:spcPts val="5192"/>
+              </a:lnSpc>
+              <a:buFont typeface="Arial" panose="020B0604020202020204" pitchFamily="34" charset="0"/>
+              <a:buChar char="•"/>
+            </a:pPr>
+            <a:r>
+              <a:rPr lang="en-US" altLang="zh-TW" sz="3600" dirty="0" err="1">
+                <a:solidFill>
+                  <a:srgbClr val="000000"/>
+                </a:solidFill>
+                <a:latin typeface="+mj-lt"/>
+              </a:rPr>
+              <a:t>k</a:t>
+            </a:r>
+            <a:r>
+              <a:rPr lang="en-US" altLang="zh-TW" sz="3600" baseline="-25000" dirty="0" err="1">
+                <a:solidFill>
+                  <a:srgbClr val="000000"/>
+                </a:solidFill>
+                <a:latin typeface="+mj-lt"/>
+              </a:rPr>
+              <a:t>d</a:t>
+            </a:r>
+            <a:r>
+              <a:rPr lang="en-US" altLang="zh-TW" sz="3600" baseline="-25000" dirty="0">
+                <a:solidFill>
+                  <a:srgbClr val="000000"/>
+                </a:solidFill>
+                <a:latin typeface="+mj-lt"/>
+              </a:rPr>
+              <a:t> </a:t>
+            </a:r>
+            <a:r>
+              <a:rPr lang="en-US" sz="3500" dirty="0">
+                <a:latin typeface="+mj-lt"/>
+                <a:ea typeface="微軟正黑體"/>
+                <a:cs typeface="Arial"/>
+              </a:rPr>
+              <a:t>: </a:t>
+            </a:r>
+            <a:r>
+              <a:rPr lang="en-US" altLang="zh-TW" sz="3600" b="0" i="0" dirty="0">
+                <a:effectLst/>
+                <a:latin typeface="+mj-lt"/>
+              </a:rPr>
+              <a:t>Factors influencing deterioration</a:t>
+            </a:r>
+            <a:endParaRPr lang="en-US" sz="3500" dirty="0">
+              <a:latin typeface="+mj-lt"/>
+              <a:ea typeface="微軟正黑體"/>
+              <a:cs typeface="Arial"/>
+            </a:endParaRPr>
+          </a:p>
+          <a:p>
+            <a:pPr marL="571500" indent="-571500">
+              <a:lnSpc>
+                <a:spcPts val="5192"/>
+              </a:lnSpc>
+              <a:buFont typeface="Arial" panose="020B0604020202020204" pitchFamily="34" charset="0"/>
+              <a:buChar char="•"/>
+            </a:pPr>
+            <a:r>
+              <a:rPr lang="en-US" altLang="zh-TW" sz="3600" dirty="0">
+                <a:solidFill>
+                  <a:srgbClr val="000000"/>
+                </a:solidFill>
+                <a:latin typeface="+mj-lt"/>
+              </a:rPr>
+              <a:t>t</a:t>
+            </a:r>
+            <a:r>
+              <a:rPr lang="en-US" altLang="zh-TW" sz="3600" baseline="-25000" dirty="0">
+                <a:solidFill>
+                  <a:srgbClr val="000000"/>
+                </a:solidFill>
+                <a:latin typeface="+mj-lt"/>
+              </a:rPr>
+              <a:t>y </a:t>
+            </a:r>
+            <a:r>
+              <a:rPr lang="en-US" sz="3500" dirty="0">
+                <a:latin typeface="+mj-lt"/>
+                <a:ea typeface="微軟正黑體"/>
+                <a:cs typeface="Arial"/>
+              </a:rPr>
+              <a:t>: </a:t>
+            </a:r>
+            <a:r>
+              <a:rPr lang="en-US" altLang="zh-TW" sz="3600" b="0" i="0" dirty="0">
+                <a:effectLst/>
+                <a:latin typeface="+mj-lt"/>
+              </a:rPr>
+              <a:t>Service life of concrete</a:t>
+            </a:r>
+            <a:endParaRPr lang="en-US" sz="3500" dirty="0">
+              <a:latin typeface="+mj-lt"/>
+              <a:ea typeface="微軟正黑體"/>
+              <a:cs typeface="Arial"/>
+            </a:endParaRPr>
+          </a:p>
+          <a:p>
+            <a:pPr marL="571500" indent="-571500">
+              <a:lnSpc>
+                <a:spcPts val="5192"/>
+              </a:lnSpc>
+              <a:buFont typeface="Arial" panose="020B0604020202020204" pitchFamily="34" charset="0"/>
+              <a:buChar char="•"/>
+            </a:pPr>
+            <a:r>
+              <a:rPr lang="en-US" altLang="zh-TW" sz="3500" dirty="0">
+                <a:latin typeface="+mj-lt"/>
+                <a:ea typeface="微軟正黑體"/>
+                <a:cs typeface="Arial"/>
+              </a:rPr>
+              <a:t>n : </a:t>
+            </a:r>
+            <a:r>
+              <a:rPr lang="en-US" altLang="zh-TW" sz="3600" b="0" i="0" dirty="0">
+                <a:effectLst/>
+                <a:latin typeface="+mj-lt"/>
+              </a:rPr>
+              <a:t>Time order</a:t>
+            </a:r>
+          </a:p>
+          <a:p>
+            <a:pPr marL="571500" indent="-571500">
+              <a:lnSpc>
+                <a:spcPts val="5192"/>
+              </a:lnSpc>
+              <a:buFont typeface="Arial" panose="020B0604020202020204" pitchFamily="34" charset="0"/>
+              <a:buChar char="•"/>
+            </a:pPr>
+            <a:r>
+              <a:rPr lang="en-US" altLang="zh-TW" sz="3200" b="0" i="0" dirty="0">
+                <a:effectLst/>
+                <a:latin typeface="+mj-lt"/>
+              </a:rPr>
+              <a:t>R</a:t>
+            </a:r>
+            <a:r>
+              <a:rPr lang="en-US" altLang="zh-TW" sz="3200" b="0" i="0" baseline="-25000" dirty="0">
+                <a:effectLst/>
+                <a:latin typeface="+mj-lt"/>
+              </a:rPr>
+              <a:t>d</a:t>
+            </a:r>
+            <a:r>
+              <a:rPr lang="en-US" altLang="zh-TW" sz="3200" baseline="-25000" dirty="0">
+                <a:solidFill>
+                  <a:srgbClr val="000000"/>
+                </a:solidFill>
+                <a:latin typeface="+mj-lt"/>
+              </a:rPr>
+              <a:t> </a:t>
+            </a:r>
+            <a:r>
+              <a:rPr lang="en-US" altLang="zh-TW" sz="3200" dirty="0">
+                <a:latin typeface="+mj-lt"/>
+                <a:ea typeface="微軟正黑體"/>
+                <a:cs typeface="Arial"/>
+              </a:rPr>
+              <a:t>: </a:t>
+            </a:r>
+            <a:r>
+              <a:rPr lang="en-US" altLang="zh-TW" sz="3200" b="0" i="0" dirty="0">
+                <a:effectLst/>
+                <a:latin typeface="+mj-lt"/>
+              </a:rPr>
+              <a:t>Rate of degradation</a:t>
+            </a:r>
+            <a:endParaRPr lang="zh-TW" altLang="en-US" sz="3200" b="1" dirty="0">
+              <a:latin typeface="+mj-lt"/>
+              <a:ea typeface="微軟正黑體"/>
+            </a:endParaRPr>
+          </a:p>
+        </p:txBody>
+      </p:sp>
+      <p:sp>
+        <p:nvSpPr>
+          <p:cNvPr id="9" name="文字方塊 8">
+            <a:extLst>
+              <a:ext uri="{FF2B5EF4-FFF2-40B4-BE49-F238E27FC236}">
+                <a16:creationId xmlns:a16="http://schemas.microsoft.com/office/drawing/2014/main" id="{B6471DE4-57A3-D923-CA56-5FAC9BB12064}"/>
+              </a:ext>
+            </a:extLst>
+          </p:cNvPr>
+          <p:cNvSpPr txBox="1"/>
+          <p:nvPr/>
+        </p:nvSpPr>
+        <p:spPr>
+          <a:xfrm>
+            <a:off x="2327442" y="2009163"/>
+            <a:ext cx="5728888" cy="1200329"/>
+          </a:xfrm>
+          <a:prstGeom prst="rect">
+            <a:avLst/>
+          </a:prstGeom>
+          <a:noFill/>
+        </p:spPr>
+        <p:txBody>
+          <a:bodyPr wrap="square">
+            <a:spAutoFit/>
+          </a:bodyPr>
+          <a:lstStyle/>
+          <a:p>
+            <a:r>
+              <a:rPr lang="en-US" altLang="zh-TW" sz="3600" b="0" i="0" dirty="0">
+                <a:effectLst/>
+                <a:latin typeface="+mj-lt"/>
+              </a:rPr>
+              <a:t>Amount of concrete degradation</a:t>
+            </a:r>
+            <a:endParaRPr lang="zh-TW" altLang="en-US" sz="3600" b="1" dirty="0">
+              <a:latin typeface="+mj-lt"/>
+              <a:ea typeface="微軟正黑體"/>
+            </a:endParaRPr>
+          </a:p>
+        </p:txBody>
+      </p:sp>
+      <p:grpSp>
+        <p:nvGrpSpPr>
+          <p:cNvPr id="11" name="Group 2">
+            <a:extLst>
+              <a:ext uri="{FF2B5EF4-FFF2-40B4-BE49-F238E27FC236}">
+                <a16:creationId xmlns:a16="http://schemas.microsoft.com/office/drawing/2014/main" id="{195D823F-019B-A0E3-7ACC-C7FBA7F52E77}"/>
+              </a:ext>
+            </a:extLst>
+          </p:cNvPr>
+          <p:cNvGrpSpPr/>
+          <p:nvPr/>
+        </p:nvGrpSpPr>
+        <p:grpSpPr>
+          <a:xfrm>
+            <a:off x="1536437" y="2065983"/>
+            <a:ext cx="516960" cy="516960"/>
+            <a:chOff x="0" y="0"/>
+            <a:chExt cx="812800" cy="812800"/>
+          </a:xfrm>
+        </p:grpSpPr>
+        <p:sp>
+          <p:nvSpPr>
+            <p:cNvPr id="12" name="Freeform 3">
+              <a:extLst>
+                <a:ext uri="{FF2B5EF4-FFF2-40B4-BE49-F238E27FC236}">
+                  <a16:creationId xmlns:a16="http://schemas.microsoft.com/office/drawing/2014/main" id="{0C257C78-181C-7D23-CFA7-384DDDE0573A}"/>
+                </a:ext>
+              </a:extLst>
+            </p:cNvPr>
+            <p:cNvSpPr/>
+            <p:nvPr/>
+          </p:nvSpPr>
+          <p:spPr>
+            <a:xfrm>
+              <a:off x="0" y="0"/>
+              <a:ext cx="812800" cy="812800"/>
+            </a:xfrm>
+            <a:custGeom>
+              <a:avLst/>
+              <a:gdLst/>
+              <a:ahLst/>
+              <a:cxnLst/>
+              <a:rect l="l" t="t" r="r" b="b"/>
+              <a:pathLst>
+                <a:path w="812800" h="812800">
+                  <a:moveTo>
+                    <a:pt x="406400" y="0"/>
+                  </a:moveTo>
+                  <a:cubicBezTo>
+                    <a:pt x="181951" y="0"/>
+                    <a:pt x="0" y="181951"/>
+                    <a:pt x="0" y="406400"/>
+                  </a:cubicBezTo>
+                  <a:cubicBezTo>
+                    <a:pt x="0" y="630849"/>
+                    <a:pt x="181951" y="812800"/>
+                    <a:pt x="406400" y="812800"/>
+                  </a:cubicBezTo>
+                  <a:cubicBezTo>
+                    <a:pt x="630849" y="812800"/>
+                    <a:pt x="812800" y="630849"/>
+                    <a:pt x="812800" y="406400"/>
+                  </a:cubicBezTo>
+                  <a:cubicBezTo>
+                    <a:pt x="812800" y="181951"/>
+                    <a:pt x="630849" y="0"/>
+                    <a:pt x="406400" y="0"/>
+                  </a:cubicBezTo>
+                  <a:close/>
+                </a:path>
+              </a:pathLst>
+            </a:custGeom>
+            <a:solidFill>
+              <a:srgbClr val="000000"/>
+            </a:solidFill>
+          </p:spPr>
+          <p:txBody>
+            <a:bodyPr/>
+            <a:lstStyle/>
+            <a:p>
+              <a:endParaRPr lang="zh-TW" altLang="en-US">
+                <a:latin typeface="+mj-lt"/>
+              </a:endParaRPr>
+            </a:p>
+          </p:txBody>
+        </p:sp>
+        <p:sp>
+          <p:nvSpPr>
+            <p:cNvPr id="13" name="TextBox 4">
+              <a:extLst>
+                <a:ext uri="{FF2B5EF4-FFF2-40B4-BE49-F238E27FC236}">
+                  <a16:creationId xmlns:a16="http://schemas.microsoft.com/office/drawing/2014/main" id="{16CDF4B5-0FF6-2DBE-AFEA-23A8CE035EF7}"/>
+                </a:ext>
+              </a:extLst>
+            </p:cNvPr>
+            <p:cNvSpPr txBox="1"/>
+            <p:nvPr/>
+          </p:nvSpPr>
+          <p:spPr>
+            <a:xfrm>
+              <a:off x="76200" y="38100"/>
+              <a:ext cx="660400" cy="698500"/>
+            </a:xfrm>
+            <a:prstGeom prst="rect">
+              <a:avLst/>
+            </a:prstGeom>
+          </p:spPr>
+          <p:txBody>
+            <a:bodyPr lIns="50800" tIns="50800" rIns="50800" bIns="50800" rtlCol="0" anchor="ctr"/>
+            <a:lstStyle/>
+            <a:p>
+              <a:pPr algn="ctr">
+                <a:lnSpc>
+                  <a:spcPts val="2659"/>
+                </a:lnSpc>
+              </a:pPr>
+              <a:endParaRPr dirty="0">
+                <a:latin typeface="+mj-lt"/>
+              </a:endParaRPr>
+            </a:p>
+          </p:txBody>
+        </p:sp>
+      </p:grpSp>
+      <p:grpSp>
+        <p:nvGrpSpPr>
+          <p:cNvPr id="14" name="Group 4">
+            <a:extLst>
+              <a:ext uri="{FF2B5EF4-FFF2-40B4-BE49-F238E27FC236}">
+                <a16:creationId xmlns:a16="http://schemas.microsoft.com/office/drawing/2014/main" id="{CE77A0ED-ACA0-3EF2-DF89-6EAD2921D31A}"/>
+              </a:ext>
+            </a:extLst>
+          </p:cNvPr>
+          <p:cNvGrpSpPr/>
+          <p:nvPr/>
+        </p:nvGrpSpPr>
+        <p:grpSpPr>
+          <a:xfrm>
+            <a:off x="10388444" y="3107522"/>
+            <a:ext cx="6674953" cy="1673225"/>
+            <a:chOff x="-104195" y="-38100"/>
+            <a:chExt cx="1856039" cy="1257416"/>
+          </a:xfrm>
+        </p:grpSpPr>
+        <p:sp>
+          <p:nvSpPr>
+            <p:cNvPr id="16" name="Freeform 5">
+              <a:extLst>
+                <a:ext uri="{FF2B5EF4-FFF2-40B4-BE49-F238E27FC236}">
+                  <a16:creationId xmlns:a16="http://schemas.microsoft.com/office/drawing/2014/main" id="{C9946C26-3C31-FF32-437E-74026FAB02BD}"/>
+                </a:ext>
+              </a:extLst>
+            </p:cNvPr>
+            <p:cNvSpPr/>
+            <p:nvPr/>
+          </p:nvSpPr>
+          <p:spPr>
+            <a:xfrm>
+              <a:off x="-104195" y="269975"/>
+              <a:ext cx="1751844" cy="949341"/>
+            </a:xfrm>
+            <a:custGeom>
+              <a:avLst/>
+              <a:gdLst/>
+              <a:ahLst/>
+              <a:cxnLst/>
+              <a:rect l="l" t="t" r="r" b="b"/>
+              <a:pathLst>
+                <a:path w="1751844" h="649440">
+                  <a:moveTo>
+                    <a:pt x="59360" y="0"/>
+                  </a:moveTo>
+                  <a:lnTo>
+                    <a:pt x="1692484" y="0"/>
+                  </a:lnTo>
+                  <a:cubicBezTo>
+                    <a:pt x="1725268" y="0"/>
+                    <a:pt x="1751844" y="26577"/>
+                    <a:pt x="1751844" y="59360"/>
+                  </a:cubicBezTo>
+                  <a:lnTo>
+                    <a:pt x="1751844" y="590080"/>
+                  </a:lnTo>
+                  <a:cubicBezTo>
+                    <a:pt x="1751844" y="622864"/>
+                    <a:pt x="1725268" y="649440"/>
+                    <a:pt x="1692484" y="649440"/>
+                  </a:cubicBezTo>
+                  <a:lnTo>
+                    <a:pt x="59360" y="649440"/>
+                  </a:lnTo>
+                  <a:cubicBezTo>
+                    <a:pt x="26577" y="649440"/>
+                    <a:pt x="0" y="622864"/>
+                    <a:pt x="0" y="590080"/>
+                  </a:cubicBezTo>
+                  <a:lnTo>
+                    <a:pt x="0" y="59360"/>
+                  </a:lnTo>
+                  <a:cubicBezTo>
+                    <a:pt x="0" y="26577"/>
+                    <a:pt x="26577" y="0"/>
+                    <a:pt x="59360" y="0"/>
+                  </a:cubicBezTo>
+                  <a:close/>
+                </a:path>
+              </a:pathLst>
+            </a:custGeom>
+            <a:solidFill>
+              <a:srgbClr val="E9C7C6"/>
+            </a:solidFill>
+          </p:spPr>
+          <p:txBody>
+            <a:bodyPr/>
+            <a:lstStyle/>
+            <a:p>
+              <a:endParaRPr lang="zh-TW" altLang="en-US" dirty="0">
+                <a:latin typeface="+mj-lt"/>
+              </a:endParaRPr>
+            </a:p>
+          </p:txBody>
+        </p:sp>
+        <p:sp>
+          <p:nvSpPr>
+            <p:cNvPr id="26" name="TextBox 6">
+              <a:extLst>
+                <a:ext uri="{FF2B5EF4-FFF2-40B4-BE49-F238E27FC236}">
+                  <a16:creationId xmlns:a16="http://schemas.microsoft.com/office/drawing/2014/main" id="{6FA880BF-1CF8-845A-F86B-59BB6E1333C3}"/>
+                </a:ext>
+              </a:extLst>
+            </p:cNvPr>
+            <p:cNvSpPr txBox="1"/>
+            <p:nvPr/>
+          </p:nvSpPr>
+          <p:spPr>
+            <a:xfrm>
+              <a:off x="0" y="-38100"/>
+              <a:ext cx="1751844" cy="687540"/>
+            </a:xfrm>
+            <a:prstGeom prst="rect">
+              <a:avLst/>
+            </a:prstGeom>
+          </p:spPr>
+          <p:txBody>
+            <a:bodyPr lIns="50800" tIns="50800" rIns="50800" bIns="50800" rtlCol="0" anchor="ctr"/>
+            <a:lstStyle/>
+            <a:p>
+              <a:pPr algn="ctr">
+                <a:lnSpc>
+                  <a:spcPts val="2659"/>
+                </a:lnSpc>
+              </a:pPr>
+              <a:endParaRPr>
+                <a:latin typeface="+mj-lt"/>
+              </a:endParaRPr>
+            </a:p>
+          </p:txBody>
+        </p:sp>
+      </p:grpSp>
+      <p:sp>
+        <p:nvSpPr>
+          <p:cNvPr id="28" name="文字方塊 27">
+            <a:extLst>
+              <a:ext uri="{FF2B5EF4-FFF2-40B4-BE49-F238E27FC236}">
+                <a16:creationId xmlns:a16="http://schemas.microsoft.com/office/drawing/2014/main" id="{749948F5-5081-FACE-FDF0-0C96455BFC88}"/>
+              </a:ext>
+            </a:extLst>
+          </p:cNvPr>
+          <p:cNvSpPr txBox="1"/>
+          <p:nvPr/>
+        </p:nvSpPr>
+        <p:spPr>
+          <a:xfrm>
+            <a:off x="10913572" y="2026164"/>
+            <a:ext cx="6300232" cy="646331"/>
+          </a:xfrm>
+          <a:prstGeom prst="rect">
+            <a:avLst/>
+          </a:prstGeom>
+          <a:noFill/>
+        </p:spPr>
+        <p:txBody>
+          <a:bodyPr wrap="square">
+            <a:spAutoFit/>
+          </a:bodyPr>
+          <a:lstStyle/>
+          <a:p>
+            <a:r>
+              <a:rPr lang="en-US" altLang="zh-TW" sz="3600" b="0" i="0" dirty="0">
+                <a:effectLst/>
+                <a:latin typeface="+mj-lt"/>
+              </a:rPr>
+              <a:t>Rate of concrete degradation</a:t>
+            </a:r>
+            <a:endParaRPr lang="zh-TW" altLang="en-US" sz="3600" b="1" dirty="0">
+              <a:latin typeface="+mj-lt"/>
+              <a:ea typeface="微軟正黑體"/>
+            </a:endParaRPr>
+          </a:p>
+        </p:txBody>
+      </p:sp>
+      <p:grpSp>
+        <p:nvGrpSpPr>
+          <p:cNvPr id="29" name="Group 2">
+            <a:extLst>
+              <a:ext uri="{FF2B5EF4-FFF2-40B4-BE49-F238E27FC236}">
+                <a16:creationId xmlns:a16="http://schemas.microsoft.com/office/drawing/2014/main" id="{9AC54AE0-6A7B-8A13-38BF-17E063ECA990}"/>
+              </a:ext>
+            </a:extLst>
+          </p:cNvPr>
+          <p:cNvGrpSpPr/>
+          <p:nvPr/>
+        </p:nvGrpSpPr>
+        <p:grpSpPr>
+          <a:xfrm>
+            <a:off x="10033911" y="2098456"/>
+            <a:ext cx="516960" cy="516960"/>
+            <a:chOff x="0" y="0"/>
+            <a:chExt cx="812800" cy="812800"/>
+          </a:xfrm>
+        </p:grpSpPr>
+        <p:sp>
+          <p:nvSpPr>
+            <p:cNvPr id="30" name="Freeform 3">
+              <a:extLst>
+                <a:ext uri="{FF2B5EF4-FFF2-40B4-BE49-F238E27FC236}">
+                  <a16:creationId xmlns:a16="http://schemas.microsoft.com/office/drawing/2014/main" id="{293152E2-4C90-D904-A9A2-6F43527C9A71}"/>
+                </a:ext>
+              </a:extLst>
+            </p:cNvPr>
+            <p:cNvSpPr/>
+            <p:nvPr/>
+          </p:nvSpPr>
+          <p:spPr>
+            <a:xfrm>
+              <a:off x="0" y="0"/>
+              <a:ext cx="812800" cy="812800"/>
+            </a:xfrm>
+            <a:custGeom>
+              <a:avLst/>
+              <a:gdLst/>
+              <a:ahLst/>
+              <a:cxnLst/>
+              <a:rect l="l" t="t" r="r" b="b"/>
+              <a:pathLst>
+                <a:path w="812800" h="812800">
+                  <a:moveTo>
+                    <a:pt x="406400" y="0"/>
+                  </a:moveTo>
+                  <a:cubicBezTo>
+                    <a:pt x="181951" y="0"/>
+                    <a:pt x="0" y="181951"/>
+                    <a:pt x="0" y="406400"/>
+                  </a:cubicBezTo>
+                  <a:cubicBezTo>
+                    <a:pt x="0" y="630849"/>
+                    <a:pt x="181951" y="812800"/>
+                    <a:pt x="406400" y="812800"/>
+                  </a:cubicBezTo>
+                  <a:cubicBezTo>
+                    <a:pt x="630849" y="812800"/>
+                    <a:pt x="812800" y="630849"/>
+                    <a:pt x="812800" y="406400"/>
+                  </a:cubicBezTo>
+                  <a:cubicBezTo>
+                    <a:pt x="812800" y="181951"/>
+                    <a:pt x="630849" y="0"/>
+                    <a:pt x="406400" y="0"/>
+                  </a:cubicBezTo>
+                  <a:close/>
+                </a:path>
+              </a:pathLst>
+            </a:custGeom>
+            <a:solidFill>
+              <a:srgbClr val="000000"/>
+            </a:solidFill>
+          </p:spPr>
+          <p:txBody>
+            <a:bodyPr/>
+            <a:lstStyle/>
+            <a:p>
+              <a:endParaRPr lang="zh-TW" altLang="en-US">
+                <a:latin typeface="+mj-lt"/>
+              </a:endParaRPr>
+            </a:p>
+          </p:txBody>
+        </p:sp>
+        <p:sp>
+          <p:nvSpPr>
+            <p:cNvPr id="31" name="TextBox 4">
+              <a:extLst>
+                <a:ext uri="{FF2B5EF4-FFF2-40B4-BE49-F238E27FC236}">
+                  <a16:creationId xmlns:a16="http://schemas.microsoft.com/office/drawing/2014/main" id="{D2244951-2A1A-D5E0-8654-8F3ECA806324}"/>
+                </a:ext>
+              </a:extLst>
+            </p:cNvPr>
+            <p:cNvSpPr txBox="1"/>
+            <p:nvPr/>
+          </p:nvSpPr>
+          <p:spPr>
+            <a:xfrm>
+              <a:off x="76200" y="38100"/>
+              <a:ext cx="660400" cy="698500"/>
+            </a:xfrm>
+            <a:prstGeom prst="rect">
+              <a:avLst/>
+            </a:prstGeom>
+          </p:spPr>
+          <p:txBody>
+            <a:bodyPr lIns="50800" tIns="50800" rIns="50800" bIns="50800" rtlCol="0" anchor="ctr"/>
+            <a:lstStyle/>
+            <a:p>
+              <a:pPr algn="ctr">
+                <a:lnSpc>
+                  <a:spcPts val="2659"/>
+                </a:lnSpc>
+              </a:pPr>
+              <a:endParaRPr dirty="0">
+                <a:latin typeface="+mj-lt"/>
+              </a:endParaRPr>
+            </a:p>
+          </p:txBody>
+        </p:sp>
+      </p:grpSp>
+      <p:sp>
+        <p:nvSpPr>
+          <p:cNvPr id="32" name="文字方塊 31">
+            <a:extLst>
+              <a:ext uri="{FF2B5EF4-FFF2-40B4-BE49-F238E27FC236}">
+                <a16:creationId xmlns:a16="http://schemas.microsoft.com/office/drawing/2014/main" id="{ECCB0E50-3FFF-4FCC-5C0A-548F77E2040D}"/>
+              </a:ext>
+            </a:extLst>
+          </p:cNvPr>
+          <p:cNvSpPr txBox="1"/>
+          <p:nvPr/>
+        </p:nvSpPr>
+        <p:spPr>
+          <a:xfrm>
+            <a:off x="11049000" y="3542168"/>
+            <a:ext cx="6019800" cy="1107996"/>
+          </a:xfrm>
+          <a:prstGeom prst="rect">
+            <a:avLst/>
+          </a:prstGeom>
+          <a:noFill/>
+        </p:spPr>
+        <p:txBody>
+          <a:bodyPr wrap="square">
+            <a:spAutoFit/>
+          </a:bodyPr>
+          <a:lstStyle/>
+          <a:p>
+            <a:r>
+              <a:rPr lang="en-US" altLang="zh-TW" sz="6600" b="0" i="0" dirty="0">
+                <a:effectLst/>
+                <a:latin typeface="+mj-lt"/>
+              </a:rPr>
+              <a:t>R</a:t>
+            </a:r>
+            <a:r>
+              <a:rPr lang="en-US" altLang="zh-TW" sz="6600" b="0" i="0" baseline="-25000" dirty="0">
+                <a:effectLst/>
+                <a:latin typeface="+mj-lt"/>
+              </a:rPr>
+              <a:t>d</a:t>
+            </a:r>
+            <a:r>
+              <a:rPr lang="en-US" altLang="zh-TW" sz="6600" b="0" i="0" dirty="0">
+                <a:effectLst/>
+                <a:latin typeface="+mj-lt"/>
+              </a:rPr>
+              <a:t> = n </a:t>
+            </a:r>
+            <a:r>
+              <a:rPr lang="en-US" altLang="zh-TW" sz="6600" b="0" i="0" dirty="0" err="1">
+                <a:effectLst/>
+                <a:latin typeface="+mj-lt"/>
+              </a:rPr>
+              <a:t>k</a:t>
+            </a:r>
+            <a:r>
+              <a:rPr lang="en-US" altLang="zh-TW" sz="6600" b="0" i="0" baseline="-25000" dirty="0" err="1">
+                <a:effectLst/>
+                <a:latin typeface="+mj-lt"/>
+              </a:rPr>
+              <a:t>d</a:t>
+            </a:r>
+            <a:r>
+              <a:rPr lang="en-US" altLang="zh-TW" sz="6600" b="0" i="0" dirty="0">
+                <a:effectLst/>
+                <a:latin typeface="+mj-lt"/>
+              </a:rPr>
+              <a:t> t</a:t>
+            </a:r>
+            <a:r>
+              <a:rPr lang="en-US" altLang="zh-TW" sz="6600" b="0" i="0" baseline="-25000" dirty="0">
+                <a:effectLst/>
+                <a:latin typeface="+mj-lt"/>
+              </a:rPr>
+              <a:t>y</a:t>
+            </a:r>
+            <a:r>
+              <a:rPr lang="en-US" altLang="zh-TW" sz="6600" b="0" i="0" dirty="0">
+                <a:effectLst/>
+                <a:latin typeface="+mj-lt"/>
+              </a:rPr>
+              <a:t> </a:t>
+            </a:r>
+            <a:r>
+              <a:rPr lang="en-US" altLang="zh-TW" sz="6600" b="0" i="0" baseline="30000" dirty="0">
+                <a:effectLst/>
+                <a:latin typeface="+mj-lt"/>
+              </a:rPr>
+              <a:t>n-1</a:t>
+            </a:r>
+            <a:endParaRPr lang="zh-TW" altLang="en-US" sz="6600" b="1" baseline="30000" dirty="0">
+              <a:latin typeface="+mj-lt"/>
+              <a:ea typeface="微軟正黑體"/>
+            </a:endParaRPr>
+          </a:p>
+        </p:txBody>
+      </p:sp>
+    </p:spTree>
+    <p:extLst>
+      <p:ext uri="{BB962C8B-B14F-4D97-AF65-F5344CB8AC3E}">
+        <p14:creationId xmlns:p14="http://schemas.microsoft.com/office/powerpoint/2010/main" val="2062692515"/>
+      </p:ext>
+    </p:extLst>
+  </p:cSld>
+  <p:clrMapOvr>
+    <a:masterClrMapping/>
+  </p:clrMapOvr>
+</p:sld>
+</file>
+
+<file path=ppt/slides/slide7.xml><?xml version="1.0" encoding="utf-8"?>
+<p:sld xmlns:a="http://schemas.openxmlformats.org/drawingml/2006/main" xmlns:r="http://schemas.openxmlformats.org/officeDocument/2006/relationships" xmlns:p="http://schemas.openxmlformats.org/presentationml/2006/main">
+  <p:cSld>
+    <p:bg>
+      <p:bgPr>
+        <a:solidFill>
+          <a:srgbClr val="F6F3EB"/>
+        </a:solidFill>
+        <a:effectLst/>
+      </p:bgPr>
+    </p:bg>
+    <p:spTree>
+      <p:nvGrpSpPr>
+        <p:cNvPr id="1" name="">
+          <a:extLst>
+            <a:ext uri="{FF2B5EF4-FFF2-40B4-BE49-F238E27FC236}">
+              <a16:creationId xmlns:a16="http://schemas.microsoft.com/office/drawing/2014/main" id="{E5592382-B2B0-9502-E067-6DB792FC1410}"/>
+            </a:ext>
+          </a:extLst>
+        </p:cNvPr>
+        <p:cNvGrpSpPr/>
+        <p:nvPr/>
+      </p:nvGrpSpPr>
+      <p:grpSpPr>
+        <a:xfrm>
+          <a:off x="0" y="0"/>
+          <a:ext cx="0" cy="0"/>
+          <a:chOff x="0" y="0"/>
+          <a:chExt cx="0" cy="0"/>
+        </a:xfrm>
+      </p:grpSpPr>
+      <p:sp>
+        <p:nvSpPr>
+          <p:cNvPr id="2" name="TextBox 2">
+            <a:extLst>
+              <a:ext uri="{FF2B5EF4-FFF2-40B4-BE49-F238E27FC236}">
+                <a16:creationId xmlns:a16="http://schemas.microsoft.com/office/drawing/2014/main" id="{7760328A-4D80-1523-23D4-FE550352CE85}"/>
+              </a:ext>
+            </a:extLst>
+          </p:cNvPr>
+          <p:cNvSpPr txBox="1"/>
+          <p:nvPr/>
+        </p:nvSpPr>
+        <p:spPr>
+          <a:xfrm>
+            <a:off x="3111592" y="52184"/>
+            <a:ext cx="12260018" cy="1378070"/>
+          </a:xfrm>
+          <a:prstGeom prst="rect">
+            <a:avLst/>
+          </a:prstGeom>
+        </p:spPr>
+        <p:txBody>
+          <a:bodyPr wrap="square" lIns="0" tIns="0" rIns="0" bIns="0" rtlCol="0" anchor="t">
+            <a:spAutoFit/>
+          </a:bodyPr>
+          <a:lstStyle/>
+          <a:p>
+            <a:pPr algn="ctr">
+              <a:lnSpc>
+                <a:spcPts val="11899"/>
+              </a:lnSpc>
+            </a:pPr>
+            <a:r>
+              <a:rPr lang="en-US" altLang="zh-TW" sz="8000" dirty="0">
+                <a:latin typeface="+mj-lt"/>
+                <a:ea typeface="微軟正黑體"/>
+              </a:rPr>
+              <a:t>EQUATION</a:t>
+            </a:r>
+            <a:endParaRPr lang="zh-TW" altLang="en-US" dirty="0">
+              <a:latin typeface="+mj-lt"/>
+            </a:endParaRPr>
+          </a:p>
+        </p:txBody>
+      </p:sp>
+      <p:grpSp>
+        <p:nvGrpSpPr>
+          <p:cNvPr id="4" name="Group 4">
+            <a:extLst>
+              <a:ext uri="{FF2B5EF4-FFF2-40B4-BE49-F238E27FC236}">
+                <a16:creationId xmlns:a16="http://schemas.microsoft.com/office/drawing/2014/main" id="{AC0BF690-D2A4-2717-B549-B98B648A793B}"/>
+              </a:ext>
+            </a:extLst>
+          </p:cNvPr>
+          <p:cNvGrpSpPr/>
+          <p:nvPr/>
+        </p:nvGrpSpPr>
+        <p:grpSpPr>
+          <a:xfrm>
+            <a:off x="2872162" y="2409639"/>
+            <a:ext cx="6579358" cy="1552590"/>
+            <a:chOff x="-104195" y="-38100"/>
+            <a:chExt cx="1856039" cy="1257416"/>
+          </a:xfrm>
+        </p:grpSpPr>
+        <p:sp>
+          <p:nvSpPr>
+            <p:cNvPr id="5" name="Freeform 5">
+              <a:extLst>
+                <a:ext uri="{FF2B5EF4-FFF2-40B4-BE49-F238E27FC236}">
+                  <a16:creationId xmlns:a16="http://schemas.microsoft.com/office/drawing/2014/main" id="{D583A207-C3CC-DAB7-93DA-7872ECB8714B}"/>
+                </a:ext>
+              </a:extLst>
+            </p:cNvPr>
+            <p:cNvSpPr/>
+            <p:nvPr/>
+          </p:nvSpPr>
+          <p:spPr>
+            <a:xfrm>
+              <a:off x="-104195" y="269975"/>
+              <a:ext cx="1751844" cy="949341"/>
+            </a:xfrm>
+            <a:custGeom>
+              <a:avLst/>
+              <a:gdLst/>
+              <a:ahLst/>
+              <a:cxnLst/>
+              <a:rect l="l" t="t" r="r" b="b"/>
+              <a:pathLst>
+                <a:path w="1751844" h="649440">
+                  <a:moveTo>
+                    <a:pt x="59360" y="0"/>
+                  </a:moveTo>
+                  <a:lnTo>
+                    <a:pt x="1692484" y="0"/>
+                  </a:lnTo>
+                  <a:cubicBezTo>
+                    <a:pt x="1725268" y="0"/>
+                    <a:pt x="1751844" y="26577"/>
+                    <a:pt x="1751844" y="59360"/>
+                  </a:cubicBezTo>
+                  <a:lnTo>
+                    <a:pt x="1751844" y="590080"/>
+                  </a:lnTo>
+                  <a:cubicBezTo>
+                    <a:pt x="1751844" y="622864"/>
+                    <a:pt x="1725268" y="649440"/>
+                    <a:pt x="1692484" y="649440"/>
+                  </a:cubicBezTo>
+                  <a:lnTo>
+                    <a:pt x="59360" y="649440"/>
+                  </a:lnTo>
+                  <a:cubicBezTo>
+                    <a:pt x="26577" y="649440"/>
+                    <a:pt x="0" y="622864"/>
+                    <a:pt x="0" y="590080"/>
+                  </a:cubicBezTo>
+                  <a:lnTo>
+                    <a:pt x="0" y="59360"/>
+                  </a:lnTo>
+                  <a:cubicBezTo>
+                    <a:pt x="0" y="26577"/>
+                    <a:pt x="26577" y="0"/>
+                    <a:pt x="59360" y="0"/>
+                  </a:cubicBezTo>
+                  <a:close/>
+                </a:path>
+              </a:pathLst>
+            </a:custGeom>
+            <a:solidFill>
+              <a:srgbClr val="E9C7C6"/>
+            </a:solidFill>
+          </p:spPr>
+          <p:txBody>
+            <a:bodyPr/>
+            <a:lstStyle/>
+            <a:p>
+              <a:endParaRPr lang="zh-TW" altLang="en-US" dirty="0">
+                <a:latin typeface="+mj-lt"/>
+              </a:endParaRPr>
+            </a:p>
+          </p:txBody>
+        </p:sp>
+        <p:sp>
+          <p:nvSpPr>
+            <p:cNvPr id="6" name="TextBox 6">
+              <a:extLst>
+                <a:ext uri="{FF2B5EF4-FFF2-40B4-BE49-F238E27FC236}">
+                  <a16:creationId xmlns:a16="http://schemas.microsoft.com/office/drawing/2014/main" id="{E20DC4DD-F743-09ED-4FF8-FD63E5B05553}"/>
+                </a:ext>
+              </a:extLst>
+            </p:cNvPr>
+            <p:cNvSpPr txBox="1"/>
+            <p:nvPr/>
+          </p:nvSpPr>
+          <p:spPr>
+            <a:xfrm>
+              <a:off x="0" y="-38100"/>
+              <a:ext cx="1751844" cy="687540"/>
+            </a:xfrm>
+            <a:prstGeom prst="rect">
+              <a:avLst/>
+            </a:prstGeom>
+          </p:spPr>
+          <p:txBody>
+            <a:bodyPr lIns="50800" tIns="50800" rIns="50800" bIns="50800" rtlCol="0" anchor="ctr"/>
+            <a:lstStyle/>
+            <a:p>
+              <a:pPr algn="ctr">
+                <a:lnSpc>
+                  <a:spcPts val="2659"/>
+                </a:lnSpc>
+              </a:pPr>
+              <a:endParaRPr>
+                <a:latin typeface="+mj-lt"/>
+              </a:endParaRPr>
+            </a:p>
+          </p:txBody>
+        </p:sp>
+      </p:grpSp>
+      <p:sp>
+        <p:nvSpPr>
+          <p:cNvPr id="17" name="AutoShape 17">
+            <a:extLst>
+              <a:ext uri="{FF2B5EF4-FFF2-40B4-BE49-F238E27FC236}">
+                <a16:creationId xmlns:a16="http://schemas.microsoft.com/office/drawing/2014/main" id="{D42D97FC-43D3-6FA3-902C-E452C620A097}"/>
+              </a:ext>
+            </a:extLst>
+          </p:cNvPr>
+          <p:cNvSpPr/>
+          <p:nvPr/>
+        </p:nvSpPr>
+        <p:spPr>
+          <a:xfrm flipV="1">
+            <a:off x="1085086" y="-104526"/>
+            <a:ext cx="5404" cy="7686425"/>
+          </a:xfrm>
+          <a:prstGeom prst="line">
+            <a:avLst/>
+          </a:prstGeom>
+          <a:ln w="114300" cap="flat">
+            <a:solidFill>
+              <a:srgbClr val="9FC3D0"/>
+            </a:solidFill>
+            <a:prstDash val="solid"/>
+            <a:headEnd type="none" w="sm" len="sm"/>
+            <a:tailEnd type="none" w="sm" len="sm"/>
+          </a:ln>
+        </p:spPr>
+        <p:txBody>
+          <a:bodyPr/>
+          <a:lstStyle/>
+          <a:p>
+            <a:endParaRPr lang="zh-TW" altLang="en-US">
+              <a:latin typeface="+mj-lt"/>
+            </a:endParaRPr>
+          </a:p>
+        </p:txBody>
+      </p:sp>
+      <p:sp>
+        <p:nvSpPr>
+          <p:cNvPr id="18" name="AutoShape 18">
+            <a:extLst>
+              <a:ext uri="{FF2B5EF4-FFF2-40B4-BE49-F238E27FC236}">
+                <a16:creationId xmlns:a16="http://schemas.microsoft.com/office/drawing/2014/main" id="{1D0A7494-0BFE-0EEB-95DB-CB9DAC79E1A5}"/>
+              </a:ext>
+            </a:extLst>
+          </p:cNvPr>
+          <p:cNvSpPr/>
+          <p:nvPr/>
+        </p:nvSpPr>
+        <p:spPr>
+          <a:xfrm flipH="1" flipV="1">
+            <a:off x="1085850" y="7289441"/>
+            <a:ext cx="5403" cy="2997456"/>
+          </a:xfrm>
+          <a:prstGeom prst="line">
+            <a:avLst/>
+          </a:prstGeom>
+          <a:ln w="114300" cap="flat">
+            <a:solidFill>
+              <a:srgbClr val="9FC3D0"/>
+            </a:solidFill>
+            <a:prstDash val="solid"/>
+            <a:headEnd type="none" w="sm" len="sm"/>
+            <a:tailEnd type="none" w="sm" len="sm"/>
+          </a:ln>
+        </p:spPr>
+        <p:txBody>
+          <a:bodyPr/>
+          <a:lstStyle/>
+          <a:p>
+            <a:endParaRPr lang="zh-TW" altLang="en-US">
+              <a:latin typeface="+mj-lt"/>
+            </a:endParaRPr>
+          </a:p>
+        </p:txBody>
+      </p:sp>
+      <p:grpSp>
+        <p:nvGrpSpPr>
+          <p:cNvPr id="19" name="Group 19">
+            <a:extLst>
+              <a:ext uri="{FF2B5EF4-FFF2-40B4-BE49-F238E27FC236}">
+                <a16:creationId xmlns:a16="http://schemas.microsoft.com/office/drawing/2014/main" id="{CA50CD17-B4CA-C240-79EF-4E9C6DDA63AE}"/>
+              </a:ext>
+            </a:extLst>
+          </p:cNvPr>
+          <p:cNvGrpSpPr/>
+          <p:nvPr/>
+        </p:nvGrpSpPr>
+        <p:grpSpPr>
+          <a:xfrm>
+            <a:off x="15859155" y="0"/>
+            <a:ext cx="1562612" cy="1673225"/>
+            <a:chOff x="0" y="0"/>
+            <a:chExt cx="2083482" cy="2230967"/>
+          </a:xfrm>
+        </p:grpSpPr>
+        <p:grpSp>
+          <p:nvGrpSpPr>
+            <p:cNvPr id="20" name="Group 20">
+              <a:extLst>
+                <a:ext uri="{FF2B5EF4-FFF2-40B4-BE49-F238E27FC236}">
+                  <a16:creationId xmlns:a16="http://schemas.microsoft.com/office/drawing/2014/main" id="{2D1EA3AC-6B55-A4AB-C91E-4B4DC0D5BDB9}"/>
+                </a:ext>
+              </a:extLst>
+            </p:cNvPr>
+            <p:cNvGrpSpPr/>
+            <p:nvPr/>
+          </p:nvGrpSpPr>
+          <p:grpSpPr>
+            <a:xfrm>
+              <a:off x="75599" y="0"/>
+              <a:ext cx="1932284" cy="2230967"/>
+              <a:chOff x="0" y="0"/>
+              <a:chExt cx="703982" cy="812800"/>
+            </a:xfrm>
+          </p:grpSpPr>
+          <p:sp>
+            <p:nvSpPr>
+              <p:cNvPr id="21" name="Freeform 21">
+                <a:extLst>
+                  <a:ext uri="{FF2B5EF4-FFF2-40B4-BE49-F238E27FC236}">
+                    <a16:creationId xmlns:a16="http://schemas.microsoft.com/office/drawing/2014/main" id="{DF43E057-A097-2FFD-6D1A-6658787CEA97}"/>
+                  </a:ext>
+                </a:extLst>
+              </p:cNvPr>
+              <p:cNvSpPr/>
+              <p:nvPr/>
+            </p:nvSpPr>
+            <p:spPr>
+              <a:xfrm>
+                <a:off x="0" y="0"/>
+                <a:ext cx="703982" cy="812800"/>
+              </a:xfrm>
+              <a:custGeom>
+                <a:avLst/>
+                <a:gdLst/>
+                <a:ahLst/>
+                <a:cxnLst/>
+                <a:rect l="l" t="t" r="r" b="b"/>
+                <a:pathLst>
+                  <a:path w="703982" h="812800">
+                    <a:moveTo>
+                      <a:pt x="234787" y="793731"/>
+                    </a:moveTo>
+                    <a:cubicBezTo>
+                      <a:pt x="270879" y="805245"/>
+                      <a:pt x="311910" y="812800"/>
+                      <a:pt x="352180" y="812800"/>
+                    </a:cubicBezTo>
+                    <a:cubicBezTo>
+                      <a:pt x="392452" y="812800"/>
+                      <a:pt x="431204" y="806323"/>
+                      <a:pt x="466915" y="794809"/>
+                    </a:cubicBezTo>
+                    <a:cubicBezTo>
+                      <a:pt x="467675" y="794450"/>
+                      <a:pt x="468435" y="794450"/>
+                      <a:pt x="469194" y="794090"/>
+                    </a:cubicBezTo>
+                    <a:cubicBezTo>
+                      <a:pt x="603304" y="748035"/>
+                      <a:pt x="702082" y="626421"/>
+                      <a:pt x="703982" y="484298"/>
+                    </a:cubicBezTo>
+                    <a:lnTo>
+                      <a:pt x="703982" y="0"/>
+                    </a:lnTo>
+                    <a:lnTo>
+                      <a:pt x="0" y="0"/>
+                    </a:lnTo>
+                    <a:lnTo>
+                      <a:pt x="0" y="483939"/>
+                    </a:lnTo>
+                    <a:cubicBezTo>
+                      <a:pt x="1900" y="627140"/>
+                      <a:pt x="99158" y="748755"/>
+                      <a:pt x="234787" y="793731"/>
+                    </a:cubicBezTo>
+                    <a:close/>
+                  </a:path>
+                </a:pathLst>
+              </a:custGeom>
+              <a:solidFill>
+                <a:srgbClr val="9FC3D0"/>
+              </a:solidFill>
+            </p:spPr>
+            <p:txBody>
+              <a:bodyPr/>
+              <a:lstStyle/>
+              <a:p>
+                <a:endParaRPr lang="zh-TW" altLang="en-US">
+                  <a:latin typeface="+mj-lt"/>
+                </a:endParaRPr>
+              </a:p>
+            </p:txBody>
+          </p:sp>
+          <p:sp>
+            <p:nvSpPr>
+              <p:cNvPr id="22" name="TextBox 22">
+                <a:extLst>
+                  <a:ext uri="{FF2B5EF4-FFF2-40B4-BE49-F238E27FC236}">
+                    <a16:creationId xmlns:a16="http://schemas.microsoft.com/office/drawing/2014/main" id="{E17C4BBD-B8EB-10B8-85B6-CC28A7174D3A}"/>
+                  </a:ext>
+                </a:extLst>
+              </p:cNvPr>
+              <p:cNvSpPr txBox="1"/>
+              <p:nvPr/>
+            </p:nvSpPr>
+            <p:spPr>
+              <a:xfrm>
+                <a:off x="0" y="-47625"/>
+                <a:ext cx="703982" cy="733425"/>
+              </a:xfrm>
+              <a:prstGeom prst="rect">
+                <a:avLst/>
+              </a:prstGeom>
+            </p:spPr>
+            <p:txBody>
+              <a:bodyPr lIns="50800" tIns="50800" rIns="50800" bIns="50800" rtlCol="0" anchor="ctr"/>
+              <a:lstStyle/>
+              <a:p>
+                <a:pPr algn="ctr">
+                  <a:lnSpc>
+                    <a:spcPts val="2659"/>
+                  </a:lnSpc>
+                </a:pPr>
+                <a:endParaRPr>
+                  <a:latin typeface="+mj-lt"/>
+                </a:endParaRPr>
+              </a:p>
+            </p:txBody>
+          </p:sp>
+        </p:grpSp>
+        <p:sp>
+          <p:nvSpPr>
+            <p:cNvPr id="23" name="TextBox 23">
+              <a:extLst>
+                <a:ext uri="{FF2B5EF4-FFF2-40B4-BE49-F238E27FC236}">
+                  <a16:creationId xmlns:a16="http://schemas.microsoft.com/office/drawing/2014/main" id="{992D4833-882D-9E5B-2C45-CCFF91397244}"/>
+                </a:ext>
+              </a:extLst>
+            </p:cNvPr>
+            <p:cNvSpPr txBox="1"/>
+            <p:nvPr/>
+          </p:nvSpPr>
+          <p:spPr>
+            <a:xfrm>
+              <a:off x="0" y="437582"/>
+              <a:ext cx="2083482" cy="1241504"/>
+            </a:xfrm>
+            <a:prstGeom prst="rect">
+              <a:avLst/>
+            </a:prstGeom>
+          </p:spPr>
+          <p:txBody>
+            <a:bodyPr lIns="0" tIns="0" rIns="0" bIns="0" rtlCol="0" anchor="t">
+              <a:spAutoFit/>
+            </a:bodyPr>
+            <a:lstStyle/>
+            <a:p>
+              <a:pPr algn="ctr">
+                <a:lnSpc>
+                  <a:spcPts val="7805"/>
+                </a:lnSpc>
+              </a:pPr>
+              <a:r>
+                <a:rPr lang="en-US" sz="5550" dirty="0">
+                  <a:solidFill>
+                    <a:srgbClr val="000000"/>
+                  </a:solidFill>
+                  <a:latin typeface="+mj-lt"/>
+                  <a:ea typeface="Open Sans Bold"/>
+                  <a:cs typeface="Open Sans Bold"/>
+                </a:rPr>
+                <a:t>4</a:t>
+              </a:r>
+            </a:p>
+          </p:txBody>
+        </p:sp>
+      </p:grpSp>
+      <p:sp>
+        <p:nvSpPr>
+          <p:cNvPr id="24" name="Freeform 24">
+            <a:extLst>
+              <a:ext uri="{FF2B5EF4-FFF2-40B4-BE49-F238E27FC236}">
+                <a16:creationId xmlns:a16="http://schemas.microsoft.com/office/drawing/2014/main" id="{72D608D3-0293-9EB5-9ECD-812F88C84BCF}"/>
+              </a:ext>
+            </a:extLst>
+          </p:cNvPr>
+          <p:cNvSpPr/>
+          <p:nvPr/>
+        </p:nvSpPr>
+        <p:spPr>
+          <a:xfrm>
+            <a:off x="7512165" y="-1553858"/>
+            <a:ext cx="7315200" cy="2477783"/>
+          </a:xfrm>
+          <a:custGeom>
+            <a:avLst/>
+            <a:gdLst/>
+            <a:ahLst/>
+            <a:cxnLst/>
+            <a:rect l="l" t="t" r="r" b="b"/>
+            <a:pathLst>
+              <a:path w="7315200" h="2477783">
+                <a:moveTo>
+                  <a:pt x="0" y="0"/>
+                </a:moveTo>
+                <a:lnTo>
+                  <a:pt x="7315200" y="0"/>
+                </a:lnTo>
+                <a:lnTo>
+                  <a:pt x="7315200" y="2477783"/>
+                </a:lnTo>
+                <a:lnTo>
+                  <a:pt x="0" y="2477783"/>
+                </a:lnTo>
+                <a:lnTo>
+                  <a:pt x="0" y="0"/>
+                </a:lnTo>
+                <a:close/>
+              </a:path>
+            </a:pathLst>
+          </a:custGeom>
+          <a:blipFill>
+            <a:blip r:embed="rId3">
+              <a:extLst>
+                <a:ext uri="{96DAC541-7B7A-43D3-8B79-37D633B846F1}">
+                  <asvg:svgBlip xmlns:asvg="http://schemas.microsoft.com/office/drawing/2016/SVG/main" r:embed="rId4"/>
                 </a:ext>
               </a:extLst>
             </a:blip>
@@ -8932,10 +10749,10 @@
             </a:pathLst>
           </a:custGeom>
           <a:blipFill>
-            <a:blip r:embed="rId4">
+            <a:blip r:embed="rId3">
               <a:extLst>
                 <a:ext uri="{96DAC541-7B7A-43D3-8B79-37D633B846F1}">
-                  <asvg:svgBlip xmlns:asvg="http://schemas.microsoft.com/office/drawing/2016/SVG/main" r:embed="rId5"/>
+                  <asvg:svgBlip xmlns:asvg="http://schemas.microsoft.com/office/drawing/2016/SVG/main" r:embed="rId4"/>
                 </a:ext>
               </a:extLst>
             </a:blip>
@@ -8968,8 +10785,8 @@
         </p:nvSpPr>
         <p:spPr>
           <a:xfrm>
-            <a:off x="2538953" y="5235038"/>
-            <a:ext cx="15291847" cy="2602828"/>
+            <a:off x="2602876" y="4695333"/>
+            <a:ext cx="15291847" cy="2594108"/>
           </a:xfrm>
           <a:prstGeom prst="rect">
             <a:avLst/>
@@ -8989,32 +10806,37 @@
               <a:buChar char="•"/>
             </a:pPr>
             <a:r>
+              <a:rPr lang="en-US" altLang="zh-TW" sz="3600" dirty="0" err="1">
+                <a:latin typeface="+mj-lt"/>
+              </a:rPr>
+              <a:t>t</a:t>
+            </a:r>
+            <a:r>
+              <a:rPr lang="en-US" altLang="zh-TW" sz="3600" b="0" i="0" baseline="-25000" dirty="0" err="1">
+                <a:effectLst/>
+                <a:latin typeface="+mj-lt"/>
+              </a:rPr>
+              <a:t>yf</a:t>
+            </a:r>
+            <a:r>
+              <a:rPr lang="en-US" altLang="zh-TW" sz="3600" baseline="-25000" dirty="0">
+                <a:solidFill>
+                  <a:srgbClr val="000000"/>
+                </a:solidFill>
+                <a:latin typeface="+mj-lt"/>
+              </a:rPr>
+              <a:t> </a:t>
+            </a:r>
+            <a:r>
               <a:rPr lang="en-US" altLang="zh-TW" sz="3500" dirty="0">
                 <a:latin typeface="+mj-lt"/>
                 <a:ea typeface="微軟正黑體"/>
               </a:rPr>
-              <a:t>M</a:t>
-            </a:r>
-            <a:r>
-              <a:rPr lang="en-US" altLang="zh-TW" sz="3500" baseline="-25000" dirty="0">
-                <a:latin typeface="+mj-lt"/>
-                <a:ea typeface="微軟正黑體"/>
-              </a:rPr>
-              <a:t>1</a:t>
-            </a:r>
-            <a:r>
-              <a:rPr lang="en-US" altLang="zh-TW" sz="3500" dirty="0">
-                <a:latin typeface="+mj-lt"/>
-                <a:ea typeface="微軟正黑體"/>
-              </a:rPr>
-              <a:t>: Number of months that </a:t>
-            </a:r>
-            <a:r>
-              <a:rPr lang="en-US" sz="3500" dirty="0">
-                <a:latin typeface="+mj-lt"/>
-                <a:ea typeface="微軟正黑體"/>
-              </a:rPr>
-              <a:t>relative humidity is below 70%</a:t>
+              <a:t>: </a:t>
+            </a:r>
+            <a:r>
+              <a:rPr lang="en-US" altLang="zh-TW" sz="3600" dirty="0"/>
+              <a:t>Time to failure</a:t>
             </a:r>
           </a:p>
           <a:p>
@@ -9026,20 +10848,27 @@
               <a:buChar char="•"/>
             </a:pPr>
             <a:r>
-              <a:rPr lang="en-US" sz="3500" dirty="0">
-                <a:latin typeface="+mj-lt"/>
-                <a:ea typeface="微軟正黑體"/>
-                <a:cs typeface="Arial"/>
+              <a:rPr lang="en-US" altLang="zh-TW" sz="3600" b="0" i="0" dirty="0" err="1">
+                <a:effectLst/>
+                <a:latin typeface="+mj-lt"/>
               </a:rPr>
-              <a:t>M</a:t>
-            </a:r>
-            <a:r>
-              <a:rPr lang="en-US" sz="3500" baseline="-25000" dirty="0">
-                <a:latin typeface="+mj-lt"/>
-                <a:ea typeface="微軟正黑體"/>
-                <a:cs typeface="Arial"/>
+              <a:t>A</a:t>
+            </a:r>
+            <a:r>
+              <a:rPr lang="en-US" altLang="zh-TW" sz="3600" b="0" i="0" baseline="-25000" dirty="0" err="1">
+                <a:effectLst/>
+                <a:latin typeface="+mj-lt"/>
               </a:rPr>
-              <a:t>2</a:t>
+              <a:t>df</a:t>
+            </a:r>
+            <a:r>
+              <a:rPr lang="en-US" altLang="zh-TW" sz="3600" baseline="-25000" dirty="0">
+                <a:solidFill>
+                  <a:srgbClr val="000000"/>
+                </a:solidFill>
+                <a:latin typeface="+mj-lt"/>
+              </a:rPr>
+              <a:t> </a:t>
             </a:r>
             <a:r>
               <a:rPr lang="en-US" sz="3500" dirty="0">
@@ -9050,19 +10879,8 @@
               <a:t>: </a:t>
             </a:r>
             <a:r>
-              <a:rPr lang="en-US" altLang="zh-TW" sz="3500" dirty="0">
-                <a:latin typeface="+mj-lt"/>
-                <a:ea typeface="微軟正黑體"/>
-              </a:rPr>
-              <a:t>Number of months that </a:t>
-            </a:r>
-            <a:r>
-              <a:rPr lang="en-US" sz="3500" dirty="0">
-                <a:latin typeface="+mj-lt"/>
-                <a:ea typeface="微軟正黑體"/>
-                <a:cs typeface="Arial"/>
-              </a:rPr>
-              <a:t>relative humidity is between 70 and 100%</a:t>
+              <a:rPr lang="en-US" altLang="zh-TW" sz="3600" dirty="0"/>
+              <a:t>Amount of damage at failure</a:t>
             </a:r>
           </a:p>
           <a:p>
@@ -9074,43 +10892,38 @@
               <a:buChar char="•"/>
             </a:pPr>
             <a:r>
-              <a:rPr lang="en-US" sz="3500" dirty="0">
+              <a:rPr lang="en-US" altLang="zh-TW" sz="3200" dirty="0">
                 <a:latin typeface="+mj-lt"/>
                 <a:ea typeface="微軟正黑體"/>
-                <a:cs typeface="Arial"/>
               </a:rPr>
-              <a:t>M</a:t>
-            </a:r>
-            <a:r>
-              <a:rPr lang="en-US" sz="3500" baseline="-25000" dirty="0">
+              <a:t>t</a:t>
+            </a:r>
+            <a:r>
+              <a:rPr lang="en-US" altLang="zh-TW" sz="3200" baseline="-25000" dirty="0">
                 <a:latin typeface="+mj-lt"/>
                 <a:ea typeface="微軟正黑體"/>
-                <a:cs typeface="Arial"/>
               </a:rPr>
-              <a:t>3</a:t>
-            </a:r>
-            <a:r>
-              <a:rPr lang="en-US" sz="3500" dirty="0">
+              <a:t>r</a:t>
+            </a:r>
+            <a:r>
+              <a:rPr lang="en-US" altLang="zh-TW" sz="3200" baseline="-25000" dirty="0">
+                <a:solidFill>
+                  <a:srgbClr val="000000"/>
+                </a:solidFill>
+                <a:latin typeface="+mj-lt"/>
+              </a:rPr>
+              <a:t> </a:t>
+            </a:r>
+            <a:r>
+              <a:rPr lang="en-US" altLang="zh-TW" sz="3200" dirty="0">
                 <a:latin typeface="+mj-lt"/>
                 <a:ea typeface="微軟正黑體"/>
-                <a:cs typeface="Arial"/>
               </a:rPr>
               <a:t>: </a:t>
             </a:r>
             <a:r>
-              <a:rPr lang="en-US" altLang="zh-TW" sz="3500" dirty="0">
-                <a:latin typeface="+mj-lt"/>
-                <a:ea typeface="微軟正黑體"/>
-              </a:rPr>
-              <a:t>Number of months that</a:t>
-            </a:r>
-            <a:r>
-              <a:rPr lang="en-US" sz="3500" dirty="0">
-                <a:latin typeface="+mj-lt"/>
-                <a:ea typeface="微軟正黑體"/>
-                <a:cs typeface="Arial"/>
-              </a:rPr>
-              <a:t> rain occurs</a:t>
+              <a:rPr lang="en-US" altLang="zh-TW" sz="3200" dirty="0"/>
+              <a:t>Remaining service life of concrete</a:t>
             </a:r>
           </a:p>
           <a:p>
@@ -9122,28 +10935,38 @@
               <a:buChar char="•"/>
             </a:pPr>
             <a:r>
-              <a:rPr lang="en-US" altLang="zh-TW" sz="3500" dirty="0">
+              <a:rPr lang="en-US" altLang="zh-TW" sz="3200" dirty="0" err="1">
                 <a:latin typeface="+mj-lt"/>
                 <a:ea typeface="微軟正黑體"/>
-                <a:cs typeface="Arial"/>
               </a:rPr>
-              <a:t>0.1, 1.0, 10: Coefficient that weighs the impact of corrosion rates (</a:t>
-            </a:r>
-            <a:r>
-              <a:rPr lang="en-US" altLang="zh-TW" sz="3500" dirty="0" err="1">
+              <a:t>t</a:t>
+            </a:r>
+            <a:r>
+              <a:rPr lang="en-US" altLang="zh-TW" sz="3200" baseline="-25000" dirty="0" err="1">
                 <a:latin typeface="+mj-lt"/>
                 <a:ea typeface="微軟正黑體"/>
-                <a:cs typeface="Arial"/>
               </a:rPr>
-              <a:t>Icorr</a:t>
-            </a:r>
-            <a:r>
-              <a:rPr lang="en-US" altLang="zh-TW" sz="3500" dirty="0">
+              <a:t>i</a:t>
+            </a:r>
+            <a:r>
+              <a:rPr lang="en-US" altLang="zh-TW" sz="3200" baseline="-25000" dirty="0">
+                <a:solidFill>
+                  <a:srgbClr val="000000"/>
+                </a:solidFill>
+                <a:latin typeface="+mj-lt"/>
+              </a:rPr>
+              <a:t> </a:t>
+            </a:r>
+            <a:r>
+              <a:rPr lang="en-US" altLang="zh-TW" sz="3200" dirty="0">
                 <a:latin typeface="+mj-lt"/>
                 <a:ea typeface="微軟正黑體"/>
-                <a:cs typeface="Arial"/>
               </a:rPr>
-              <a:t>)</a:t>
+              <a:t>: </a:t>
+            </a:r>
+            <a:r>
+              <a:rPr lang="en-US" altLang="zh-TW" sz="3200" dirty="0"/>
+              <a:t>Age of the concrete at the time of condition inspection</a:t>
             </a:r>
           </a:p>
         </p:txBody>
@@ -9162,8 +10985,8 @@
         </p:nvSpPr>
         <p:spPr>
           <a:xfrm>
-            <a:off x="3352800" y="1776223"/>
-            <a:ext cx="9144000" cy="630942"/>
+            <a:off x="2807524" y="1767206"/>
+            <a:ext cx="9144000" cy="646331"/>
           </a:xfrm>
           <a:prstGeom prst="rect">
             <a:avLst/>
@@ -9177,21 +11000,8 @@
           <a:lstStyle/>
           <a:p>
             <a:r>
-              <a:rPr lang="en-US" altLang="zh-TW" sz="3500" b="1" dirty="0">
-                <a:solidFill>
-                  <a:srgbClr val="FF0000"/>
-                </a:solidFill>
-                <a:latin typeface="+mj-lt"/>
-                <a:ea typeface="微軟正黑體"/>
-              </a:rPr>
-              <a:t>Average corrosion rate </a:t>
-            </a:r>
-            <a:r>
-              <a:rPr lang="en-US" altLang="zh-TW" sz="3500" b="1" dirty="0">
-                <a:latin typeface="+mj-lt"/>
-                <a:ea typeface="微軟正黑體"/>
-              </a:rPr>
-              <a:t>of a year</a:t>
+              <a:rPr lang="en-US" altLang="zh-TW" sz="3600" dirty="0"/>
+              <a:t>Calculate the time to get failure</a:t>
             </a:r>
             <a:endParaRPr lang="zh-TW" altLang="en-US" sz="3500" b="1" dirty="0">
               <a:latin typeface="+mj-lt"/>
@@ -9214,7 +11024,7 @@
         </p:nvGrpSpPr>
         <p:grpSpPr>
           <a:xfrm>
-            <a:off x="2473139" y="1848515"/>
+            <a:off x="1927863" y="1839498"/>
             <a:ext cx="516960" cy="516960"/>
             <a:chOff x="0" y="0"/>
             <a:chExt cx="812800" cy="812800"/>
@@ -9321,10 +11131,500 @@
           </p:txBody>
         </p:sp>
       </p:grpSp>
+      <p:sp>
+        <p:nvSpPr>
+          <p:cNvPr id="8" name="文字方塊 7">
+            <a:extLst>
+              <a:ext uri="{FF2B5EF4-FFF2-40B4-BE49-F238E27FC236}">
+                <a16:creationId xmlns:a16="http://schemas.microsoft.com/office/drawing/2014/main" id="{35F10AC0-F738-3E50-81F9-BE01C162FB4B}"/>
+              </a:ext>
+            </a:extLst>
+          </p:cNvPr>
+          <p:cNvSpPr txBox="1"/>
+          <p:nvPr/>
+        </p:nvSpPr>
+        <p:spPr>
+          <a:xfrm>
+            <a:off x="3419111" y="2812894"/>
+            <a:ext cx="9144000" cy="1015663"/>
+          </a:xfrm>
+          <a:prstGeom prst="rect">
+            <a:avLst/>
+          </a:prstGeom>
+          <a:noFill/>
+        </p:spPr>
+        <p:txBody>
+          <a:bodyPr wrap="square">
+            <a:spAutoFit/>
+          </a:bodyPr>
+          <a:lstStyle/>
+          <a:p>
+            <a:r>
+              <a:rPr lang="en-US" altLang="zh-TW" sz="6000" dirty="0" err="1">
+                <a:latin typeface="+mj-lt"/>
+              </a:rPr>
+              <a:t>t</a:t>
+            </a:r>
+            <a:r>
+              <a:rPr lang="en-US" altLang="zh-TW" sz="6000" b="0" i="0" baseline="-25000" dirty="0" err="1">
+                <a:effectLst/>
+                <a:latin typeface="+mj-lt"/>
+              </a:rPr>
+              <a:t>yf</a:t>
+            </a:r>
+            <a:r>
+              <a:rPr lang="en-US" altLang="zh-TW" sz="6000" b="0" i="0" dirty="0">
+                <a:effectLst/>
+                <a:latin typeface="+mj-lt"/>
+              </a:rPr>
+              <a:t> = (</a:t>
+            </a:r>
+            <a:r>
+              <a:rPr lang="en-US" altLang="zh-TW" sz="6000" b="0" i="0" dirty="0" err="1">
+                <a:effectLst/>
+                <a:latin typeface="+mj-lt"/>
+              </a:rPr>
+              <a:t>A</a:t>
+            </a:r>
+            <a:r>
+              <a:rPr lang="en-US" altLang="zh-TW" sz="6000" b="0" i="0" baseline="-25000" dirty="0" err="1">
+                <a:effectLst/>
+                <a:latin typeface="+mj-lt"/>
+              </a:rPr>
+              <a:t>df</a:t>
+            </a:r>
+            <a:r>
+              <a:rPr lang="en-US" altLang="zh-TW" sz="6000" b="0" i="0" dirty="0">
+                <a:effectLst/>
+                <a:latin typeface="+mj-lt"/>
+              </a:rPr>
+              <a:t> / </a:t>
+            </a:r>
+            <a:r>
+              <a:rPr lang="en-US" altLang="zh-TW" sz="6000" b="0" i="0" dirty="0" err="1">
+                <a:effectLst/>
+                <a:latin typeface="+mj-lt"/>
+              </a:rPr>
+              <a:t>k</a:t>
+            </a:r>
+            <a:r>
+              <a:rPr lang="en-US" altLang="zh-TW" sz="6000" b="0" i="0" baseline="-25000" dirty="0" err="1">
+                <a:effectLst/>
+                <a:latin typeface="+mj-lt"/>
+              </a:rPr>
+              <a:t>d</a:t>
+            </a:r>
+            <a:r>
+              <a:rPr lang="en-US" altLang="zh-TW" sz="6000" b="0" i="0" dirty="0">
+                <a:effectLst/>
+                <a:latin typeface="+mj-lt"/>
+              </a:rPr>
+              <a:t>)</a:t>
+            </a:r>
+            <a:r>
+              <a:rPr lang="en-US" altLang="zh-TW" sz="6000" b="0" i="0" baseline="30000" dirty="0">
+                <a:effectLst/>
+                <a:latin typeface="+mj-lt"/>
+              </a:rPr>
+              <a:t>1/n</a:t>
+            </a:r>
+            <a:endParaRPr lang="zh-TW" altLang="en-US" sz="5400" b="1" baseline="30000" dirty="0">
+              <a:latin typeface="+mj-lt"/>
+              <a:ea typeface="微軟正黑體"/>
+            </a:endParaRPr>
+          </a:p>
+        </p:txBody>
+      </p:sp>
+      <p:sp>
+        <p:nvSpPr>
+          <p:cNvPr id="14" name="文字方塊 13">
+            <a:extLst>
+              <a:ext uri="{FF2B5EF4-FFF2-40B4-BE49-F238E27FC236}">
+                <a16:creationId xmlns:a16="http://schemas.microsoft.com/office/drawing/2014/main" id="{E127C1F5-75F6-BC5A-8CCB-C3FAE386F06F}"/>
+              </a:ext>
+            </a:extLst>
+          </p:cNvPr>
+          <p:cNvSpPr txBox="1"/>
+          <p:nvPr/>
+        </p:nvSpPr>
+        <p:spPr>
+          <a:xfrm>
+            <a:off x="11128461" y="1771595"/>
+            <a:ext cx="9144000" cy="646331"/>
+          </a:xfrm>
+          <a:prstGeom prst="rect">
+            <a:avLst/>
+          </a:prstGeom>
+          <a:noFill/>
+        </p:spPr>
+        <p:txBody>
+          <a:bodyPr wrap="square">
+            <a:spAutoFit/>
+          </a:bodyPr>
+          <a:lstStyle/>
+          <a:p>
+            <a:r>
+              <a:rPr lang="en-US" altLang="zh-TW" sz="3600" dirty="0"/>
+              <a:t>Remaining service life</a:t>
+            </a:r>
+            <a:endParaRPr lang="zh-TW" altLang="en-US" sz="3500" b="1" dirty="0">
+              <a:latin typeface="+mj-lt"/>
+              <a:ea typeface="微軟正黑體"/>
+            </a:endParaRPr>
+          </a:p>
+        </p:txBody>
+      </p:sp>
+      <p:grpSp>
+        <p:nvGrpSpPr>
+          <p:cNvPr id="15" name="Group 2">
+            <a:extLst>
+              <a:ext uri="{FF2B5EF4-FFF2-40B4-BE49-F238E27FC236}">
+                <a16:creationId xmlns:a16="http://schemas.microsoft.com/office/drawing/2014/main" id="{4F42ADD0-6F28-D2AA-617E-61675E4176F9}"/>
+              </a:ext>
+            </a:extLst>
+          </p:cNvPr>
+          <p:cNvGrpSpPr/>
+          <p:nvPr/>
+        </p:nvGrpSpPr>
+        <p:grpSpPr>
+          <a:xfrm>
+            <a:off x="10248800" y="1843887"/>
+            <a:ext cx="516960" cy="516960"/>
+            <a:chOff x="0" y="0"/>
+            <a:chExt cx="812800" cy="812800"/>
+          </a:xfrm>
+        </p:grpSpPr>
+        <p:sp>
+          <p:nvSpPr>
+            <p:cNvPr id="16" name="Freeform 3">
+              <a:extLst>
+                <a:ext uri="{FF2B5EF4-FFF2-40B4-BE49-F238E27FC236}">
+                  <a16:creationId xmlns:a16="http://schemas.microsoft.com/office/drawing/2014/main" id="{940B8506-DECC-ACC6-41C3-28FD460135D1}"/>
+                </a:ext>
+              </a:extLst>
+            </p:cNvPr>
+            <p:cNvSpPr/>
+            <p:nvPr/>
+          </p:nvSpPr>
+          <p:spPr>
+            <a:xfrm>
+              <a:off x="0" y="0"/>
+              <a:ext cx="812800" cy="812800"/>
+            </a:xfrm>
+            <a:custGeom>
+              <a:avLst/>
+              <a:gdLst/>
+              <a:ahLst/>
+              <a:cxnLst/>
+              <a:rect l="l" t="t" r="r" b="b"/>
+              <a:pathLst>
+                <a:path w="812800" h="812800">
+                  <a:moveTo>
+                    <a:pt x="406400" y="0"/>
+                  </a:moveTo>
+                  <a:cubicBezTo>
+                    <a:pt x="181951" y="0"/>
+                    <a:pt x="0" y="181951"/>
+                    <a:pt x="0" y="406400"/>
+                  </a:cubicBezTo>
+                  <a:cubicBezTo>
+                    <a:pt x="0" y="630849"/>
+                    <a:pt x="181951" y="812800"/>
+                    <a:pt x="406400" y="812800"/>
+                  </a:cubicBezTo>
+                  <a:cubicBezTo>
+                    <a:pt x="630849" y="812800"/>
+                    <a:pt x="812800" y="630849"/>
+                    <a:pt x="812800" y="406400"/>
+                  </a:cubicBezTo>
+                  <a:cubicBezTo>
+                    <a:pt x="812800" y="181951"/>
+                    <a:pt x="630849" y="0"/>
+                    <a:pt x="406400" y="0"/>
+                  </a:cubicBezTo>
+                  <a:close/>
+                </a:path>
+              </a:pathLst>
+            </a:custGeom>
+            <a:solidFill>
+              <a:srgbClr val="000000"/>
+            </a:solidFill>
+          </p:spPr>
+          <p:txBody>
+            <a:bodyPr/>
+            <a:lstStyle/>
+            <a:p>
+              <a:endParaRPr lang="zh-TW" altLang="en-US"/>
+            </a:p>
+          </p:txBody>
+        </p:sp>
+        <p:sp>
+          <p:nvSpPr>
+            <p:cNvPr id="26" name="TextBox 4">
+              <a:extLst>
+                <a:ext uri="{FF2B5EF4-FFF2-40B4-BE49-F238E27FC236}">
+                  <a16:creationId xmlns:a16="http://schemas.microsoft.com/office/drawing/2014/main" id="{D094F861-7F4F-5DFC-10AE-3FA69BB0CC0A}"/>
+                </a:ext>
+              </a:extLst>
+            </p:cNvPr>
+            <p:cNvSpPr txBox="1"/>
+            <p:nvPr/>
+          </p:nvSpPr>
+          <p:spPr>
+            <a:xfrm>
+              <a:off x="76200" y="38100"/>
+              <a:ext cx="660400" cy="698500"/>
+            </a:xfrm>
+            <a:prstGeom prst="rect">
+              <a:avLst/>
+            </a:prstGeom>
+          </p:spPr>
+          <p:txBody>
+            <a:bodyPr lIns="50800" tIns="50800" rIns="50800" bIns="50800" rtlCol="0" anchor="ctr"/>
+            <a:lstStyle/>
+            <a:p>
+              <a:pPr algn="ctr">
+                <a:lnSpc>
+                  <a:spcPts val="2659"/>
+                </a:lnSpc>
+              </a:pPr>
+              <a:endParaRPr dirty="0">
+                <a:latin typeface="+mj-lt"/>
+              </a:endParaRPr>
+            </a:p>
+          </p:txBody>
+        </p:sp>
+      </p:grpSp>
+      <p:grpSp>
+        <p:nvGrpSpPr>
+          <p:cNvPr id="27" name="Group 4">
+            <a:extLst>
+              <a:ext uri="{FF2B5EF4-FFF2-40B4-BE49-F238E27FC236}">
+                <a16:creationId xmlns:a16="http://schemas.microsoft.com/office/drawing/2014/main" id="{D743B6FB-E4BD-3527-CB1C-7061034DE2A6}"/>
+              </a:ext>
+            </a:extLst>
+          </p:cNvPr>
+          <p:cNvGrpSpPr/>
+          <p:nvPr/>
+        </p:nvGrpSpPr>
+        <p:grpSpPr>
+          <a:xfrm>
+            <a:off x="10642407" y="2456970"/>
+            <a:ext cx="6643687" cy="1552590"/>
+            <a:chOff x="-104195" y="-38100"/>
+            <a:chExt cx="1856039" cy="1257416"/>
+          </a:xfrm>
+        </p:grpSpPr>
+        <p:sp>
+          <p:nvSpPr>
+            <p:cNvPr id="28" name="Freeform 5">
+              <a:extLst>
+                <a:ext uri="{FF2B5EF4-FFF2-40B4-BE49-F238E27FC236}">
+                  <a16:creationId xmlns:a16="http://schemas.microsoft.com/office/drawing/2014/main" id="{5E6997A8-FB6C-396D-2EB2-F4200062B5D9}"/>
+                </a:ext>
+              </a:extLst>
+            </p:cNvPr>
+            <p:cNvSpPr/>
+            <p:nvPr/>
+          </p:nvSpPr>
+          <p:spPr>
+            <a:xfrm>
+              <a:off x="-104195" y="269975"/>
+              <a:ext cx="1751844" cy="949341"/>
+            </a:xfrm>
+            <a:custGeom>
+              <a:avLst/>
+              <a:gdLst/>
+              <a:ahLst/>
+              <a:cxnLst/>
+              <a:rect l="l" t="t" r="r" b="b"/>
+              <a:pathLst>
+                <a:path w="1751844" h="649440">
+                  <a:moveTo>
+                    <a:pt x="59360" y="0"/>
+                  </a:moveTo>
+                  <a:lnTo>
+                    <a:pt x="1692484" y="0"/>
+                  </a:lnTo>
+                  <a:cubicBezTo>
+                    <a:pt x="1725268" y="0"/>
+                    <a:pt x="1751844" y="26577"/>
+                    <a:pt x="1751844" y="59360"/>
+                  </a:cubicBezTo>
+                  <a:lnTo>
+                    <a:pt x="1751844" y="590080"/>
+                  </a:lnTo>
+                  <a:cubicBezTo>
+                    <a:pt x="1751844" y="622864"/>
+                    <a:pt x="1725268" y="649440"/>
+                    <a:pt x="1692484" y="649440"/>
+                  </a:cubicBezTo>
+                  <a:lnTo>
+                    <a:pt x="59360" y="649440"/>
+                  </a:lnTo>
+                  <a:cubicBezTo>
+                    <a:pt x="26577" y="649440"/>
+                    <a:pt x="0" y="622864"/>
+                    <a:pt x="0" y="590080"/>
+                  </a:cubicBezTo>
+                  <a:lnTo>
+                    <a:pt x="0" y="59360"/>
+                  </a:lnTo>
+                  <a:cubicBezTo>
+                    <a:pt x="0" y="26577"/>
+                    <a:pt x="26577" y="0"/>
+                    <a:pt x="59360" y="0"/>
+                  </a:cubicBezTo>
+                  <a:close/>
+                </a:path>
+              </a:pathLst>
+            </a:custGeom>
+            <a:solidFill>
+              <a:srgbClr val="E9C7C6"/>
+            </a:solidFill>
+          </p:spPr>
+          <p:txBody>
+            <a:bodyPr/>
+            <a:lstStyle/>
+            <a:p>
+              <a:endParaRPr lang="zh-TW" altLang="en-US" dirty="0">
+                <a:latin typeface="+mj-lt"/>
+              </a:endParaRPr>
+            </a:p>
+          </p:txBody>
+        </p:sp>
+        <p:sp>
+          <p:nvSpPr>
+            <p:cNvPr id="29" name="TextBox 6">
+              <a:extLst>
+                <a:ext uri="{FF2B5EF4-FFF2-40B4-BE49-F238E27FC236}">
+                  <a16:creationId xmlns:a16="http://schemas.microsoft.com/office/drawing/2014/main" id="{77EAB735-8A2F-77A5-A1E1-0EE5C30EF0B7}"/>
+                </a:ext>
+              </a:extLst>
+            </p:cNvPr>
+            <p:cNvSpPr txBox="1"/>
+            <p:nvPr/>
+          </p:nvSpPr>
+          <p:spPr>
+            <a:xfrm>
+              <a:off x="0" y="-38100"/>
+              <a:ext cx="1751844" cy="687540"/>
+            </a:xfrm>
+            <a:prstGeom prst="rect">
+              <a:avLst/>
+            </a:prstGeom>
+          </p:spPr>
+          <p:txBody>
+            <a:bodyPr lIns="50800" tIns="50800" rIns="50800" bIns="50800" rtlCol="0" anchor="ctr"/>
+            <a:lstStyle/>
+            <a:p>
+              <a:pPr algn="ctr">
+                <a:lnSpc>
+                  <a:spcPts val="2659"/>
+                </a:lnSpc>
+              </a:pPr>
+              <a:endParaRPr>
+                <a:latin typeface="+mj-lt"/>
+              </a:endParaRPr>
+            </a:p>
+          </p:txBody>
+        </p:sp>
+      </p:grpSp>
+      <p:sp>
+        <p:nvSpPr>
+          <p:cNvPr id="31" name="文字方塊 30">
+            <a:extLst>
+              <a:ext uri="{FF2B5EF4-FFF2-40B4-BE49-F238E27FC236}">
+                <a16:creationId xmlns:a16="http://schemas.microsoft.com/office/drawing/2014/main" id="{BD8CBA5B-4749-2E8E-BE7E-2B034572976A}"/>
+              </a:ext>
+            </a:extLst>
+          </p:cNvPr>
+          <p:cNvSpPr txBox="1"/>
+          <p:nvPr/>
+        </p:nvSpPr>
+        <p:spPr>
+          <a:xfrm>
+            <a:off x="12159403" y="2821967"/>
+            <a:ext cx="4147397" cy="1107996"/>
+          </a:xfrm>
+          <a:prstGeom prst="rect">
+            <a:avLst/>
+          </a:prstGeom>
+          <a:noFill/>
+        </p:spPr>
+        <p:txBody>
+          <a:bodyPr wrap="square">
+            <a:spAutoFit/>
+          </a:bodyPr>
+          <a:lstStyle/>
+          <a:p>
+            <a:r>
+              <a:rPr lang="en-US" altLang="zh-TW" sz="6600" dirty="0">
+                <a:latin typeface="+mj-lt"/>
+                <a:ea typeface="微軟正黑體"/>
+              </a:rPr>
+              <a:t>t</a:t>
+            </a:r>
+            <a:r>
+              <a:rPr lang="en-US" altLang="zh-TW" sz="6600" baseline="-25000" dirty="0">
+                <a:latin typeface="+mj-lt"/>
+                <a:ea typeface="微軟正黑體"/>
+              </a:rPr>
+              <a:t>r</a:t>
+            </a:r>
+            <a:r>
+              <a:rPr lang="en-US" altLang="zh-TW" sz="6600" dirty="0">
+                <a:latin typeface="+mj-lt"/>
+                <a:ea typeface="微軟正黑體"/>
+              </a:rPr>
+              <a:t> = </a:t>
+            </a:r>
+            <a:r>
+              <a:rPr lang="en-US" altLang="zh-TW" sz="6600" dirty="0" err="1">
+                <a:latin typeface="+mj-lt"/>
+                <a:ea typeface="微軟正黑體"/>
+              </a:rPr>
+              <a:t>t</a:t>
+            </a:r>
+            <a:r>
+              <a:rPr lang="en-US" altLang="zh-TW" sz="6600" baseline="-25000" dirty="0" err="1">
+                <a:latin typeface="+mj-lt"/>
+                <a:ea typeface="微軟正黑體"/>
+              </a:rPr>
+              <a:t>f</a:t>
+            </a:r>
+            <a:r>
+              <a:rPr lang="en-US" altLang="zh-TW" sz="6600" dirty="0">
+                <a:latin typeface="+mj-lt"/>
+                <a:ea typeface="微軟正黑體"/>
+              </a:rPr>
+              <a:t> -</a:t>
+            </a:r>
+            <a:r>
+              <a:rPr lang="en-US" altLang="zh-TW" sz="6600" dirty="0" err="1">
+                <a:latin typeface="+mj-lt"/>
+                <a:ea typeface="微軟正黑體"/>
+              </a:rPr>
+              <a:t>t</a:t>
+            </a:r>
+            <a:r>
+              <a:rPr lang="en-US" altLang="zh-TW" sz="6600" baseline="-25000" dirty="0" err="1">
+                <a:latin typeface="+mj-lt"/>
+                <a:ea typeface="微軟正黑體"/>
+              </a:rPr>
+              <a:t>i</a:t>
+            </a:r>
+            <a:endParaRPr lang="zh-TW" altLang="en-US" sz="6600" baseline="-25000" dirty="0">
+              <a:latin typeface="+mj-lt"/>
+              <a:ea typeface="微軟正黑體"/>
+            </a:endParaRPr>
+          </a:p>
+        </p:txBody>
+      </p:sp>
     </p:spTree>
     <p:extLst>
       <p:ext uri="{BB962C8B-B14F-4D97-AF65-F5344CB8AC3E}">
-        <p14:creationId xmlns:p14="http://schemas.microsoft.com/office/powerpoint/2010/main" val="2062692515"/>
+        <p14:creationId xmlns:p14="http://schemas.microsoft.com/office/powerpoint/2010/main" val="3526767445"/>
       </p:ext>
     </p:extLst>
   </p:cSld>
@@ -9334,7 +11634,7 @@
 </p:sld>
 </file>
 
-<file path=ppt/slides/slide7.xml><?xml version="1.0" encoding="utf-8"?>
+<file path=ppt/slides/slide8.xml><?xml version="1.0" encoding="utf-8"?>
 <p:sld xmlns:a="http://schemas.openxmlformats.org/drawingml/2006/main" xmlns:r="http://schemas.openxmlformats.org/officeDocument/2006/relationships" xmlns:p="http://schemas.openxmlformats.org/presentationml/2006/main">
   <p:cSld>
     <p:bg>
@@ -9347,7 +11647,13 @@
     </p:bg>
     <p:spTree>
       <p:nvGrpSpPr>
-        <p:cNvPr id="1" name=""/>
+        <p:cNvPr id="1" name="">
+          <a:extLst>
+            <a:ext uri="{FF2B5EF4-FFF2-40B4-BE49-F238E27FC236}">
+              <a16:creationId xmlns:a16="http://schemas.microsoft.com/office/drawing/2014/main" id="{E5592382-B2B0-9502-E067-6DB792FC1410}"/>
+            </a:ext>
+          </a:extLst>
+        </p:cNvPr>
         <p:cNvGrpSpPr/>
         <p:nvPr/>
       </p:nvGrpSpPr>
@@ -9361,13 +11667,19 @@
       </p:grpSpPr>
       <p:sp>
         <p:nvSpPr>
-          <p:cNvPr id="2" name="TextBox 2"/>
+          <p:cNvPr id="2" name="TextBox 2">
+            <a:extLst>
+              <a:ext uri="{FF2B5EF4-FFF2-40B4-BE49-F238E27FC236}">
+                <a16:creationId xmlns:a16="http://schemas.microsoft.com/office/drawing/2014/main" id="{7760328A-4D80-1523-23D4-FE550352CE85}"/>
+              </a:ext>
+            </a:extLst>
+          </p:cNvPr>
           <p:cNvSpPr txBox="1"/>
           <p:nvPr/>
         </p:nvSpPr>
         <p:spPr>
           <a:xfrm>
-            <a:off x="3054893" y="122492"/>
+            <a:off x="3403743" y="84346"/>
             <a:ext cx="12260018" cy="1378070"/>
           </a:xfrm>
           <a:prstGeom prst="rect">
@@ -9387,23 +11699,32 @@
             </a:pPr>
             <a:r>
               <a:rPr lang="en-US" altLang="zh-TW" sz="8000" dirty="0">
+                <a:latin typeface="+mj-lt"/>
                 <a:ea typeface="微軟正黑體"/>
               </a:rPr>
               <a:t>EQUATION</a:t>
             </a:r>
-            <a:endParaRPr lang="zh-TW" altLang="en-US" dirty="0"/>
-          </a:p>
-        </p:txBody>
-      </p:sp>
-      <p:sp>
-        <p:nvSpPr>
-          <p:cNvPr id="17" name="AutoShape 17"/>
+            <a:endParaRPr lang="zh-TW" altLang="en-US" dirty="0">
+              <a:latin typeface="+mj-lt"/>
+            </a:endParaRPr>
+          </a:p>
+        </p:txBody>
+      </p:sp>
+      <p:sp>
+        <p:nvSpPr>
+          <p:cNvPr id="17" name="AutoShape 17">
+            <a:extLst>
+              <a:ext uri="{FF2B5EF4-FFF2-40B4-BE49-F238E27FC236}">
+                <a16:creationId xmlns:a16="http://schemas.microsoft.com/office/drawing/2014/main" id="{D42D97FC-43D3-6FA3-902C-E452C620A097}"/>
+              </a:ext>
+            </a:extLst>
+          </p:cNvPr>
           <p:cNvSpPr/>
           <p:nvPr/>
         </p:nvSpPr>
         <p:spPr>
           <a:xfrm flipV="1">
-            <a:off x="1085086" y="-104526"/>
+            <a:off x="1118904" y="-104423"/>
             <a:ext cx="5404" cy="7686425"/>
           </a:xfrm>
           <a:prstGeom prst="line">
@@ -9422,19 +11743,27 @@
           <a:bodyPr/>
           <a:lstStyle/>
           <a:p>
-            <a:endParaRPr lang="zh-TW" altLang="en-US"/>
-          </a:p>
-        </p:txBody>
-      </p:sp>
-      <p:sp>
-        <p:nvSpPr>
-          <p:cNvPr id="18" name="AutoShape 18"/>
+            <a:endParaRPr lang="zh-TW" altLang="en-US">
+              <a:latin typeface="+mj-lt"/>
+            </a:endParaRPr>
+          </a:p>
+        </p:txBody>
+      </p:sp>
+      <p:sp>
+        <p:nvSpPr>
+          <p:cNvPr id="18" name="AutoShape 18">
+            <a:extLst>
+              <a:ext uri="{FF2B5EF4-FFF2-40B4-BE49-F238E27FC236}">
+                <a16:creationId xmlns:a16="http://schemas.microsoft.com/office/drawing/2014/main" id="{1D0A7494-0BFE-0EEB-95DB-CB9DAC79E1A5}"/>
+              </a:ext>
+            </a:extLst>
+          </p:cNvPr>
           <p:cNvSpPr/>
           <p:nvPr/>
         </p:nvSpPr>
         <p:spPr>
           <a:xfrm flipH="1" flipV="1">
-            <a:off x="1085850" y="7289441"/>
+            <a:off x="1119668" y="7289544"/>
             <a:ext cx="5403" cy="2997456"/>
           </a:xfrm>
           <a:prstGeom prst="line">
@@ -9453,13 +11782,21 @@
           <a:bodyPr/>
           <a:lstStyle/>
           <a:p>
-            <a:endParaRPr lang="zh-TW" altLang="en-US"/>
+            <a:endParaRPr lang="zh-TW" altLang="en-US">
+              <a:latin typeface="+mj-lt"/>
+            </a:endParaRPr>
           </a:p>
         </p:txBody>
       </p:sp>
       <p:grpSp>
         <p:nvGrpSpPr>
-          <p:cNvPr id="19" name="Group 19"/>
+          <p:cNvPr id="19" name="Group 19">
+            <a:extLst>
+              <a:ext uri="{FF2B5EF4-FFF2-40B4-BE49-F238E27FC236}">
+                <a16:creationId xmlns:a16="http://schemas.microsoft.com/office/drawing/2014/main" id="{CA50CD17-B4CA-C240-79EF-4E9C6DDA63AE}"/>
+              </a:ext>
+            </a:extLst>
+          </p:cNvPr>
           <p:cNvGrpSpPr/>
           <p:nvPr/>
         </p:nvGrpSpPr>
@@ -9473,7 +11810,13 @@
         </p:grpSpPr>
         <p:grpSp>
           <p:nvGrpSpPr>
-            <p:cNvPr id="20" name="Group 20"/>
+            <p:cNvPr id="20" name="Group 20">
+              <a:extLst>
+                <a:ext uri="{FF2B5EF4-FFF2-40B4-BE49-F238E27FC236}">
+                  <a16:creationId xmlns:a16="http://schemas.microsoft.com/office/drawing/2014/main" id="{2D1EA3AC-6B55-A4AB-C91E-4B4DC0D5BDB9}"/>
+                </a:ext>
+              </a:extLst>
+            </p:cNvPr>
             <p:cNvGrpSpPr/>
             <p:nvPr/>
           </p:nvGrpSpPr>
@@ -9487,7 +11830,13 @@
           </p:grpSpPr>
           <p:sp>
             <p:nvSpPr>
-              <p:cNvPr id="21" name="Freeform 21"/>
+              <p:cNvPr id="21" name="Freeform 21">
+                <a:extLst>
+                  <a:ext uri="{FF2B5EF4-FFF2-40B4-BE49-F238E27FC236}">
+                    <a16:creationId xmlns:a16="http://schemas.microsoft.com/office/drawing/2014/main" id="{DF43E057-A097-2FFD-6D1A-6658787CEA97}"/>
+                  </a:ext>
+                </a:extLst>
+              </p:cNvPr>
               <p:cNvSpPr/>
               <p:nvPr/>
             </p:nvSpPr>
@@ -9553,13 +11902,21 @@
               <a:bodyPr/>
               <a:lstStyle/>
               <a:p>
-                <a:endParaRPr lang="zh-TW" altLang="en-US"/>
+                <a:endParaRPr lang="zh-TW" altLang="en-US">
+                  <a:latin typeface="+mj-lt"/>
+                </a:endParaRPr>
               </a:p>
             </p:txBody>
           </p:sp>
           <p:sp>
             <p:nvSpPr>
-              <p:cNvPr id="22" name="TextBox 22"/>
+              <p:cNvPr id="22" name="TextBox 22">
+                <a:extLst>
+                  <a:ext uri="{FF2B5EF4-FFF2-40B4-BE49-F238E27FC236}">
+                    <a16:creationId xmlns:a16="http://schemas.microsoft.com/office/drawing/2014/main" id="{E17C4BBD-B8EB-10B8-85B6-CC28A7174D3A}"/>
+                  </a:ext>
+                </a:extLst>
+              </p:cNvPr>
               <p:cNvSpPr txBox="1"/>
               <p:nvPr/>
             </p:nvSpPr>
@@ -9581,14 +11938,22 @@
                     <a:spcPts val="2659"/>
                   </a:lnSpc>
                 </a:pPr>
-                <a:endParaRPr/>
+                <a:endParaRPr>
+                  <a:latin typeface="+mj-lt"/>
+                </a:endParaRPr>
               </a:p>
             </p:txBody>
           </p:sp>
         </p:grpSp>
         <p:sp>
           <p:nvSpPr>
-            <p:cNvPr id="23" name="TextBox 23"/>
+            <p:cNvPr id="23" name="TextBox 23">
+              <a:extLst>
+                <a:ext uri="{FF2B5EF4-FFF2-40B4-BE49-F238E27FC236}">
+                  <a16:creationId xmlns:a16="http://schemas.microsoft.com/office/drawing/2014/main" id="{992D4833-882D-9E5B-2C45-CCFF91397244}"/>
+                </a:ext>
+              </a:extLst>
+            </p:cNvPr>
             <p:cNvSpPr txBox="1"/>
             <p:nvPr/>
           </p:nvSpPr>
@@ -9617,11 +11982,11 @@
                   <a:solidFill>
                     <a:srgbClr val="000000"/>
                   </a:solidFill>
-                  <a:latin typeface="Open Sans Bold"/>
+                  <a:latin typeface="+mj-lt"/>
                   <a:ea typeface="Open Sans Bold"/>
                   <a:cs typeface="Open Sans Bold"/>
                 </a:rPr>
-                <a:t>5</a:t>
+                <a:t>4</a:t>
               </a:r>
             </a:p>
           </p:txBody>
@@ -9629,7 +11994,13 @@
       </p:grpSp>
       <p:sp>
         <p:nvSpPr>
-          <p:cNvPr id="24" name="Freeform 24"/>
+          <p:cNvPr id="24" name="Freeform 24">
+            <a:extLst>
+              <a:ext uri="{FF2B5EF4-FFF2-40B4-BE49-F238E27FC236}">
+                <a16:creationId xmlns:a16="http://schemas.microsoft.com/office/drawing/2014/main" id="{72D608D3-0293-9EB5-9ECD-812F88C84BCF}"/>
+              </a:ext>
+            </a:extLst>
+          </p:cNvPr>
           <p:cNvSpPr/>
           <p:nvPr/>
         </p:nvSpPr>
@@ -9666,10 +12037,10 @@
             </a:pathLst>
           </a:custGeom>
           <a:blipFill>
-            <a:blip r:embed="rId2">
+            <a:blip r:embed="rId3">
               <a:extLst>
                 <a:ext uri="{96DAC541-7B7A-43D3-8B79-37D633B846F1}">
-                  <asvg:svgBlip xmlns:asvg="http://schemas.microsoft.com/office/drawing/2016/SVG/main" r:embed="rId3"/>
+                  <asvg:svgBlip xmlns:asvg="http://schemas.microsoft.com/office/drawing/2016/SVG/main" r:embed="rId4"/>
                 </a:ext>
               </a:extLst>
             </a:blip>
@@ -9682,19 +12053,27 @@
           <a:bodyPr/>
           <a:lstStyle/>
           <a:p>
-            <a:endParaRPr lang="zh-TW" altLang="en-US"/>
-          </a:p>
-        </p:txBody>
-      </p:sp>
-      <p:sp>
-        <p:nvSpPr>
-          <p:cNvPr id="25" name="Freeform 25"/>
+            <a:endParaRPr lang="zh-TW" altLang="en-US">
+              <a:latin typeface="+mj-lt"/>
+            </a:endParaRPr>
+          </a:p>
+        </p:txBody>
+      </p:sp>
+      <p:sp>
+        <p:nvSpPr>
+          <p:cNvPr id="25" name="Freeform 25">
+            <a:extLst>
+              <a:ext uri="{FF2B5EF4-FFF2-40B4-BE49-F238E27FC236}">
+                <a16:creationId xmlns:a16="http://schemas.microsoft.com/office/drawing/2014/main" id="{B53C25C7-6148-4CFB-352A-FBD8CF27243F}"/>
+              </a:ext>
+            </a:extLst>
+          </p:cNvPr>
           <p:cNvSpPr/>
           <p:nvPr/>
         </p:nvSpPr>
         <p:spPr>
           <a:xfrm>
-            <a:off x="892058" y="9048108"/>
+            <a:off x="12011565" y="8750069"/>
             <a:ext cx="7315200" cy="2477783"/>
           </a:xfrm>
           <a:custGeom>
@@ -9725,10 +12104,10 @@
             </a:pathLst>
           </a:custGeom>
           <a:blipFill>
-            <a:blip r:embed="rId2">
+            <a:blip r:embed="rId3">
               <a:extLst>
                 <a:ext uri="{96DAC541-7B7A-43D3-8B79-37D633B846F1}">
-                  <asvg:svgBlip xmlns:asvg="http://schemas.microsoft.com/office/drawing/2016/SVG/main" r:embed="rId3"/>
+                  <asvg:svgBlip xmlns:asvg="http://schemas.microsoft.com/office/drawing/2016/SVG/main" r:embed="rId4"/>
                 </a:ext>
               </a:extLst>
             </a:blip>
@@ -9741,16 +12120,48 @@
           <a:bodyPr/>
           <a:lstStyle/>
           <a:p>
-            <a:endParaRPr lang="zh-TW" altLang="en-US"/>
-          </a:p>
-        </p:txBody>
-      </p:sp>
-      <p:sp>
-        <p:nvSpPr>
-          <p:cNvPr id="10" name="文字方塊 9">
+            <a:endParaRPr lang="zh-TW" altLang="en-US">
+              <a:latin typeface="+mj-lt"/>
+            </a:endParaRPr>
+          </a:p>
+        </p:txBody>
+      </p:sp>
+      <p:pic>
+        <p:nvPicPr>
+          <p:cNvPr id="15" name="圖片 14">
             <a:extLst>
               <a:ext uri="{FF2B5EF4-FFF2-40B4-BE49-F238E27FC236}">
-                <a16:creationId xmlns:a16="http://schemas.microsoft.com/office/drawing/2014/main" id="{DEEEF66A-84EF-6D92-32BD-F48E732A9F0D}"/>
+                <a16:creationId xmlns:a16="http://schemas.microsoft.com/office/drawing/2014/main" id="{2E57C78C-D4A4-03EE-7A0A-255DCE7AB6AD}"/>
+              </a:ext>
+            </a:extLst>
+          </p:cNvPr>
+          <p:cNvPicPr>
+            <a:picLocks noChangeAspect="1"/>
+          </p:cNvPicPr>
+          <p:nvPr/>
+        </p:nvPicPr>
+        <p:blipFill>
+          <a:blip r:embed="rId5"/>
+          <a:stretch>
+            <a:fillRect/>
+          </a:stretch>
+        </p:blipFill>
+        <p:spPr>
+          <a:xfrm>
+            <a:off x="5133843" y="1449883"/>
+            <a:ext cx="8342749" cy="7296523"/>
+          </a:xfrm>
+          <a:prstGeom prst="rect">
+            <a:avLst/>
+          </a:prstGeom>
+        </p:spPr>
+      </p:pic>
+      <p:sp>
+        <p:nvSpPr>
+          <p:cNvPr id="33" name="文字方塊 32">
+            <a:extLst>
+              <a:ext uri="{FF2B5EF4-FFF2-40B4-BE49-F238E27FC236}">
+                <a16:creationId xmlns:a16="http://schemas.microsoft.com/office/drawing/2014/main" id="{9666FDB9-CB52-0FFE-DC37-FA13D6E0B2EA}"/>
               </a:ext>
             </a:extLst>
           </p:cNvPr>
@@ -9759,8 +12170,8 @@
         </p:nvSpPr>
         <p:spPr>
           <a:xfrm>
-            <a:off x="3087550" y="2123280"/>
-            <a:ext cx="13811998" cy="685893"/>
+            <a:off x="13476592" y="7567427"/>
+            <a:ext cx="4957181" cy="954107"/>
           </a:xfrm>
           <a:prstGeom prst="rect">
             <a:avLst/>
@@ -9773,569 +12184,20 @@
           </a:bodyPr>
           <a:lstStyle/>
           <a:p>
-            <a:pPr>
-              <a:lnSpc>
-                <a:spcPts val="5192"/>
-              </a:lnSpc>
-            </a:pPr>
-            <a:r>
-              <a:rPr lang="en-US" altLang="zh-TW" sz="3200" dirty="0"/>
-              <a:t>Relationship between corrosion rates (</a:t>
-            </a:r>
-            <a:r>
-              <a:rPr lang="en-US" altLang="zh-TW" sz="3200" dirty="0" err="1"/>
-              <a:t>Icorr</a:t>
-            </a:r>
-            <a:r>
-              <a:rPr lang="en-US" altLang="zh-TW" sz="3200" dirty="0"/>
-              <a:t>) and </a:t>
-            </a:r>
-            <a:r>
-              <a:rPr lang="en-US" altLang="zh-TW" sz="3200" b="1" dirty="0">
-                <a:solidFill>
-                  <a:srgbClr val="FF0000"/>
-                </a:solidFill>
-              </a:rPr>
-              <a:t>remaining service life</a:t>
-            </a:r>
-          </a:p>
-        </p:txBody>
-      </p:sp>
-      <p:grpSp>
-        <p:nvGrpSpPr>
-          <p:cNvPr id="11" name="Group 2">
-            <a:extLst>
-              <a:ext uri="{FF2B5EF4-FFF2-40B4-BE49-F238E27FC236}">
-                <a16:creationId xmlns:a16="http://schemas.microsoft.com/office/drawing/2014/main" id="{2A414A85-6F67-5B28-C760-B027FF92E027}"/>
-              </a:ext>
-            </a:extLst>
-          </p:cNvPr>
-          <p:cNvGrpSpPr/>
-          <p:nvPr/>
-        </p:nvGrpSpPr>
-        <p:grpSpPr>
-          <a:xfrm>
-            <a:off x="2296122" y="2250708"/>
-            <a:ext cx="516960" cy="516960"/>
-            <a:chOff x="0" y="0"/>
-            <a:chExt cx="812800" cy="812800"/>
-          </a:xfrm>
-        </p:grpSpPr>
-        <p:sp>
-          <p:nvSpPr>
-            <p:cNvPr id="12" name="Freeform 3">
-              <a:extLst>
-                <a:ext uri="{FF2B5EF4-FFF2-40B4-BE49-F238E27FC236}">
-                  <a16:creationId xmlns:a16="http://schemas.microsoft.com/office/drawing/2014/main" id="{975A05D2-89B2-4594-0A9D-78057F01E6E2}"/>
-                </a:ext>
-              </a:extLst>
-            </p:cNvPr>
-            <p:cNvSpPr/>
-            <p:nvPr/>
-          </p:nvSpPr>
-          <p:spPr>
-            <a:xfrm>
-              <a:off x="0" y="0"/>
-              <a:ext cx="812800" cy="812800"/>
-            </a:xfrm>
-            <a:custGeom>
-              <a:avLst/>
-              <a:gdLst/>
-              <a:ahLst/>
-              <a:cxnLst/>
-              <a:rect l="l" t="t" r="r" b="b"/>
-              <a:pathLst>
-                <a:path w="812800" h="812800">
-                  <a:moveTo>
-                    <a:pt x="406400" y="0"/>
-                  </a:moveTo>
-                  <a:cubicBezTo>
-                    <a:pt x="181951" y="0"/>
-                    <a:pt x="0" y="181951"/>
-                    <a:pt x="0" y="406400"/>
-                  </a:cubicBezTo>
-                  <a:cubicBezTo>
-                    <a:pt x="0" y="630849"/>
-                    <a:pt x="181951" y="812800"/>
-                    <a:pt x="406400" y="812800"/>
-                  </a:cubicBezTo>
-                  <a:cubicBezTo>
-                    <a:pt x="630849" y="812800"/>
-                    <a:pt x="812800" y="630849"/>
-                    <a:pt x="812800" y="406400"/>
-                  </a:cubicBezTo>
-                  <a:cubicBezTo>
-                    <a:pt x="812800" y="181951"/>
-                    <a:pt x="630849" y="0"/>
-                    <a:pt x="406400" y="0"/>
-                  </a:cubicBezTo>
-                  <a:close/>
-                </a:path>
-              </a:pathLst>
-            </a:custGeom>
-            <a:solidFill>
-              <a:srgbClr val="000000"/>
-            </a:solidFill>
-          </p:spPr>
-          <p:txBody>
-            <a:bodyPr/>
-            <a:lstStyle/>
-            <a:p>
-              <a:endParaRPr lang="zh-TW" altLang="en-US"/>
-            </a:p>
-          </p:txBody>
-        </p:sp>
-        <p:sp>
-          <p:nvSpPr>
-            <p:cNvPr id="13" name="TextBox 4">
-              <a:extLst>
-                <a:ext uri="{FF2B5EF4-FFF2-40B4-BE49-F238E27FC236}">
-                  <a16:creationId xmlns:a16="http://schemas.microsoft.com/office/drawing/2014/main" id="{A7E1B79D-3680-D6EB-8D3D-5EC9D3CBA451}"/>
-                </a:ext>
-              </a:extLst>
-            </p:cNvPr>
-            <p:cNvSpPr txBox="1"/>
-            <p:nvPr/>
-          </p:nvSpPr>
-          <p:spPr>
-            <a:xfrm>
-              <a:off x="76200" y="38100"/>
-              <a:ext cx="660400" cy="698500"/>
-            </a:xfrm>
-            <a:prstGeom prst="rect">
-              <a:avLst/>
-            </a:prstGeom>
-          </p:spPr>
-          <p:txBody>
-            <a:bodyPr lIns="50800" tIns="50800" rIns="50800" bIns="50800" rtlCol="0" anchor="ctr"/>
-            <a:lstStyle/>
-            <a:p>
-              <a:pPr algn="ctr">
-                <a:lnSpc>
-                  <a:spcPts val="2659"/>
-                </a:lnSpc>
-              </a:pPr>
-              <a:endParaRPr dirty="0">
-                <a:latin typeface="+mj-lt"/>
-              </a:endParaRPr>
-            </a:p>
-          </p:txBody>
-        </p:sp>
-      </p:grpSp>
-      <p:graphicFrame>
-        <p:nvGraphicFramePr>
-          <p:cNvPr id="14" name="表格 13">
-            <a:extLst>
-              <a:ext uri="{FF2B5EF4-FFF2-40B4-BE49-F238E27FC236}">
-                <a16:creationId xmlns:a16="http://schemas.microsoft.com/office/drawing/2014/main" id="{22564096-7C75-0E15-4222-0D89E7ED778D}"/>
-              </a:ext>
-            </a:extLst>
-          </p:cNvPr>
-          <p:cNvGraphicFramePr>
-            <a:graphicFrameLocks noGrp="1"/>
-          </p:cNvGraphicFramePr>
-          <p:nvPr>
-            <p:extLst>
-              <p:ext uri="{D42A27DB-BD31-4B8C-83A1-F6EECF244321}">
-                <p14:modId xmlns:p14="http://schemas.microsoft.com/office/powerpoint/2010/main" val="41825034"/>
-              </p:ext>
-            </p:extLst>
-          </p:nvPr>
-        </p:nvGraphicFramePr>
-        <p:xfrm>
-          <a:off x="2285236" y="3431892"/>
-          <a:ext cx="14916914" cy="4253624"/>
-        </p:xfrm>
-        <a:graphic>
-          <a:graphicData uri="http://schemas.openxmlformats.org/drawingml/2006/table">
-            <a:tbl>
-              <a:tblPr firstRow="1" bandRow="1">
-                <a:tableStyleId>{0E3FDE45-AF77-4B5C-9715-49D594BDF05E}</a:tableStyleId>
-              </a:tblPr>
-              <a:tblGrid>
-                <a:gridCol w="4120974">
-                  <a:extLst>
-                    <a:ext uri="{9D8B030D-6E8A-4147-A177-3AD203B41FA5}">
-                      <a16:colId xmlns:a16="http://schemas.microsoft.com/office/drawing/2014/main" val="564903613"/>
-                    </a:ext>
-                  </a:extLst>
-                </a:gridCol>
-                <a:gridCol w="10795940">
-                  <a:extLst>
-                    <a:ext uri="{9D8B030D-6E8A-4147-A177-3AD203B41FA5}">
-                      <a16:colId xmlns:a16="http://schemas.microsoft.com/office/drawing/2014/main" val="3687280497"/>
-                    </a:ext>
-                  </a:extLst>
-                </a:gridCol>
-              </a:tblGrid>
-              <a:tr h="796706">
-                <a:tc>
-                  <a:txBody>
-                    <a:bodyPr/>
-                    <a:lstStyle/>
-                    <a:p>
-                      <a:r>
-                        <a:rPr lang="en-US" altLang="zh-TW" sz="3200" dirty="0">
-                          <a:solidFill>
-                            <a:schemeClr val="tx1"/>
-                          </a:solidFill>
-                        </a:rPr>
-                        <a:t>Corrosion rates (</a:t>
-                      </a:r>
-                      <a:r>
-                        <a:rPr lang="en-US" altLang="zh-TW" sz="3200" dirty="0" err="1">
-                          <a:solidFill>
-                            <a:schemeClr val="tx1"/>
-                          </a:solidFill>
-                        </a:rPr>
-                        <a:t>Icorr</a:t>
-                      </a:r>
-                      <a:r>
-                        <a:rPr lang="en-US" altLang="zh-TW" sz="3200" dirty="0">
-                          <a:solidFill>
-                            <a:schemeClr val="tx1"/>
-                          </a:solidFill>
-                        </a:rPr>
-                        <a:t>) </a:t>
-                      </a:r>
-                      <a:endParaRPr lang="zh-TW" altLang="en-US" sz="3200" b="0" dirty="0">
-                        <a:solidFill>
-                          <a:schemeClr val="tx1"/>
-                        </a:solidFill>
-                      </a:endParaRPr>
-                    </a:p>
-                  </a:txBody>
-                  <a:tcPr/>
-                </a:tc>
-                <a:tc>
-                  <a:txBody>
-                    <a:bodyPr/>
-                    <a:lstStyle/>
-                    <a:p>
-                      <a:r>
-                        <a:rPr lang="en-US" altLang="zh-TW" sz="3200" b="1" dirty="0">
-                          <a:solidFill>
-                            <a:schemeClr val="tx1"/>
-                          </a:solidFill>
-                        </a:rPr>
-                        <a:t>Remaining service life</a:t>
-                      </a:r>
-                      <a:endParaRPr lang="zh-TW" altLang="en-US" sz="3200" b="0" dirty="0">
-                        <a:solidFill>
-                          <a:schemeClr val="tx1"/>
-                        </a:solidFill>
-                      </a:endParaRPr>
-                    </a:p>
-                  </a:txBody>
-                  <a:tcPr anchor="ctr"/>
-                </a:tc>
-                <a:extLst>
-                  <a:ext uri="{0D108BD9-81ED-4DB2-BD59-A6C34878D82A}">
-                    <a16:rowId xmlns:a16="http://schemas.microsoft.com/office/drawing/2014/main" val="3755651423"/>
-                  </a:ext>
-                </a:extLst>
-              </a:tr>
-              <a:tr h="796706">
-                <a:tc>
-                  <a:txBody>
-                    <a:bodyPr/>
-                    <a:lstStyle/>
-                    <a:p>
-                      <a:r>
-                        <a:rPr lang="en-US" altLang="zh-TW" sz="3200" b="0" dirty="0">
-                          <a:solidFill>
-                            <a:schemeClr val="tx1"/>
-                          </a:solidFill>
-                        </a:rPr>
-                        <a:t>0.5 </a:t>
-                      </a:r>
-                      <a:r>
-                        <a:rPr lang="en-US" altLang="zh-TW" sz="3600" b="0" dirty="0">
-                          <a:solidFill>
-                            <a:schemeClr val="tx1"/>
-                          </a:solidFill>
-                          <a:effectLst/>
-                        </a:rPr>
-                        <a:t>µ</a:t>
-                      </a:r>
-                      <a:r>
-                        <a:rPr lang="en-US" altLang="zh-TW" sz="3200" b="0" dirty="0">
-                          <a:solidFill>
-                            <a:schemeClr val="tx1"/>
-                          </a:solidFill>
-                        </a:rPr>
-                        <a:t>A/</a:t>
-                      </a:r>
-                      <a:r>
-                        <a:rPr lang="en-US" altLang="zh-TW" sz="3600" b="0" dirty="0">
-                          <a:solidFill>
-                            <a:schemeClr val="tx1"/>
-                          </a:solidFill>
-                        </a:rPr>
-                        <a:t>cm²</a:t>
-                      </a:r>
-                      <a:r>
-                        <a:rPr lang="en-US" altLang="zh-TW" sz="3200" b="0" dirty="0">
-                          <a:solidFill>
-                            <a:schemeClr val="tx1"/>
-                          </a:solidFill>
-                        </a:rPr>
-                        <a:t> </a:t>
-                      </a:r>
-                      <a:endParaRPr lang="zh-TW" altLang="en-US" sz="3200" b="0" dirty="0">
-                        <a:solidFill>
-                          <a:schemeClr val="tx1"/>
-                        </a:solidFill>
-                      </a:endParaRPr>
-                    </a:p>
-                  </a:txBody>
-                  <a:tcPr/>
-                </a:tc>
-                <a:tc>
-                  <a:txBody>
-                    <a:bodyPr/>
-                    <a:lstStyle/>
-                    <a:p>
-                      <a:r>
-                        <a:rPr lang="en-US" altLang="zh-TW" sz="3200" b="0" dirty="0">
-                          <a:solidFill>
-                            <a:schemeClr val="tx1"/>
-                          </a:solidFill>
-                        </a:rPr>
-                        <a:t>no corrosion damage expected</a:t>
-                      </a:r>
-                      <a:endParaRPr lang="zh-TW" altLang="en-US" sz="3200" b="0" dirty="0">
-                        <a:solidFill>
-                          <a:schemeClr val="tx1"/>
-                        </a:solidFill>
-                      </a:endParaRPr>
-                    </a:p>
-                  </a:txBody>
-                  <a:tcPr/>
-                </a:tc>
-                <a:extLst>
-                  <a:ext uri="{0D108BD9-81ED-4DB2-BD59-A6C34878D82A}">
-                    <a16:rowId xmlns:a16="http://schemas.microsoft.com/office/drawing/2014/main" val="762475104"/>
-                  </a:ext>
-                </a:extLst>
-              </a:tr>
-              <a:tr h="796706">
-                <a:tc>
-                  <a:txBody>
-                    <a:bodyPr/>
-                    <a:lstStyle/>
-                    <a:p>
-                      <a:r>
-                        <a:rPr lang="en-US" altLang="zh-TW" sz="3200" b="0" dirty="0">
-                          <a:solidFill>
-                            <a:schemeClr val="tx1"/>
-                          </a:solidFill>
-                        </a:rPr>
-                        <a:t>0.5 ~ 2.7 </a:t>
-                      </a:r>
-                      <a:r>
-                        <a:rPr lang="en-US" altLang="zh-TW" sz="3600" b="0" dirty="0">
-                          <a:solidFill>
-                            <a:schemeClr val="tx1"/>
-                          </a:solidFill>
-                          <a:effectLst/>
-                        </a:rPr>
-                        <a:t>µ</a:t>
-                      </a:r>
-                      <a:r>
-                        <a:rPr lang="en-US" altLang="zh-TW" sz="3200" b="0" dirty="0">
-                          <a:solidFill>
-                            <a:schemeClr val="tx1"/>
-                          </a:solidFill>
-                        </a:rPr>
-                        <a:t>A/</a:t>
-                      </a:r>
-                      <a:r>
-                        <a:rPr lang="en-US" altLang="zh-TW" sz="3600" b="0" dirty="0">
-                          <a:solidFill>
-                            <a:schemeClr val="tx1"/>
-                          </a:solidFill>
-                        </a:rPr>
-                        <a:t>cm²</a:t>
-                      </a:r>
-                      <a:endParaRPr lang="zh-TW" altLang="en-US" sz="3200" b="0" dirty="0">
-                        <a:solidFill>
-                          <a:schemeClr val="tx1"/>
-                        </a:solidFill>
-                      </a:endParaRPr>
-                    </a:p>
-                  </a:txBody>
-                  <a:tcPr/>
-                </a:tc>
-                <a:tc>
-                  <a:txBody>
-                    <a:bodyPr/>
-                    <a:lstStyle/>
-                    <a:p>
-                      <a:r>
-                        <a:rPr lang="en-US" altLang="zh-TW" sz="3200" b="0" dirty="0">
-                          <a:solidFill>
-                            <a:schemeClr val="tx1"/>
-                          </a:solidFill>
-                        </a:rPr>
-                        <a:t>corrosion damage possible in the range of 10 to 15 years</a:t>
-                      </a:r>
-                      <a:endParaRPr lang="zh-TW" altLang="en-US" sz="3200" b="0" dirty="0">
-                        <a:solidFill>
-                          <a:schemeClr val="tx1"/>
-                        </a:solidFill>
-                      </a:endParaRPr>
-                    </a:p>
-                  </a:txBody>
-                  <a:tcPr/>
-                </a:tc>
-                <a:extLst>
-                  <a:ext uri="{0D108BD9-81ED-4DB2-BD59-A6C34878D82A}">
-                    <a16:rowId xmlns:a16="http://schemas.microsoft.com/office/drawing/2014/main" val="2329100255"/>
-                  </a:ext>
-                </a:extLst>
-              </a:tr>
-              <a:tr h="796706">
-                <a:tc>
-                  <a:txBody>
-                    <a:bodyPr/>
-                    <a:lstStyle/>
-                    <a:p>
-                      <a:r>
-                        <a:rPr lang="en-US" altLang="zh-TW" sz="3200" b="0" dirty="0">
-                          <a:solidFill>
-                            <a:schemeClr val="tx1"/>
-                          </a:solidFill>
-                        </a:rPr>
-                        <a:t>2.7 ~ 27 </a:t>
-                      </a:r>
-                      <a:r>
-                        <a:rPr lang="en-US" altLang="zh-TW" sz="3600" b="0" dirty="0">
-                          <a:solidFill>
-                            <a:schemeClr val="tx1"/>
-                          </a:solidFill>
-                          <a:effectLst/>
-                        </a:rPr>
-                        <a:t>µ</a:t>
-                      </a:r>
-                      <a:r>
-                        <a:rPr lang="en-US" altLang="zh-TW" sz="3200" b="0" dirty="0">
-                          <a:solidFill>
-                            <a:schemeClr val="tx1"/>
-                          </a:solidFill>
-                        </a:rPr>
-                        <a:t>A/cm² </a:t>
-                      </a:r>
-                      <a:endParaRPr lang="zh-TW" altLang="en-US" sz="3200" b="0" dirty="0">
-                        <a:solidFill>
-                          <a:schemeClr val="tx1"/>
-                        </a:solidFill>
-                      </a:endParaRPr>
-                    </a:p>
-                  </a:txBody>
-                  <a:tcPr/>
-                </a:tc>
-                <a:tc>
-                  <a:txBody>
-                    <a:bodyPr/>
-                    <a:lstStyle/>
-                    <a:p>
-                      <a:r>
-                        <a:rPr lang="en-US" altLang="zh-TW" sz="3200" b="0" dirty="0">
-                          <a:solidFill>
-                            <a:schemeClr val="tx1"/>
-                          </a:solidFill>
-                        </a:rPr>
-                        <a:t>corrosion damage expected in 2 to 10 years</a:t>
-                      </a:r>
-                      <a:endParaRPr lang="zh-TW" altLang="en-US" sz="3200" b="0" dirty="0">
-                        <a:solidFill>
-                          <a:schemeClr val="tx1"/>
-                        </a:solidFill>
-                      </a:endParaRPr>
-                    </a:p>
-                  </a:txBody>
-                  <a:tcPr/>
-                </a:tc>
-                <a:extLst>
-                  <a:ext uri="{0D108BD9-81ED-4DB2-BD59-A6C34878D82A}">
-                    <a16:rowId xmlns:a16="http://schemas.microsoft.com/office/drawing/2014/main" val="2087769661"/>
-                  </a:ext>
-                </a:extLst>
-              </a:tr>
-              <a:tr h="796706">
-                <a:tc>
-                  <a:txBody>
-                    <a:bodyPr/>
-                    <a:lstStyle/>
-                    <a:p>
-                      <a:r>
-                        <a:rPr lang="en-US" altLang="zh-TW" sz="3200" b="0" dirty="0">
-                          <a:solidFill>
-                            <a:schemeClr val="tx1"/>
-                          </a:solidFill>
-                        </a:rPr>
-                        <a:t>&gt; 27 </a:t>
-                      </a:r>
-                      <a:r>
-                        <a:rPr lang="en-US" altLang="zh-TW" sz="3600" b="0" dirty="0">
-                          <a:solidFill>
-                            <a:schemeClr val="tx1"/>
-                          </a:solidFill>
-                          <a:effectLst/>
-                        </a:rPr>
-                        <a:t>µ</a:t>
-                      </a:r>
-                      <a:r>
-                        <a:rPr lang="en-US" altLang="zh-TW" sz="3200" b="0" dirty="0">
-                          <a:solidFill>
-                            <a:schemeClr val="tx1"/>
-                          </a:solidFill>
-                        </a:rPr>
-                        <a:t>A/cm² </a:t>
-                      </a:r>
-                      <a:endParaRPr lang="zh-TW" altLang="en-US" sz="3200" b="0" dirty="0">
-                        <a:solidFill>
-                          <a:schemeClr val="tx1"/>
-                        </a:solidFill>
-                      </a:endParaRPr>
-                    </a:p>
-                  </a:txBody>
-                  <a:tcPr/>
-                </a:tc>
-                <a:tc>
-                  <a:txBody>
-                    <a:bodyPr/>
-                    <a:lstStyle/>
-                    <a:p>
-                      <a:r>
-                        <a:rPr lang="en-US" altLang="zh-TW" sz="3200" b="0" dirty="0">
-                          <a:solidFill>
-                            <a:schemeClr val="tx1"/>
-                          </a:solidFill>
-                        </a:rPr>
-                        <a:t>corrosion damage expected in 2 years or less</a:t>
-                      </a:r>
-                      <a:endParaRPr lang="zh-TW" altLang="en-US" sz="3200" b="0" dirty="0">
-                        <a:solidFill>
-                          <a:schemeClr val="tx1"/>
-                        </a:solidFill>
-                      </a:endParaRPr>
-                    </a:p>
-                  </a:txBody>
-                  <a:tcPr/>
-                </a:tc>
-                <a:extLst>
-                  <a:ext uri="{0D108BD9-81ED-4DB2-BD59-A6C34878D82A}">
-                    <a16:rowId xmlns:a16="http://schemas.microsoft.com/office/drawing/2014/main" val="3014298260"/>
-                  </a:ext>
-                </a:extLst>
-              </a:tr>
-            </a:tbl>
-          </a:graphicData>
-        </a:graphic>
-      </p:graphicFrame>
+            <a:r>
+              <a:rPr lang="en-US" altLang="zh-TW" sz="2800" dirty="0"/>
+              <a:t>Table 1. Values of n Obtained from Models</a:t>
+            </a:r>
+            <a:endParaRPr lang="zh-TW" altLang="en-US" sz="2800" dirty="0"/>
+          </a:p>
+        </p:txBody>
+      </p:sp>
     </p:spTree>
+    <p:extLst>
+      <p:ext uri="{BB962C8B-B14F-4D97-AF65-F5344CB8AC3E}">
+        <p14:creationId xmlns:p14="http://schemas.microsoft.com/office/powerpoint/2010/main" val="2339840427"/>
+      </p:ext>
+    </p:extLst>
   </p:cSld>
   <p:clrMapOvr>
     <a:masterClrMapping/>
@@ -10343,7 +12205,7 @@
 </p:sld>
 </file>
 
-<file path=ppt/slides/slide8.xml><?xml version="1.0" encoding="utf-8"?>
+<file path=ppt/slides/slide9.xml><?xml version="1.0" encoding="utf-8"?>
 <p:sld xmlns:a="http://schemas.openxmlformats.org/drawingml/2006/main" xmlns:r="http://schemas.openxmlformats.org/officeDocument/2006/relationships" xmlns:p="http://schemas.openxmlformats.org/presentationml/2006/main">
   <p:cSld>
     <p:bg>
@@ -10376,8 +12238,8 @@
         </p:nvSpPr>
         <p:spPr>
           <a:xfrm>
-            <a:off x="2378833" y="2542376"/>
-            <a:ext cx="14847341" cy="4550092"/>
+            <a:off x="2133600" y="1948440"/>
+            <a:ext cx="14847341" cy="6491392"/>
           </a:xfrm>
           <a:prstGeom prst="rect">
             <a:avLst/>
@@ -10397,32 +12259,44 @@
               <a:buChar char="•"/>
             </a:pPr>
             <a:r>
-              <a:rPr lang="en-US" altLang="zh-TW" sz="3650" dirty="0">
-                <a:solidFill>
-                  <a:srgbClr val="000000"/>
-                </a:solidFill>
+              <a:rPr lang="en-US" altLang="zh-TW" sz="3600" dirty="0">
                 <a:latin typeface="+mj-lt"/>
               </a:rPr>
-              <a:t>Relative humidity is the only factor that influences </a:t>
-            </a:r>
-            <a:r>
-              <a:rPr lang="en-US" altLang="zh-TW" sz="3650" dirty="0" err="1">
-                <a:solidFill>
-                  <a:srgbClr val="000000"/>
-                </a:solidFill>
+              <a:t>The values of </a:t>
+            </a:r>
+            <a:r>
+              <a:rPr lang="en-US" altLang="zh-TW" sz="3600" b="0" i="0" dirty="0" err="1">
+                <a:effectLst/>
                 <a:latin typeface="+mj-lt"/>
               </a:rPr>
-              <a:t>Icorr</a:t>
-            </a:r>
-            <a:r>
-              <a:rPr lang="en-US" altLang="zh-TW" sz="3650" dirty="0">
-                <a:solidFill>
-                  <a:srgbClr val="000000"/>
-                </a:solidFill>
+              <a:t>k</a:t>
+            </a:r>
+            <a:r>
+              <a:rPr lang="en-US" altLang="zh-TW" sz="3600" b="0" i="0" baseline="-25000" dirty="0" err="1">
+                <a:effectLst/>
                 <a:latin typeface="+mj-lt"/>
               </a:rPr>
-              <a:t>.</a:t>
-            </a:r>
+              <a:t>d</a:t>
+            </a:r>
+            <a:r>
+              <a:rPr lang="en-US" altLang="zh-TW" sz="3600" b="0" i="0" baseline="-25000" dirty="0">
+                <a:effectLst/>
+                <a:latin typeface="+mj-lt"/>
+              </a:rPr>
+              <a:t> </a:t>
+            </a:r>
+            <a:r>
+              <a:rPr lang="en-US" altLang="zh-TW" sz="3600" dirty="0">
+                <a:latin typeface="+mj-lt"/>
+              </a:rPr>
+              <a:t>remain constant throughout the entire deterioration period.</a:t>
+            </a:r>
+            <a:endParaRPr lang="en-US" altLang="zh-TW" sz="3600" dirty="0">
+              <a:solidFill>
+                <a:srgbClr val="000000"/>
+              </a:solidFill>
+              <a:latin typeface="+mj-lt"/>
+            </a:endParaRPr>
           </a:p>
           <a:p>
             <a:pPr marL="571500" indent="-571500">
@@ -10433,67 +12307,10 @@
               <a:buChar char="•"/>
             </a:pPr>
             <a:r>
-              <a:rPr lang="en-US" altLang="zh-TW" sz="3650" dirty="0">
-                <a:solidFill>
-                  <a:srgbClr val="000000"/>
-                </a:solidFill>
+              <a:rPr lang="en-US" altLang="zh-TW" sz="3600" dirty="0">
                 <a:latin typeface="+mj-lt"/>
               </a:rPr>
-              <a:t>Distribute based on M</a:t>
-            </a:r>
-            <a:r>
-              <a:rPr lang="en-US" altLang="zh-TW" sz="3650" baseline="-25000" dirty="0">
-                <a:solidFill>
-                  <a:srgbClr val="000000"/>
-                </a:solidFill>
-                <a:latin typeface="+mj-lt"/>
-              </a:rPr>
-              <a:t>1</a:t>
-            </a:r>
-            <a:r>
-              <a:rPr lang="en-US" altLang="zh-TW" sz="3650" dirty="0">
-                <a:solidFill>
-                  <a:srgbClr val="000000"/>
-                </a:solidFill>
-                <a:latin typeface="+mj-lt"/>
-              </a:rPr>
-              <a:t> , M</a:t>
-            </a:r>
-            <a:r>
-              <a:rPr lang="en-US" altLang="zh-TW" sz="3650" baseline="-25000" dirty="0">
-                <a:solidFill>
-                  <a:srgbClr val="000000"/>
-                </a:solidFill>
-                <a:latin typeface="+mj-lt"/>
-              </a:rPr>
-              <a:t>2</a:t>
-            </a:r>
-            <a:r>
-              <a:rPr lang="en-US" altLang="zh-TW" sz="3650" dirty="0">
-                <a:solidFill>
-                  <a:srgbClr val="000000"/>
-                </a:solidFill>
-                <a:latin typeface="+mj-lt"/>
-              </a:rPr>
-              <a:t> and M</a:t>
-            </a:r>
-            <a:r>
-              <a:rPr lang="en-US" altLang="zh-TW" sz="3650" baseline="-25000" dirty="0">
-                <a:solidFill>
-                  <a:srgbClr val="000000"/>
-                </a:solidFill>
-                <a:latin typeface="+mj-lt"/>
-              </a:rPr>
-              <a:t>3</a:t>
-            </a:r>
-            <a:r>
-              <a:rPr lang="en-US" altLang="zh-TW" sz="3650" dirty="0">
-                <a:solidFill>
-                  <a:srgbClr val="000000"/>
-                </a:solidFill>
-                <a:latin typeface="+mj-lt"/>
-              </a:rPr>
-              <a:t> three periods</a:t>
+              <a:t>The only factor influencing the remaining life of concrete and causing degradation is listed in Table 1.</a:t>
             </a:r>
           </a:p>
           <a:p>
@@ -10505,67 +12322,13 @@
               <a:buChar char="•"/>
             </a:pPr>
             <a:r>
-              <a:rPr lang="en-US" altLang="zh-TW" sz="3650" dirty="0">
+              <a:rPr lang="en-US" altLang="zh-TW" sz="3600" dirty="0">
                 <a:solidFill>
                   <a:srgbClr val="000000"/>
                 </a:solidFill>
                 <a:latin typeface="+mj-lt"/>
               </a:rPr>
-              <a:t>The relative humidity value needs to remain consistently below 70% for a month to be considered in the calculation of the M</a:t>
-            </a:r>
-            <a:r>
-              <a:rPr lang="en-US" altLang="zh-TW" sz="3650" baseline="-25000" dirty="0">
-                <a:solidFill>
-                  <a:srgbClr val="000000"/>
-                </a:solidFill>
-                <a:latin typeface="+mj-lt"/>
-              </a:rPr>
-              <a:t>1</a:t>
-            </a:r>
-            <a:r>
-              <a:rPr lang="en-US" altLang="zh-TW" sz="3650" dirty="0">
-                <a:solidFill>
-                  <a:srgbClr val="000000"/>
-                </a:solidFill>
-                <a:latin typeface="+mj-lt"/>
-              </a:rPr>
-              <a:t> value. The same applies to the M</a:t>
-            </a:r>
-            <a:r>
-              <a:rPr lang="en-US" altLang="zh-TW" sz="3650" baseline="-25000" dirty="0">
-                <a:solidFill>
-                  <a:srgbClr val="000000"/>
-                </a:solidFill>
-                <a:latin typeface="+mj-lt"/>
-              </a:rPr>
-              <a:t>2 </a:t>
-            </a:r>
-            <a:r>
-              <a:rPr lang="en-US" altLang="zh-TW" sz="3650" dirty="0">
-                <a:solidFill>
-                  <a:srgbClr val="000000"/>
-                </a:solidFill>
-                <a:latin typeface="+mj-lt"/>
-              </a:rPr>
-              <a:t>and M</a:t>
-            </a:r>
-            <a:r>
-              <a:rPr lang="en-US" altLang="zh-TW" sz="3650" baseline="-25000" dirty="0">
-                <a:solidFill>
-                  <a:srgbClr val="000000"/>
-                </a:solidFill>
-                <a:latin typeface="+mj-lt"/>
-              </a:rPr>
-              <a:t>3</a:t>
-            </a:r>
-            <a:r>
-              <a:rPr lang="en-US" altLang="zh-TW" sz="3650" dirty="0">
-                <a:solidFill>
-                  <a:srgbClr val="000000"/>
-                </a:solidFill>
-                <a:latin typeface="+mj-lt"/>
-              </a:rPr>
-              <a:t> values.</a:t>
+              <a:t>Disregard self-conditions of concrete, such as cover thickness.</a:t>
             </a:r>
           </a:p>
           <a:p>
@@ -10577,112 +12340,49 @@
               <a:buChar char="•"/>
             </a:pPr>
             <a:r>
-              <a:rPr lang="en-US" altLang="zh-TW" sz="3650" dirty="0">
+              <a:rPr lang="en-US" sz="3600" dirty="0">
                 <a:solidFill>
                   <a:srgbClr val="000000"/>
                 </a:solidFill>
                 <a:latin typeface="+mj-lt"/>
               </a:rPr>
-              <a:t>The relationship between M</a:t>
-            </a:r>
-            <a:r>
-              <a:rPr lang="en-US" altLang="zh-TW" sz="3650" baseline="-25000" dirty="0">
+              <a:t>Unless specifically mentioned, consider multiple degradation processes occurring simultaneously, making the time order n=1.</a:t>
+            </a:r>
+          </a:p>
+          <a:p>
+            <a:pPr marL="571500" indent="-571500">
+              <a:lnSpc>
+                <a:spcPts val="5125"/>
+              </a:lnSpc>
+              <a:buFont typeface="Arial" panose="020B0604020202020204" pitchFamily="34" charset="0"/>
+              <a:buChar char="•"/>
+            </a:pPr>
+            <a:r>
+              <a:rPr lang="en-US" sz="3600" dirty="0">
                 <a:solidFill>
                   <a:srgbClr val="000000"/>
                 </a:solidFill>
                 <a:latin typeface="+mj-lt"/>
               </a:rPr>
-              <a:t>1</a:t>
-            </a:r>
-            <a:r>
-              <a:rPr lang="en-US" altLang="zh-TW" sz="3650" dirty="0">
+              <a:t>If only one degradation process occurs, implicitly refer to Table 1 to determine the exact value of n.</a:t>
+            </a:r>
+          </a:p>
+          <a:p>
+            <a:pPr marL="571500" indent="-571500">
+              <a:lnSpc>
+                <a:spcPts val="5125"/>
+              </a:lnSpc>
+              <a:buFont typeface="Arial" panose="020B0604020202020204" pitchFamily="34" charset="0"/>
+              <a:buChar char="•"/>
+            </a:pPr>
+            <a:r>
+              <a:rPr lang="en-US" sz="3600" dirty="0">
                 <a:solidFill>
                   <a:srgbClr val="000000"/>
                 </a:solidFill>
                 <a:latin typeface="+mj-lt"/>
               </a:rPr>
-              <a:t> and M</a:t>
-            </a:r>
-            <a:r>
-              <a:rPr lang="en-US" altLang="zh-TW" sz="3650" baseline="-25000" dirty="0">
-                <a:solidFill>
-                  <a:srgbClr val="000000"/>
-                </a:solidFill>
-                <a:latin typeface="+mj-lt"/>
-              </a:rPr>
-              <a:t>2</a:t>
-            </a:r>
-            <a:r>
-              <a:rPr lang="en-US" altLang="zh-TW" sz="3650" dirty="0">
-                <a:solidFill>
-                  <a:srgbClr val="000000"/>
-                </a:solidFill>
-                <a:latin typeface="+mj-lt"/>
-              </a:rPr>
-              <a:t> is mutually exclusive to M</a:t>
-            </a:r>
-            <a:r>
-              <a:rPr lang="en-US" altLang="zh-TW" sz="3650" baseline="-25000" dirty="0">
-                <a:solidFill>
-                  <a:srgbClr val="000000"/>
-                </a:solidFill>
-                <a:latin typeface="+mj-lt"/>
-              </a:rPr>
-              <a:t>3</a:t>
-            </a:r>
-            <a:r>
-              <a:rPr lang="en-US" altLang="zh-TW" sz="3650" dirty="0">
-                <a:solidFill>
-                  <a:srgbClr val="000000"/>
-                </a:solidFill>
-                <a:latin typeface="+mj-lt"/>
-              </a:rPr>
-              <a:t>. In other words, there is no rain during the M</a:t>
-            </a:r>
-            <a:r>
-              <a:rPr lang="en-US" altLang="zh-TW" sz="3650" baseline="-25000" dirty="0">
-                <a:solidFill>
-                  <a:srgbClr val="000000"/>
-                </a:solidFill>
-                <a:latin typeface="+mj-lt"/>
-              </a:rPr>
-              <a:t>1</a:t>
-            </a:r>
-            <a:r>
-              <a:rPr lang="en-US" altLang="zh-TW" sz="3650" dirty="0">
-                <a:solidFill>
-                  <a:srgbClr val="000000"/>
-                </a:solidFill>
-                <a:latin typeface="+mj-lt"/>
-              </a:rPr>
-              <a:t> and M</a:t>
-            </a:r>
-            <a:r>
-              <a:rPr lang="en-US" altLang="zh-TW" sz="3650" baseline="-25000" dirty="0">
-                <a:solidFill>
-                  <a:srgbClr val="000000"/>
-                </a:solidFill>
-                <a:latin typeface="+mj-lt"/>
-              </a:rPr>
-              <a:t>2</a:t>
-            </a:r>
-            <a:r>
-              <a:rPr lang="en-US" altLang="zh-TW" sz="3650" dirty="0">
-                <a:solidFill>
-                  <a:srgbClr val="000000"/>
-                </a:solidFill>
-                <a:latin typeface="+mj-lt"/>
-              </a:rPr>
-              <a:t> periods</a:t>
-            </a:r>
-            <a:r>
-              <a:rPr lang="en-US" sz="3650" dirty="0">
-                <a:solidFill>
-                  <a:srgbClr val="000000"/>
-                </a:solidFill>
-                <a:latin typeface="+mj-lt"/>
-              </a:rPr>
-              <a:t>.</a:t>
+              <a:t>All information obtained from inspections is accurate.</a:t>
             </a:r>
           </a:p>
         </p:txBody>
@@ -10726,10 +12426,10 @@
             </a:pathLst>
           </a:custGeom>
           <a:blipFill>
-            <a:blip r:embed="rId2">
+            <a:blip r:embed="rId3">
               <a:extLst>
                 <a:ext uri="{96DAC541-7B7A-43D3-8B79-37D633B846F1}">
-                  <asvg:svgBlip xmlns:asvg="http://schemas.microsoft.com/office/drawing/2016/SVG/main" r:embed="rId3"/>
+                  <asvg:svgBlip xmlns:asvg="http://schemas.microsoft.com/office/drawing/2016/SVG/main" r:embed="rId4"/>
                 </a:ext>
               </a:extLst>
             </a:blip>
@@ -11019,7 +12719,7 @@
                   <a:latin typeface="+mj-lt"/>
                   <a:cs typeface="Arial"/>
                 </a:rPr>
-                <a:t>4</a:t>
+                <a:t>5</a:t>
               </a:r>
             </a:p>
           </p:txBody>
@@ -11064,10 +12764,10 @@
             </a:pathLst>
           </a:custGeom>
           <a:blipFill>
-            <a:blip r:embed="rId2">
+            <a:blip r:embed="rId3">
               <a:extLst>
                 <a:ext uri="{96DAC541-7B7A-43D3-8B79-37D633B846F1}">
-                  <asvg:svgBlip xmlns:asvg="http://schemas.microsoft.com/office/drawing/2016/SVG/main" r:embed="rId3"/>
+                  <asvg:svgBlip xmlns:asvg="http://schemas.microsoft.com/office/drawing/2016/SVG/main" r:embed="rId4"/>
                 </a:ext>
               </a:extLst>
             </a:blip>
@@ -11082,1044 +12782,6 @@
           <a:p>
             <a:endParaRPr lang="zh-TW" altLang="en-US">
               <a:latin typeface="+mj-lt"/>
-            </a:endParaRPr>
-          </a:p>
-        </p:txBody>
-      </p:sp>
-    </p:spTree>
-  </p:cSld>
-  <p:clrMapOvr>
-    <a:masterClrMapping/>
-  </p:clrMapOvr>
-</p:sld>
-</file>
-
-<file path=ppt/slides/slide9.xml><?xml version="1.0" encoding="utf-8"?>
-<p:sld xmlns:a="http://schemas.openxmlformats.org/drawingml/2006/main" xmlns:r="http://schemas.openxmlformats.org/officeDocument/2006/relationships" xmlns:p="http://schemas.openxmlformats.org/presentationml/2006/main">
-  <p:cSld>
-    <p:bg>
-      <p:bgPr>
-        <a:solidFill>
-          <a:srgbClr val="F6F3EB"/>
-        </a:solidFill>
-        <a:effectLst/>
-      </p:bgPr>
-    </p:bg>
-    <p:spTree>
-      <p:nvGrpSpPr>
-        <p:cNvPr id="1" name=""/>
-        <p:cNvGrpSpPr/>
-        <p:nvPr/>
-      </p:nvGrpSpPr>
-      <p:grpSpPr>
-        <a:xfrm>
-          <a:off x="0" y="0"/>
-          <a:ext cx="0" cy="0"/>
-          <a:chOff x="0" y="0"/>
-          <a:chExt cx="0" cy="0"/>
-        </a:xfrm>
-      </p:grpSpPr>
-      <p:sp>
-        <p:nvSpPr>
-          <p:cNvPr id="4" name="AutoShape 4"/>
-          <p:cNvSpPr/>
-          <p:nvPr/>
-        </p:nvSpPr>
-        <p:spPr>
-          <a:xfrm>
-            <a:off x="-260599" y="9061267"/>
-            <a:ext cx="7105264" cy="19050"/>
-          </a:xfrm>
-          <a:prstGeom prst="line">
-            <a:avLst/>
-          </a:prstGeom>
-          <a:ln w="114300" cap="flat">
-            <a:solidFill>
-              <a:srgbClr val="9FC3D0"/>
-            </a:solidFill>
-            <a:prstDash val="solid"/>
-            <a:headEnd type="none" w="sm" len="sm"/>
-            <a:tailEnd type="none" w="sm" len="sm"/>
-          </a:ln>
-        </p:spPr>
-        <p:txBody>
-          <a:bodyPr/>
-          <a:lstStyle/>
-          <a:p>
-            <a:endParaRPr lang="zh-TW" altLang="en-US"/>
-          </a:p>
-        </p:txBody>
-      </p:sp>
-      <p:sp>
-        <p:nvSpPr>
-          <p:cNvPr id="5" name="Freeform 5"/>
-          <p:cNvSpPr/>
-          <p:nvPr/>
-        </p:nvSpPr>
-        <p:spPr>
-          <a:xfrm>
-            <a:off x="13764167" y="6208199"/>
-            <a:ext cx="7315200" cy="2477783"/>
-          </a:xfrm>
-          <a:custGeom>
-            <a:avLst/>
-            <a:gdLst/>
-            <a:ahLst/>
-            <a:cxnLst/>
-            <a:rect l="l" t="t" r="r" b="b"/>
-            <a:pathLst>
-              <a:path w="7315200" h="2477783">
-                <a:moveTo>
-                  <a:pt x="0" y="0"/>
-                </a:moveTo>
-                <a:lnTo>
-                  <a:pt x="7315200" y="0"/>
-                </a:lnTo>
-                <a:lnTo>
-                  <a:pt x="7315200" y="2477783"/>
-                </a:lnTo>
-                <a:lnTo>
-                  <a:pt x="0" y="2477783"/>
-                </a:lnTo>
-                <a:lnTo>
-                  <a:pt x="0" y="0"/>
-                </a:lnTo>
-                <a:close/>
-              </a:path>
-            </a:pathLst>
-          </a:custGeom>
-          <a:blipFill>
-            <a:blip r:embed="rId2">
-              <a:extLst>
-                <a:ext uri="{96DAC541-7B7A-43D3-8B79-37D633B846F1}">
-                  <asvg:svgBlip xmlns:asvg="http://schemas.microsoft.com/office/drawing/2016/SVG/main" r:embed="rId3"/>
-                </a:ext>
-              </a:extLst>
-            </a:blip>
-            <a:stretch>
-              <a:fillRect/>
-            </a:stretch>
-          </a:blipFill>
-        </p:spPr>
-        <p:txBody>
-          <a:bodyPr/>
-          <a:lstStyle/>
-          <a:p>
-            <a:endParaRPr lang="zh-TW" altLang="en-US"/>
-          </a:p>
-        </p:txBody>
-      </p:sp>
-      <p:sp>
-        <p:nvSpPr>
-          <p:cNvPr id="6" name="AutoShape 6"/>
-          <p:cNvSpPr/>
-          <p:nvPr/>
-        </p:nvSpPr>
-        <p:spPr>
-          <a:xfrm>
-            <a:off x="11430169" y="9061267"/>
-            <a:ext cx="7105264" cy="19050"/>
-          </a:xfrm>
-          <a:prstGeom prst="line">
-            <a:avLst/>
-          </a:prstGeom>
-          <a:ln w="114300" cap="flat">
-            <a:solidFill>
-              <a:srgbClr val="9FC3D0"/>
-            </a:solidFill>
-            <a:prstDash val="solid"/>
-            <a:headEnd type="none" w="sm" len="sm"/>
-            <a:tailEnd type="none" w="sm" len="sm"/>
-          </a:ln>
-        </p:spPr>
-        <p:txBody>
-          <a:bodyPr/>
-          <a:lstStyle/>
-          <a:p>
-            <a:endParaRPr lang="zh-TW" altLang="en-US"/>
-          </a:p>
-        </p:txBody>
-      </p:sp>
-      <p:sp>
-        <p:nvSpPr>
-          <p:cNvPr id="7" name="TextBox 7"/>
-          <p:cNvSpPr txBox="1"/>
-          <p:nvPr/>
-        </p:nvSpPr>
-        <p:spPr>
-          <a:xfrm>
-            <a:off x="1628961" y="278263"/>
-            <a:ext cx="15048220" cy="1378070"/>
-          </a:xfrm>
-          <a:prstGeom prst="rect">
-            <a:avLst/>
-          </a:prstGeom>
-        </p:spPr>
-        <p:txBody>
-          <a:bodyPr wrap="square" lIns="0" tIns="0" rIns="0" bIns="0" rtlCol="0" anchor="t">
-            <a:spAutoFit/>
-          </a:bodyPr>
-          <a:lstStyle/>
-          <a:p>
-            <a:pPr algn="ctr">
-              <a:lnSpc>
-                <a:spcPts val="11899"/>
-              </a:lnSpc>
-            </a:pPr>
-            <a:r>
-              <a:rPr lang="en-US" altLang="zh-TW" sz="7200" dirty="0"/>
-              <a:t>EXAMPLE OF CACULATION</a:t>
-            </a:r>
-            <a:endParaRPr lang="en-US" sz="7200" dirty="0">
-              <a:solidFill>
-                <a:srgbClr val="000000"/>
-              </a:solidFill>
-              <a:latin typeface="+mj-lt"/>
-            </a:endParaRPr>
-          </a:p>
-        </p:txBody>
-      </p:sp>
-      <p:grpSp>
-        <p:nvGrpSpPr>
-          <p:cNvPr id="8" name="Group 8"/>
-          <p:cNvGrpSpPr/>
-          <p:nvPr/>
-        </p:nvGrpSpPr>
-        <p:grpSpPr>
-          <a:xfrm>
-            <a:off x="15859155" y="0"/>
-            <a:ext cx="1562612" cy="1673225"/>
-            <a:chOff x="0" y="0"/>
-            <a:chExt cx="2083482" cy="2230967"/>
-          </a:xfrm>
-        </p:grpSpPr>
-        <p:grpSp>
-          <p:nvGrpSpPr>
-            <p:cNvPr id="9" name="Group 9"/>
-            <p:cNvGrpSpPr/>
-            <p:nvPr/>
-          </p:nvGrpSpPr>
-          <p:grpSpPr>
-            <a:xfrm>
-              <a:off x="75599" y="0"/>
-              <a:ext cx="1932284" cy="2230967"/>
-              <a:chOff x="0" y="0"/>
-              <a:chExt cx="703982" cy="812800"/>
-            </a:xfrm>
-          </p:grpSpPr>
-          <p:sp>
-            <p:nvSpPr>
-              <p:cNvPr id="10" name="Freeform 10"/>
-              <p:cNvSpPr/>
-              <p:nvPr/>
-            </p:nvSpPr>
-            <p:spPr>
-              <a:xfrm>
-                <a:off x="0" y="0"/>
-                <a:ext cx="703982" cy="812800"/>
-              </a:xfrm>
-              <a:custGeom>
-                <a:avLst/>
-                <a:gdLst/>
-                <a:ahLst/>
-                <a:cxnLst/>
-                <a:rect l="l" t="t" r="r" b="b"/>
-                <a:pathLst>
-                  <a:path w="703982" h="812800">
-                    <a:moveTo>
-                      <a:pt x="234787" y="793731"/>
-                    </a:moveTo>
-                    <a:cubicBezTo>
-                      <a:pt x="270879" y="805245"/>
-                      <a:pt x="311910" y="812800"/>
-                      <a:pt x="352180" y="812800"/>
-                    </a:cubicBezTo>
-                    <a:cubicBezTo>
-                      <a:pt x="392452" y="812800"/>
-                      <a:pt x="431204" y="806323"/>
-                      <a:pt x="466915" y="794809"/>
-                    </a:cubicBezTo>
-                    <a:cubicBezTo>
-                      <a:pt x="467675" y="794450"/>
-                      <a:pt x="468435" y="794450"/>
-                      <a:pt x="469194" y="794090"/>
-                    </a:cubicBezTo>
-                    <a:cubicBezTo>
-                      <a:pt x="603304" y="748035"/>
-                      <a:pt x="702082" y="626421"/>
-                      <a:pt x="703982" y="484298"/>
-                    </a:cubicBezTo>
-                    <a:lnTo>
-                      <a:pt x="703982" y="0"/>
-                    </a:lnTo>
-                    <a:lnTo>
-                      <a:pt x="0" y="0"/>
-                    </a:lnTo>
-                    <a:lnTo>
-                      <a:pt x="0" y="483939"/>
-                    </a:lnTo>
-                    <a:cubicBezTo>
-                      <a:pt x="1900" y="627140"/>
-                      <a:pt x="99158" y="748755"/>
-                      <a:pt x="234787" y="793731"/>
-                    </a:cubicBezTo>
-                    <a:close/>
-                  </a:path>
-                </a:pathLst>
-              </a:custGeom>
-              <a:solidFill>
-                <a:srgbClr val="9FC3D0"/>
-              </a:solidFill>
-            </p:spPr>
-            <p:txBody>
-              <a:bodyPr/>
-              <a:lstStyle/>
-              <a:p>
-                <a:endParaRPr lang="zh-TW" altLang="en-US"/>
-              </a:p>
-            </p:txBody>
-          </p:sp>
-          <p:sp>
-            <p:nvSpPr>
-              <p:cNvPr id="11" name="TextBox 11"/>
-              <p:cNvSpPr txBox="1"/>
-              <p:nvPr/>
-            </p:nvSpPr>
-            <p:spPr>
-              <a:xfrm>
-                <a:off x="0" y="-47625"/>
-                <a:ext cx="703982" cy="733425"/>
-              </a:xfrm>
-              <a:prstGeom prst="rect">
-                <a:avLst/>
-              </a:prstGeom>
-            </p:spPr>
-            <p:txBody>
-              <a:bodyPr lIns="50800" tIns="50800" rIns="50800" bIns="50800" rtlCol="0" anchor="ctr"/>
-              <a:lstStyle/>
-              <a:p>
-                <a:pPr algn="ctr">
-                  <a:lnSpc>
-                    <a:spcPts val="2659"/>
-                  </a:lnSpc>
-                </a:pPr>
-                <a:endParaRPr>
-                  <a:latin typeface="+mj-lt"/>
-                </a:endParaRPr>
-              </a:p>
-            </p:txBody>
-          </p:sp>
-        </p:grpSp>
-        <p:sp>
-          <p:nvSpPr>
-            <p:cNvPr id="12" name="TextBox 12"/>
-            <p:cNvSpPr txBox="1"/>
-            <p:nvPr/>
-          </p:nvSpPr>
-          <p:spPr>
-            <a:xfrm>
-              <a:off x="0" y="437582"/>
-              <a:ext cx="2083482" cy="1241504"/>
-            </a:xfrm>
-            <a:prstGeom prst="rect">
-              <a:avLst/>
-            </a:prstGeom>
-          </p:spPr>
-          <p:txBody>
-            <a:bodyPr lIns="0" tIns="0" rIns="0" bIns="0" rtlCol="0" anchor="t">
-              <a:spAutoFit/>
-            </a:bodyPr>
-            <a:lstStyle/>
-            <a:p>
-              <a:pPr algn="ctr">
-                <a:lnSpc>
-                  <a:spcPts val="7805"/>
-                </a:lnSpc>
-              </a:pPr>
-              <a:r>
-                <a:rPr lang="en-US" sz="5550" dirty="0">
-                  <a:solidFill>
-                    <a:srgbClr val="000000"/>
-                  </a:solidFill>
-                  <a:latin typeface="+mj-lt"/>
-                  <a:cs typeface="Arial"/>
-                </a:rPr>
-                <a:t>6</a:t>
-              </a:r>
-            </a:p>
-          </p:txBody>
-        </p:sp>
-      </p:grpSp>
-      <p:sp>
-        <p:nvSpPr>
-          <p:cNvPr id="13" name="Freeform 13"/>
-          <p:cNvSpPr/>
-          <p:nvPr/>
-        </p:nvSpPr>
-        <p:spPr>
-          <a:xfrm>
-            <a:off x="-2627572" y="-733336"/>
-            <a:ext cx="7315200" cy="2477783"/>
-          </a:xfrm>
-          <a:custGeom>
-            <a:avLst/>
-            <a:gdLst/>
-            <a:ahLst/>
-            <a:cxnLst/>
-            <a:rect l="l" t="t" r="r" b="b"/>
-            <a:pathLst>
-              <a:path w="7315200" h="2477783">
-                <a:moveTo>
-                  <a:pt x="0" y="0"/>
-                </a:moveTo>
-                <a:lnTo>
-                  <a:pt x="7315200" y="0"/>
-                </a:lnTo>
-                <a:lnTo>
-                  <a:pt x="7315200" y="2477783"/>
-                </a:lnTo>
-                <a:lnTo>
-                  <a:pt x="0" y="2477783"/>
-                </a:lnTo>
-                <a:lnTo>
-                  <a:pt x="0" y="0"/>
-                </a:lnTo>
-                <a:close/>
-              </a:path>
-            </a:pathLst>
-          </a:custGeom>
-          <a:blipFill>
-            <a:blip r:embed="rId2">
-              <a:extLst>
-                <a:ext uri="{96DAC541-7B7A-43D3-8B79-37D633B846F1}">
-                  <asvg:svgBlip xmlns:asvg="http://schemas.microsoft.com/office/drawing/2016/SVG/main" r:embed="rId3"/>
-                </a:ext>
-              </a:extLst>
-            </a:blip>
-            <a:stretch>
-              <a:fillRect/>
-            </a:stretch>
-          </a:blipFill>
-        </p:spPr>
-        <p:txBody>
-          <a:bodyPr/>
-          <a:lstStyle/>
-          <a:p>
-            <a:endParaRPr lang="zh-TW" altLang="en-US"/>
-          </a:p>
-        </p:txBody>
-      </p:sp>
-      <p:pic>
-        <p:nvPicPr>
-          <p:cNvPr id="3" name="圖片 2" descr="一張含有 文字, 字型, 白色, 行 的圖片&#10;&#10;自動產生的描述">
-            <a:extLst>
-              <a:ext uri="{FF2B5EF4-FFF2-40B4-BE49-F238E27FC236}">
-                <a16:creationId xmlns:a16="http://schemas.microsoft.com/office/drawing/2014/main" id="{BE4DE182-6469-AC21-34DD-F95990E41BFE}"/>
-              </a:ext>
-            </a:extLst>
-          </p:cNvPr>
-          <p:cNvPicPr>
-            <a:picLocks noChangeAspect="1"/>
-          </p:cNvPicPr>
-          <p:nvPr/>
-        </p:nvPicPr>
-        <p:blipFill>
-          <a:blip r:embed="rId4"/>
-          <a:stretch>
-            <a:fillRect/>
-          </a:stretch>
-        </p:blipFill>
-        <p:spPr>
-          <a:xfrm>
-            <a:off x="2764064" y="4078801"/>
-            <a:ext cx="12759871" cy="3399064"/>
-          </a:xfrm>
-          <a:prstGeom prst="rect">
-            <a:avLst/>
-          </a:prstGeom>
-        </p:spPr>
-      </p:pic>
-      <p:sp>
-        <p:nvSpPr>
-          <p:cNvPr id="2" name="矩形 1">
-            <a:extLst>
-              <a:ext uri="{FF2B5EF4-FFF2-40B4-BE49-F238E27FC236}">
-                <a16:creationId xmlns:a16="http://schemas.microsoft.com/office/drawing/2014/main" id="{3BC797D3-A259-2213-4A63-140FA542A9E3}"/>
-              </a:ext>
-            </a:extLst>
-          </p:cNvPr>
-          <p:cNvSpPr/>
-          <p:nvPr/>
-        </p:nvSpPr>
-        <p:spPr>
-          <a:xfrm>
-            <a:off x="4943928" y="4450276"/>
-            <a:ext cx="457200" cy="1066800"/>
-          </a:xfrm>
-          <a:prstGeom prst="rect">
-            <a:avLst/>
-          </a:prstGeom>
-          <a:noFill/>
-          <a:ln w="76200">
-            <a:solidFill>
-              <a:srgbClr val="E9C7C6"/>
-            </a:solidFill>
-          </a:ln>
-        </p:spPr>
-        <p:style>
-          <a:lnRef idx="2">
-            <a:schemeClr val="accent1">
-              <a:shade val="15000"/>
-            </a:schemeClr>
-          </a:lnRef>
-          <a:fillRef idx="1">
-            <a:schemeClr val="accent1"/>
-          </a:fillRef>
-          <a:effectRef idx="0">
-            <a:schemeClr val="accent1"/>
-          </a:effectRef>
-          <a:fontRef idx="minor">
-            <a:schemeClr val="lt1"/>
-          </a:fontRef>
-        </p:style>
-        <p:txBody>
-          <a:bodyPr rtlCol="0" anchor="ctr"/>
-          <a:lstStyle/>
-          <a:p>
-            <a:pPr algn="ctr"/>
-            <a:endParaRPr lang="zh-TW" altLang="en-US"/>
-          </a:p>
-        </p:txBody>
-      </p:sp>
-      <p:sp>
-        <p:nvSpPr>
-          <p:cNvPr id="14" name="矩形 13">
-            <a:extLst>
-              <a:ext uri="{FF2B5EF4-FFF2-40B4-BE49-F238E27FC236}">
-                <a16:creationId xmlns:a16="http://schemas.microsoft.com/office/drawing/2014/main" id="{F0511F4D-97F5-7BE6-4A5E-C3E0C83E3A4C}"/>
-              </a:ext>
-            </a:extLst>
-          </p:cNvPr>
-          <p:cNvSpPr/>
-          <p:nvPr/>
-        </p:nvSpPr>
-        <p:spPr>
-          <a:xfrm>
-            <a:off x="7352392" y="4450276"/>
-            <a:ext cx="457200" cy="1066800"/>
-          </a:xfrm>
-          <a:prstGeom prst="rect">
-            <a:avLst/>
-          </a:prstGeom>
-          <a:noFill/>
-          <a:ln w="76200">
-            <a:solidFill>
-              <a:srgbClr val="E9C7C6"/>
-            </a:solidFill>
-          </a:ln>
-        </p:spPr>
-        <p:style>
-          <a:lnRef idx="2">
-            <a:schemeClr val="accent1">
-              <a:shade val="15000"/>
-            </a:schemeClr>
-          </a:lnRef>
-          <a:fillRef idx="1">
-            <a:schemeClr val="accent1"/>
-          </a:fillRef>
-          <a:effectRef idx="0">
-            <a:schemeClr val="accent1"/>
-          </a:effectRef>
-          <a:fontRef idx="minor">
-            <a:schemeClr val="lt1"/>
-          </a:fontRef>
-        </p:style>
-        <p:txBody>
-          <a:bodyPr rtlCol="0" anchor="ctr"/>
-          <a:lstStyle/>
-          <a:p>
-            <a:pPr algn="ctr"/>
-            <a:endParaRPr lang="zh-TW" altLang="en-US"/>
-          </a:p>
-        </p:txBody>
-      </p:sp>
-      <p:sp>
-        <p:nvSpPr>
-          <p:cNvPr id="15" name="矩形 14">
-            <a:extLst>
-              <a:ext uri="{FF2B5EF4-FFF2-40B4-BE49-F238E27FC236}">
-                <a16:creationId xmlns:a16="http://schemas.microsoft.com/office/drawing/2014/main" id="{356F09E4-6F54-1F6C-C46E-560B525AB187}"/>
-              </a:ext>
-            </a:extLst>
-          </p:cNvPr>
-          <p:cNvSpPr/>
-          <p:nvPr/>
-        </p:nvSpPr>
-        <p:spPr>
-          <a:xfrm>
-            <a:off x="8532702" y="4455193"/>
-            <a:ext cx="457200" cy="1066800"/>
-          </a:xfrm>
-          <a:prstGeom prst="rect">
-            <a:avLst/>
-          </a:prstGeom>
-          <a:noFill/>
-          <a:ln w="76200">
-            <a:solidFill>
-              <a:srgbClr val="E9C7C6"/>
-            </a:solidFill>
-          </a:ln>
-        </p:spPr>
-        <p:style>
-          <a:lnRef idx="2">
-            <a:schemeClr val="accent1">
-              <a:shade val="15000"/>
-            </a:schemeClr>
-          </a:lnRef>
-          <a:fillRef idx="1">
-            <a:schemeClr val="accent1"/>
-          </a:fillRef>
-          <a:effectRef idx="0">
-            <a:schemeClr val="accent1"/>
-          </a:effectRef>
-          <a:fontRef idx="minor">
-            <a:schemeClr val="lt1"/>
-          </a:fontRef>
-        </p:style>
-        <p:txBody>
-          <a:bodyPr rtlCol="0" anchor="ctr"/>
-          <a:lstStyle/>
-          <a:p>
-            <a:pPr algn="ctr"/>
-            <a:endParaRPr lang="zh-TW" altLang="en-US"/>
-          </a:p>
-        </p:txBody>
-      </p:sp>
-      <p:cxnSp>
-        <p:nvCxnSpPr>
-          <p:cNvPr id="17" name="接點: 肘形 16">
-            <a:extLst>
-              <a:ext uri="{FF2B5EF4-FFF2-40B4-BE49-F238E27FC236}">
-                <a16:creationId xmlns:a16="http://schemas.microsoft.com/office/drawing/2014/main" id="{23DCCCA7-FF1D-F101-7D3E-966A74805B29}"/>
-              </a:ext>
-            </a:extLst>
-          </p:cNvPr>
-          <p:cNvCxnSpPr>
-            <a:stCxn id="15" idx="0"/>
-            <a:endCxn id="2" idx="0"/>
-          </p:cNvCxnSpPr>
-          <p:nvPr/>
-        </p:nvCxnSpPr>
-        <p:spPr>
-          <a:xfrm rot="16200000" flipV="1">
-            <a:off x="6964457" y="2658348"/>
-            <a:ext cx="4917" cy="3588774"/>
-          </a:xfrm>
-          <a:prstGeom prst="bentConnector3">
-            <a:avLst>
-              <a:gd name="adj1" fmla="val 26345292"/>
-            </a:avLst>
-          </a:prstGeom>
-          <a:ln w="76200">
-            <a:solidFill>
-              <a:srgbClr val="E9C7C6"/>
-            </a:solidFill>
-          </a:ln>
-        </p:spPr>
-        <p:style>
-          <a:lnRef idx="1">
-            <a:schemeClr val="accent1"/>
-          </a:lnRef>
-          <a:fillRef idx="0">
-            <a:schemeClr val="accent1"/>
-          </a:fillRef>
-          <a:effectRef idx="0">
-            <a:schemeClr val="accent1"/>
-          </a:effectRef>
-          <a:fontRef idx="minor">
-            <a:schemeClr val="tx1"/>
-          </a:fontRef>
-        </p:style>
-      </p:cxnSp>
-      <p:cxnSp>
-        <p:nvCxnSpPr>
-          <p:cNvPr id="20" name="直線接點 19">
-            <a:extLst>
-              <a:ext uri="{FF2B5EF4-FFF2-40B4-BE49-F238E27FC236}">
-                <a16:creationId xmlns:a16="http://schemas.microsoft.com/office/drawing/2014/main" id="{E1115401-CB93-B8A1-21FC-F32F17B8E888}"/>
-              </a:ext>
-            </a:extLst>
-          </p:cNvPr>
-          <p:cNvCxnSpPr>
-            <a:stCxn id="14" idx="0"/>
-          </p:cNvCxnSpPr>
-          <p:nvPr/>
-        </p:nvCxnSpPr>
-        <p:spPr>
-          <a:xfrm flipV="1">
-            <a:off x="7580992" y="3154876"/>
-            <a:ext cx="0" cy="1295400"/>
-          </a:xfrm>
-          <a:prstGeom prst="line">
-            <a:avLst/>
-          </a:prstGeom>
-          <a:ln w="76200">
-            <a:solidFill>
-              <a:srgbClr val="E9C7C6"/>
-            </a:solidFill>
-          </a:ln>
-        </p:spPr>
-        <p:style>
-          <a:lnRef idx="1">
-            <a:schemeClr val="accent1"/>
-          </a:lnRef>
-          <a:fillRef idx="0">
-            <a:schemeClr val="accent1"/>
-          </a:fillRef>
-          <a:effectRef idx="0">
-            <a:schemeClr val="accent1"/>
-          </a:effectRef>
-          <a:fontRef idx="minor">
-            <a:schemeClr val="tx1"/>
-          </a:fontRef>
-        </p:style>
-      </p:cxnSp>
-      <p:sp>
-        <p:nvSpPr>
-          <p:cNvPr id="22" name="文字方塊 21">
-            <a:extLst>
-              <a:ext uri="{FF2B5EF4-FFF2-40B4-BE49-F238E27FC236}">
-                <a16:creationId xmlns:a16="http://schemas.microsoft.com/office/drawing/2014/main" id="{28BD3955-AD31-6B1F-B329-C8DA533A22BA}"/>
-              </a:ext>
-            </a:extLst>
-          </p:cNvPr>
-          <p:cNvSpPr txBox="1"/>
-          <p:nvPr/>
-        </p:nvSpPr>
-        <p:spPr>
-          <a:xfrm>
-            <a:off x="5239364" y="2540995"/>
-            <a:ext cx="3939048" cy="584775"/>
-          </a:xfrm>
-          <a:prstGeom prst="rect">
-            <a:avLst/>
-          </a:prstGeom>
-          <a:noFill/>
-        </p:spPr>
-        <p:txBody>
-          <a:bodyPr wrap="square">
-            <a:spAutoFit/>
-          </a:bodyPr>
-          <a:lstStyle/>
-          <a:p>
-            <a:r>
-              <a:rPr lang="en-US" altLang="zh-TW" sz="3200" b="1" dirty="0">
-                <a:solidFill>
-                  <a:srgbClr val="FF0000"/>
-                </a:solidFill>
-                <a:latin typeface="+mj-lt"/>
-                <a:ea typeface="微軟正黑體"/>
-              </a:rPr>
-              <a:t>Number of months</a:t>
-            </a:r>
-            <a:endParaRPr lang="zh-TW" altLang="en-US" sz="3200" b="1" dirty="0">
-              <a:solidFill>
-                <a:srgbClr val="FF0000"/>
-              </a:solidFill>
-            </a:endParaRPr>
-          </a:p>
-        </p:txBody>
-      </p:sp>
-      <p:sp>
-        <p:nvSpPr>
-          <p:cNvPr id="23" name="矩形 22">
-            <a:extLst>
-              <a:ext uri="{FF2B5EF4-FFF2-40B4-BE49-F238E27FC236}">
-                <a16:creationId xmlns:a16="http://schemas.microsoft.com/office/drawing/2014/main" id="{27EB8AC7-A4D5-EA82-C574-78DF9AD2EE03}"/>
-              </a:ext>
-            </a:extLst>
-          </p:cNvPr>
-          <p:cNvSpPr/>
-          <p:nvPr/>
-        </p:nvSpPr>
-        <p:spPr>
-          <a:xfrm>
-            <a:off x="3763618" y="4451505"/>
-            <a:ext cx="914938" cy="1066800"/>
-          </a:xfrm>
-          <a:prstGeom prst="rect">
-            <a:avLst/>
-          </a:prstGeom>
-          <a:noFill/>
-          <a:ln w="76200">
-            <a:solidFill>
-              <a:srgbClr val="9FC3D0"/>
-            </a:solidFill>
-          </a:ln>
-        </p:spPr>
-        <p:style>
-          <a:lnRef idx="2">
-            <a:schemeClr val="accent1">
-              <a:shade val="15000"/>
-            </a:schemeClr>
-          </a:lnRef>
-          <a:fillRef idx="1">
-            <a:schemeClr val="accent1"/>
-          </a:fillRef>
-          <a:effectRef idx="0">
-            <a:schemeClr val="accent1"/>
-          </a:effectRef>
-          <a:fontRef idx="minor">
-            <a:schemeClr val="lt1"/>
-          </a:fontRef>
-        </p:style>
-        <p:txBody>
-          <a:bodyPr rtlCol="0" anchor="ctr"/>
-          <a:lstStyle/>
-          <a:p>
-            <a:pPr algn="ctr"/>
-            <a:endParaRPr lang="zh-TW" altLang="en-US"/>
-          </a:p>
-        </p:txBody>
-      </p:sp>
-      <p:sp>
-        <p:nvSpPr>
-          <p:cNvPr id="24" name="矩形 23">
-            <a:extLst>
-              <a:ext uri="{FF2B5EF4-FFF2-40B4-BE49-F238E27FC236}">
-                <a16:creationId xmlns:a16="http://schemas.microsoft.com/office/drawing/2014/main" id="{23CE938C-F360-3963-6432-6E0747711FDD}"/>
-              </a:ext>
-            </a:extLst>
-          </p:cNvPr>
-          <p:cNvSpPr/>
-          <p:nvPr/>
-        </p:nvSpPr>
-        <p:spPr>
-          <a:xfrm>
-            <a:off x="6166124" y="4450276"/>
-            <a:ext cx="914938" cy="1066800"/>
-          </a:xfrm>
-          <a:prstGeom prst="rect">
-            <a:avLst/>
-          </a:prstGeom>
-          <a:noFill/>
-          <a:ln w="76200">
-            <a:solidFill>
-              <a:srgbClr val="9FC3D0"/>
-            </a:solidFill>
-          </a:ln>
-        </p:spPr>
-        <p:style>
-          <a:lnRef idx="2">
-            <a:schemeClr val="accent1">
-              <a:shade val="15000"/>
-            </a:schemeClr>
-          </a:lnRef>
-          <a:fillRef idx="1">
-            <a:schemeClr val="accent1"/>
-          </a:fillRef>
-          <a:effectRef idx="0">
-            <a:schemeClr val="accent1"/>
-          </a:effectRef>
-          <a:fontRef idx="minor">
-            <a:schemeClr val="lt1"/>
-          </a:fontRef>
-        </p:style>
-        <p:txBody>
-          <a:bodyPr rtlCol="0" anchor="ctr"/>
-          <a:lstStyle/>
-          <a:p>
-            <a:pPr algn="ctr"/>
-            <a:endParaRPr lang="zh-TW" altLang="en-US"/>
-          </a:p>
-        </p:txBody>
-      </p:sp>
-      <p:sp>
-        <p:nvSpPr>
-          <p:cNvPr id="25" name="矩形 24">
-            <a:extLst>
-              <a:ext uri="{FF2B5EF4-FFF2-40B4-BE49-F238E27FC236}">
-                <a16:creationId xmlns:a16="http://schemas.microsoft.com/office/drawing/2014/main" id="{4CE699B3-9AD8-5DBF-C6B6-8E5774A61EF1}"/>
-              </a:ext>
-            </a:extLst>
-          </p:cNvPr>
-          <p:cNvSpPr/>
-          <p:nvPr/>
-        </p:nvSpPr>
-        <p:spPr>
-          <a:xfrm>
-            <a:off x="9255274" y="4450276"/>
-            <a:ext cx="728224" cy="1066800"/>
-          </a:xfrm>
-          <a:prstGeom prst="rect">
-            <a:avLst/>
-          </a:prstGeom>
-          <a:noFill/>
-          <a:ln w="76200">
-            <a:solidFill>
-              <a:srgbClr val="9FC3D0"/>
-            </a:solidFill>
-          </a:ln>
-        </p:spPr>
-        <p:style>
-          <a:lnRef idx="2">
-            <a:schemeClr val="accent1">
-              <a:shade val="15000"/>
-            </a:schemeClr>
-          </a:lnRef>
-          <a:fillRef idx="1">
-            <a:schemeClr val="accent1"/>
-          </a:fillRef>
-          <a:effectRef idx="0">
-            <a:schemeClr val="accent1"/>
-          </a:effectRef>
-          <a:fontRef idx="minor">
-            <a:schemeClr val="lt1"/>
-          </a:fontRef>
-        </p:style>
-        <p:txBody>
-          <a:bodyPr rtlCol="0" anchor="ctr"/>
-          <a:lstStyle/>
-          <a:p>
-            <a:pPr algn="ctr"/>
-            <a:endParaRPr lang="zh-TW" altLang="en-US"/>
-          </a:p>
-        </p:txBody>
-      </p:sp>
-      <p:cxnSp>
-        <p:nvCxnSpPr>
-          <p:cNvPr id="27" name="接點: 肘形 26">
-            <a:extLst>
-              <a:ext uri="{FF2B5EF4-FFF2-40B4-BE49-F238E27FC236}">
-                <a16:creationId xmlns:a16="http://schemas.microsoft.com/office/drawing/2014/main" id="{E864A980-2FE1-CC31-8835-B59F5D6E02B0}"/>
-              </a:ext>
-            </a:extLst>
-          </p:cNvPr>
-          <p:cNvCxnSpPr>
-            <a:stCxn id="25" idx="2"/>
-            <a:endCxn id="23" idx="2"/>
-          </p:cNvCxnSpPr>
-          <p:nvPr/>
-        </p:nvCxnSpPr>
-        <p:spPr>
-          <a:xfrm rot="5400000">
-            <a:off x="6919623" y="2818541"/>
-            <a:ext cx="1229" cy="5398299"/>
-          </a:xfrm>
-          <a:prstGeom prst="bentConnector3">
-            <a:avLst>
-              <a:gd name="adj1" fmla="val 183104801"/>
-            </a:avLst>
-          </a:prstGeom>
-          <a:ln w="76200">
-            <a:solidFill>
-              <a:srgbClr val="9FC3D0"/>
-            </a:solidFill>
-          </a:ln>
-        </p:spPr>
-        <p:style>
-          <a:lnRef idx="1">
-            <a:schemeClr val="accent1"/>
-          </a:lnRef>
-          <a:fillRef idx="0">
-            <a:schemeClr val="accent1"/>
-          </a:fillRef>
-          <a:effectRef idx="0">
-            <a:schemeClr val="accent1"/>
-          </a:effectRef>
-          <a:fontRef idx="minor">
-            <a:schemeClr val="tx1"/>
-          </a:fontRef>
-        </p:style>
-      </p:cxnSp>
-      <p:cxnSp>
-        <p:nvCxnSpPr>
-          <p:cNvPr id="30" name="直線接點 29">
-            <a:extLst>
-              <a:ext uri="{FF2B5EF4-FFF2-40B4-BE49-F238E27FC236}">
-                <a16:creationId xmlns:a16="http://schemas.microsoft.com/office/drawing/2014/main" id="{1B3942CB-17FD-4205-145C-05DBD6A6713F}"/>
-              </a:ext>
-            </a:extLst>
-          </p:cNvPr>
-          <p:cNvCxnSpPr>
-            <a:cxnSpLocks/>
-            <a:stCxn id="24" idx="2"/>
-          </p:cNvCxnSpPr>
-          <p:nvPr/>
-        </p:nvCxnSpPr>
-        <p:spPr>
-          <a:xfrm>
-            <a:off x="6623593" y="5517076"/>
-            <a:ext cx="5689" cy="2228929"/>
-          </a:xfrm>
-          <a:prstGeom prst="line">
-            <a:avLst/>
-          </a:prstGeom>
-          <a:ln w="76200">
-            <a:solidFill>
-              <a:srgbClr val="9FC3D0"/>
-            </a:solidFill>
-          </a:ln>
-        </p:spPr>
-        <p:style>
-          <a:lnRef idx="1">
-            <a:schemeClr val="accent1"/>
-          </a:lnRef>
-          <a:fillRef idx="0">
-            <a:schemeClr val="accent1"/>
-          </a:fillRef>
-          <a:effectRef idx="0">
-            <a:schemeClr val="accent1"/>
-          </a:effectRef>
-          <a:fontRef idx="minor">
-            <a:schemeClr val="tx1"/>
-          </a:fontRef>
-        </p:style>
-      </p:cxnSp>
-      <p:sp>
-        <p:nvSpPr>
-          <p:cNvPr id="33" name="文字方塊 32">
-            <a:extLst>
-              <a:ext uri="{FF2B5EF4-FFF2-40B4-BE49-F238E27FC236}">
-                <a16:creationId xmlns:a16="http://schemas.microsoft.com/office/drawing/2014/main" id="{254963FA-EF6A-3DD6-5F14-ABB27A06DE0F}"/>
-              </a:ext>
-            </a:extLst>
-          </p:cNvPr>
-          <p:cNvSpPr txBox="1"/>
-          <p:nvPr/>
-        </p:nvSpPr>
-        <p:spPr>
-          <a:xfrm>
-            <a:off x="5562395" y="7872869"/>
-            <a:ext cx="2564539" cy="584775"/>
-          </a:xfrm>
-          <a:prstGeom prst="rect">
-            <a:avLst/>
-          </a:prstGeom>
-          <a:noFill/>
-        </p:spPr>
-        <p:txBody>
-          <a:bodyPr wrap="square">
-            <a:spAutoFit/>
-          </a:bodyPr>
-          <a:lstStyle/>
-          <a:p>
-            <a:r>
-              <a:rPr lang="en-US" altLang="zh-TW" sz="3200" b="1" dirty="0">
-                <a:solidFill>
-                  <a:srgbClr val="FF0000"/>
-                </a:solidFill>
-                <a:latin typeface="+mj-lt"/>
-                <a:ea typeface="微軟正黑體"/>
-              </a:rPr>
-              <a:t>Coefficient</a:t>
-            </a:r>
-            <a:endParaRPr lang="zh-TW" altLang="en-US" sz="3200" b="1" dirty="0">
-              <a:solidFill>
-                <a:srgbClr val="FF0000"/>
-              </a:solidFill>
-              <a:latin typeface="+mj-lt"/>
-              <a:ea typeface="微軟正黑體"/>
             </a:endParaRPr>
           </a:p>
         </p:txBody>
@@ -12679,6 +13341,23 @@
 </file>
 
 <file path=customXml/item1.xml><?xml version="1.0" encoding="utf-8"?>
+<?mso-contentType ?>
+<FormTemplates xmlns="http://schemas.microsoft.com/sharepoint/v3/contenttype/forms">
+  <Display>DocumentLibraryForm</Display>
+  <Edit>DocumentLibraryForm</Edit>
+  <New>DocumentLibraryForm</New>
+</FormTemplates>
+</file>
+
+<file path=customXml/item2.xml><?xml version="1.0" encoding="utf-8"?>
+<p:properties xmlns:p="http://schemas.microsoft.com/office/2006/metadata/properties" xmlns:xsi="http://www.w3.org/2001/XMLSchema-instance" xmlns:pc="http://schemas.microsoft.com/office/infopath/2007/PartnerControls">
+  <documentManagement>
+    <_activity xmlns="77ebc047-5e7b-4a1f-b995-488ce2c9ab10" xsi:nil="true"/>
+  </documentManagement>
+</p:properties>
+</file>
+
+<file path=customXml/item3.xml><?xml version="1.0" encoding="utf-8"?>
 <ct:contentTypeSchema xmlns:ct="http://schemas.microsoft.com/office/2006/metadata/contentType" xmlns:ma="http://schemas.microsoft.com/office/2006/metadata/properties/metaAttributes" ct:_="" ma:_="" ma:contentTypeName="Document" ma:contentTypeID="0x0101003F79E7ECF21C0E4B8E07639C4BF242C3" ma:contentTypeVersion="8" ma:contentTypeDescription="Create a new document." ma:contentTypeScope="" ma:versionID="12c4a76850c20687a2770ab0b726fd9e">
   <xsd:schema xmlns:xsd="http://www.w3.org/2001/XMLSchema" xmlns:xs="http://www.w3.org/2001/XMLSchema" xmlns:p="http://schemas.microsoft.com/office/2006/metadata/properties" xmlns:ns3="77ebc047-5e7b-4a1f-b995-488ce2c9ab10" xmlns:ns4="72644889-00e1-4b88-90e6-2f3ddb201bee" targetNamespace="http://schemas.microsoft.com/office/2006/metadata/properties" ma:root="true" ma:fieldsID="08e02bdfe2019d03e9f82bce686d9610" ns3:_="" ns4:_="">
     <xsd:import namespace="77ebc047-5e7b-4a1f-b995-488ce2c9ab10"/>
@@ -12867,38 +13546,10 @@
 </ct:contentTypeSchema>
 </file>
 
-<file path=customXml/item2.xml><?xml version="1.0" encoding="utf-8"?>
-<p:properties xmlns:p="http://schemas.microsoft.com/office/2006/metadata/properties" xmlns:xsi="http://www.w3.org/2001/XMLSchema-instance" xmlns:pc="http://schemas.microsoft.com/office/infopath/2007/PartnerControls">
-  <documentManagement>
-    <_activity xmlns="77ebc047-5e7b-4a1f-b995-488ce2c9ab10" xsi:nil="true"/>
-  </documentManagement>
-</p:properties>
-</file>
-
-<file path=customXml/item3.xml><?xml version="1.0" encoding="utf-8"?>
-<?mso-contentType ?>
-<FormTemplates xmlns="http://schemas.microsoft.com/sharepoint/v3/contenttype/forms">
-  <Display>DocumentLibraryForm</Display>
-  <Edit>DocumentLibraryForm</Edit>
-  <New>DocumentLibraryForm</New>
-</FormTemplates>
-</file>
-
 <file path=customXml/itemProps1.xml><?xml version="1.0" encoding="utf-8"?>
-<ds:datastoreItem xmlns:ds="http://schemas.openxmlformats.org/officeDocument/2006/customXml" ds:itemID="{C1FDC9E4-3920-4ACA-A2EF-2085C9429137}">
+<ds:datastoreItem xmlns:ds="http://schemas.openxmlformats.org/officeDocument/2006/customXml" ds:itemID="{DB21DA7F-8D63-4FBA-9703-0888E42164F2}">
   <ds:schemaRefs>
-    <ds:schemaRef ds:uri="http://schemas.microsoft.com/office/2006/metadata/contentType"/>
-    <ds:schemaRef ds:uri="http://schemas.microsoft.com/office/2006/metadata/properties/metaAttributes"/>
-    <ds:schemaRef ds:uri="http://www.w3.org/2001/XMLSchema"/>
-    <ds:schemaRef ds:uri="http://schemas.microsoft.com/office/2006/metadata/properties"/>
-    <ds:schemaRef ds:uri="77ebc047-5e7b-4a1f-b995-488ce2c9ab10"/>
-    <ds:schemaRef ds:uri="72644889-00e1-4b88-90e6-2f3ddb201bee"/>
-    <ds:schemaRef ds:uri="http://schemas.microsoft.com/office/2006/documentManagement/types"/>
-    <ds:schemaRef ds:uri="http://schemas.microsoft.com/office/infopath/2007/PartnerControls"/>
-    <ds:schemaRef ds:uri="http://schemas.openxmlformats.org/package/2006/metadata/core-properties"/>
-    <ds:schemaRef ds:uri="http://purl.org/dc/elements/1.1/"/>
-    <ds:schemaRef ds:uri="http://purl.org/dc/terms/"/>
-    <ds:schemaRef ds:uri="http://schemas.microsoft.com/internal/obd"/>
+    <ds:schemaRef ds:uri="http://schemas.microsoft.com/sharepoint/v3/contenttype/forms"/>
   </ds:schemaRefs>
 </ds:datastoreItem>
 </file>
@@ -12921,9 +13572,20 @@
 </file>
 
 <file path=customXml/itemProps3.xml><?xml version="1.0" encoding="utf-8"?>
-<ds:datastoreItem xmlns:ds="http://schemas.openxmlformats.org/officeDocument/2006/customXml" ds:itemID="{DB21DA7F-8D63-4FBA-9703-0888E42164F2}">
+<ds:datastoreItem xmlns:ds="http://schemas.openxmlformats.org/officeDocument/2006/customXml" ds:itemID="{C1FDC9E4-3920-4ACA-A2EF-2085C9429137}">
   <ds:schemaRefs>
-    <ds:schemaRef ds:uri="http://schemas.microsoft.com/sharepoint/v3/contenttype/forms"/>
+    <ds:schemaRef ds:uri="http://schemas.microsoft.com/office/2006/metadata/contentType"/>
+    <ds:schemaRef ds:uri="http://schemas.microsoft.com/office/2006/metadata/properties/metaAttributes"/>
+    <ds:schemaRef ds:uri="http://www.w3.org/2001/XMLSchema"/>
+    <ds:schemaRef ds:uri="http://schemas.microsoft.com/office/2006/metadata/properties"/>
+    <ds:schemaRef ds:uri="77ebc047-5e7b-4a1f-b995-488ce2c9ab10"/>
+    <ds:schemaRef ds:uri="72644889-00e1-4b88-90e6-2f3ddb201bee"/>
+    <ds:schemaRef ds:uri="http://schemas.microsoft.com/office/2006/documentManagement/types"/>
+    <ds:schemaRef ds:uri="http://schemas.microsoft.com/office/infopath/2007/PartnerControls"/>
+    <ds:schemaRef ds:uri="http://schemas.openxmlformats.org/package/2006/metadata/core-properties"/>
+    <ds:schemaRef ds:uri="http://purl.org/dc/elements/1.1/"/>
+    <ds:schemaRef ds:uri="http://purl.org/dc/terms/"/>
+    <ds:schemaRef ds:uri="http://schemas.microsoft.com/internal/obd"/>
   </ds:schemaRefs>
 </ds:datastoreItem>
 </file>